--- a/presentation/csawesc19-kernel-sanders.pptx
+++ b/presentation/csawesc19-kernel-sanders.pptx
@@ -6,15 +6,20 @@
     <p:sldMasterId id="2147483660" r:id="rId2"/>
   </p:sldMasterIdLst>
   <p:notesMasterIdLst>
-    <p:notesMasterId r:id="rId9"/>
+    <p:notesMasterId r:id="rId14"/>
   </p:notesMasterIdLst>
   <p:sldIdLst>
     <p:sldId id="256" r:id="rId3"/>
     <p:sldId id="260" r:id="rId4"/>
-    <p:sldId id="262" r:id="rId5"/>
-    <p:sldId id="258" r:id="rId6"/>
-    <p:sldId id="264" r:id="rId7"/>
-    <p:sldId id="263" r:id="rId8"/>
+    <p:sldId id="266" r:id="rId5"/>
+    <p:sldId id="267" r:id="rId6"/>
+    <p:sldId id="268" r:id="rId7"/>
+    <p:sldId id="269" r:id="rId8"/>
+    <p:sldId id="258" r:id="rId9"/>
+    <p:sldId id="262" r:id="rId10"/>
+    <p:sldId id="265" r:id="rId11"/>
+    <p:sldId id="264" r:id="rId12"/>
+    <p:sldId id="263" r:id="rId13"/>
   </p:sldIdLst>
   <p:sldSz cx="9144000" cy="6858000" type="screen4x3"/>
   <p:notesSz cx="6858000" cy="9144000"/>
@@ -472,6 +477,90 @@
     </a:lvl9pPr>
   </p:notesStyle>
 </p:notesMaster>
+</file>
+
+<file path=ppt/notesSlides/notesSlide1.xml><?xml version="1.0" encoding="utf-8"?>
+<p:notes xmlns:a="http://schemas.openxmlformats.org/drawingml/2006/main" xmlns:r="http://schemas.openxmlformats.org/officeDocument/2006/relationships" xmlns:p="http://schemas.openxmlformats.org/presentationml/2006/main">
+  <p:cSld>
+    <p:spTree>
+      <p:nvGrpSpPr>
+        <p:cNvPr id="1" name=""/>
+        <p:cNvGrpSpPr/>
+        <p:nvPr/>
+      </p:nvGrpSpPr>
+      <p:grpSpPr>
+        <a:xfrm>
+          <a:off x="0" y="0"/>
+          <a:ext cx="0" cy="0"/>
+          <a:chOff x="0" y="0"/>
+          <a:chExt cx="0" cy="0"/>
+        </a:xfrm>
+      </p:grpSpPr>
+      <p:sp>
+        <p:nvSpPr>
+          <p:cNvPr id="2" name="Slide Image Placeholder 1"/>
+          <p:cNvSpPr>
+            <a:spLocks noGrp="1" noRot="1" noChangeAspect="1"/>
+          </p:cNvSpPr>
+          <p:nvPr>
+            <p:ph type="sldImg"/>
+          </p:nvPr>
+        </p:nvSpPr>
+        <p:spPr/>
+      </p:sp>
+      <p:sp>
+        <p:nvSpPr>
+          <p:cNvPr id="3" name="Notes Placeholder 2"/>
+          <p:cNvSpPr>
+            <a:spLocks noGrp="1"/>
+          </p:cNvSpPr>
+          <p:nvPr>
+            <p:ph type="body" idx="1"/>
+          </p:nvPr>
+        </p:nvSpPr>
+        <p:spPr/>
+        <p:txBody>
+          <a:bodyPr/>
+          <a:lstStyle/>
+          <a:p>
+            <a:endParaRPr lang="en-US" dirty="0"/>
+          </a:p>
+        </p:txBody>
+      </p:sp>
+      <p:sp>
+        <p:nvSpPr>
+          <p:cNvPr id="4" name="Slide Number Placeholder 3"/>
+          <p:cNvSpPr>
+            <a:spLocks noGrp="1"/>
+          </p:cNvSpPr>
+          <p:nvPr>
+            <p:ph type="sldNum" sz="quarter" idx="5"/>
+          </p:nvPr>
+        </p:nvSpPr>
+        <p:spPr/>
+        <p:txBody>
+          <a:bodyPr/>
+          <a:lstStyle/>
+          <a:p>
+            <a:fld id="{EBB96F45-0A28-524A-8386-873FDBF85AD8}" type="slidenum">
+              <a:rPr lang="en-IE" smtClean="0"/>
+              <a:t>8</a:t>
+            </a:fld>
+            <a:endParaRPr lang="en-IE"/>
+          </a:p>
+        </p:txBody>
+      </p:sp>
+    </p:spTree>
+    <p:extLst>
+      <p:ext uri="{BB962C8B-B14F-4D97-AF65-F5344CB8AC3E}">
+        <p14:creationId xmlns:p14="http://schemas.microsoft.com/office/powerpoint/2010/main" val="1424303128"/>
+      </p:ext>
+    </p:extLst>
+  </p:cSld>
+  <p:clrMapOvr>
+    <a:masterClrMapping/>
+  </p:clrMapOvr>
+</p:notes>
 </file>
 
 <file path=ppt/slideLayouts/slideLayout1.xml><?xml version="1.0" encoding="utf-8"?>
@@ -7510,6 +7599,758 @@
 </p:sld>
 </file>
 
+<file path=ppt/slides/slide10.xml><?xml version="1.0" encoding="utf-8"?>
+<p:sld xmlns:a="http://schemas.openxmlformats.org/drawingml/2006/main" xmlns:r="http://schemas.openxmlformats.org/officeDocument/2006/relationships" xmlns:p="http://schemas.openxmlformats.org/presentationml/2006/main">
+  <p:cSld>
+    <p:spTree>
+      <p:nvGrpSpPr>
+        <p:cNvPr id="1" name=""/>
+        <p:cNvGrpSpPr/>
+        <p:nvPr/>
+      </p:nvGrpSpPr>
+      <p:grpSpPr>
+        <a:xfrm>
+          <a:off x="0" y="0"/>
+          <a:ext cx="0" cy="0"/>
+          <a:chOff x="0" y="0"/>
+          <a:chExt cx="0" cy="0"/>
+        </a:xfrm>
+      </p:grpSpPr>
+      <p:sp>
+        <p:nvSpPr>
+          <p:cNvPr id="2" name="Title 1">
+            <a:extLst>
+              <a:ext uri="{FF2B5EF4-FFF2-40B4-BE49-F238E27FC236}">
+                <a16:creationId xmlns:a16="http://schemas.microsoft.com/office/drawing/2014/main" id="{9A50DA40-C2DE-9E41-8976-38D6707B8F57}"/>
+              </a:ext>
+            </a:extLst>
+          </p:cNvPr>
+          <p:cNvSpPr>
+            <a:spLocks noGrp="1"/>
+          </p:cNvSpPr>
+          <p:nvPr>
+            <p:ph type="title"/>
+          </p:nvPr>
+        </p:nvSpPr>
+        <p:spPr/>
+        <p:txBody>
+          <a:bodyPr/>
+          <a:lstStyle/>
+          <a:p>
+            <a:r>
+              <a:rPr lang="en-US" dirty="0"/>
+              <a:t>Conclusion</a:t>
+            </a:r>
+          </a:p>
+        </p:txBody>
+      </p:sp>
+      <p:sp>
+        <p:nvSpPr>
+          <p:cNvPr id="7" name="Content Placeholder 6">
+            <a:extLst>
+              <a:ext uri="{FF2B5EF4-FFF2-40B4-BE49-F238E27FC236}">
+                <a16:creationId xmlns:a16="http://schemas.microsoft.com/office/drawing/2014/main" id="{D302F8AA-403E-0A47-988B-375EF6261BEA}"/>
+              </a:ext>
+            </a:extLst>
+          </p:cNvPr>
+          <p:cNvSpPr>
+            <a:spLocks noGrp="1"/>
+          </p:cNvSpPr>
+          <p:nvPr>
+            <p:ph idx="1"/>
+          </p:nvPr>
+        </p:nvSpPr>
+        <p:spPr>
+          <a:xfrm>
+            <a:off x="628650" y="1020667"/>
+            <a:ext cx="7886700" cy="5146022"/>
+          </a:xfrm>
+        </p:spPr>
+        <p:txBody>
+          <a:bodyPr>
+            <a:normAutofit/>
+          </a:bodyPr>
+          <a:lstStyle/>
+          <a:p>
+            <a:r>
+              <a:rPr lang="en-US" sz="2400" dirty="0"/>
+              <a:t>Work smart, not hard</a:t>
+            </a:r>
+          </a:p>
+          <a:p>
+            <a:pPr lvl="1"/>
+            <a:r>
+              <a:rPr lang="en-US" sz="2000" dirty="0"/>
+              <a:t>Static analysis is expensive. Dynamic analysis gets straight to the point</a:t>
+            </a:r>
+          </a:p>
+          <a:p>
+            <a:pPr marL="342900" lvl="1" indent="0">
+              <a:buNone/>
+            </a:pPr>
+            <a:endParaRPr lang="en-US" sz="2000" dirty="0"/>
+          </a:p>
+          <a:p>
+            <a:r>
+              <a:rPr lang="en-US" sz="2400" dirty="0"/>
+              <a:t>Firmware without the hardware is just software</a:t>
+            </a:r>
+          </a:p>
+          <a:p>
+            <a:pPr lvl="1"/>
+            <a:r>
+              <a:rPr lang="en-US" sz="2000" dirty="0"/>
+              <a:t>Emulate only what you need and mock away everything else</a:t>
+            </a:r>
+          </a:p>
+          <a:p>
+            <a:endParaRPr lang="en-US" sz="2400" dirty="0"/>
+          </a:p>
+          <a:p>
+            <a:r>
+              <a:rPr lang="en-US" sz="2400" dirty="0"/>
+              <a:t>Symbolic execution works great on smaller problems</a:t>
+            </a:r>
+          </a:p>
+          <a:p>
+            <a:pPr lvl="1"/>
+            <a:r>
+              <a:rPr lang="en-US" sz="2000" dirty="0"/>
+              <a:t>Domain knowledge can alleviate state explosion, but this requires static analysis</a:t>
+            </a:r>
+          </a:p>
+          <a:p>
+            <a:pPr lvl="1"/>
+            <a:endParaRPr lang="en-US" sz="2000" dirty="0"/>
+          </a:p>
+          <a:p>
+            <a:r>
+              <a:rPr lang="en-US" sz="2300" dirty="0"/>
+              <a:t>Firmware exploitation is like going back to the 90’s</a:t>
+            </a:r>
+          </a:p>
+          <a:p>
+            <a:pPr lvl="1"/>
+            <a:r>
+              <a:rPr lang="en-US" sz="2000" dirty="0"/>
+              <a:t>Processors powering many embedded devices don’t support modern mitigations (or they are turned off)</a:t>
+            </a:r>
+          </a:p>
+        </p:txBody>
+      </p:sp>
+      <p:sp>
+        <p:nvSpPr>
+          <p:cNvPr id="5" name="Footer Placeholder 4">
+            <a:extLst>
+              <a:ext uri="{FF2B5EF4-FFF2-40B4-BE49-F238E27FC236}">
+                <a16:creationId xmlns:a16="http://schemas.microsoft.com/office/drawing/2014/main" id="{640D2430-1718-6540-ABEA-6DCB5630C579}"/>
+              </a:ext>
+            </a:extLst>
+          </p:cNvPr>
+          <p:cNvSpPr>
+            <a:spLocks noGrp="1"/>
+          </p:cNvSpPr>
+          <p:nvPr>
+            <p:ph type="ftr" sz="quarter" idx="11"/>
+          </p:nvPr>
+        </p:nvSpPr>
+        <p:spPr/>
+        <p:txBody>
+          <a:bodyPr/>
+          <a:lstStyle/>
+          <a:p>
+            <a:r>
+              <a:rPr lang="en-US"/>
+              <a:t>Florida institute for Cybersecurity Research</a:t>
+            </a:r>
+            <a:endParaRPr lang="en-IE"/>
+          </a:p>
+        </p:txBody>
+      </p:sp>
+      <p:sp>
+        <p:nvSpPr>
+          <p:cNvPr id="6" name="Slide Number Placeholder 5">
+            <a:extLst>
+              <a:ext uri="{FF2B5EF4-FFF2-40B4-BE49-F238E27FC236}">
+                <a16:creationId xmlns:a16="http://schemas.microsoft.com/office/drawing/2014/main" id="{A12815C0-26ED-AF44-9C67-2DA3CF8F943D}"/>
+              </a:ext>
+            </a:extLst>
+          </p:cNvPr>
+          <p:cNvSpPr>
+            <a:spLocks noGrp="1"/>
+          </p:cNvSpPr>
+          <p:nvPr>
+            <p:ph type="sldNum" sz="quarter" idx="12"/>
+          </p:nvPr>
+        </p:nvSpPr>
+        <p:spPr/>
+        <p:txBody>
+          <a:bodyPr/>
+          <a:lstStyle/>
+          <a:p>
+            <a:fld id="{940082BA-84E6-714F-969C-52B72CA9F3BE}" type="slidenum">
+              <a:rPr lang="en-IE" smtClean="0"/>
+              <a:t>9</a:t>
+            </a:fld>
+            <a:endParaRPr lang="en-IE"/>
+          </a:p>
+        </p:txBody>
+      </p:sp>
+    </p:spTree>
+    <p:extLst>
+      <p:ext uri="{BB962C8B-B14F-4D97-AF65-F5344CB8AC3E}">
+        <p14:creationId xmlns:p14="http://schemas.microsoft.com/office/powerpoint/2010/main" val="1626006232"/>
+      </p:ext>
+    </p:extLst>
+  </p:cSld>
+  <p:clrMapOvr>
+    <a:masterClrMapping/>
+  </p:clrMapOvr>
+  <p:timing>
+    <p:tnLst>
+      <p:par>
+        <p:cTn id="1" dur="indefinite" restart="never" nodeType="tmRoot">
+          <p:childTnLst>
+            <p:seq concurrent="1" nextAc="seek">
+              <p:cTn id="2" dur="indefinite" nodeType="mainSeq">
+                <p:childTnLst>
+                  <p:par>
+                    <p:cTn id="3" fill="hold">
+                      <p:stCondLst>
+                        <p:cond delay="indefinite"/>
+                      </p:stCondLst>
+                      <p:childTnLst>
+                        <p:par>
+                          <p:cTn id="4" fill="hold">
+                            <p:stCondLst>
+                              <p:cond delay="0"/>
+                            </p:stCondLst>
+                            <p:childTnLst>
+                              <p:par>
+                                <p:cTn id="5" presetID="1" presetClass="entr" presetSubtype="0" fill="hold" grpId="0" nodeType="clickEffect">
+                                  <p:stCondLst>
+                                    <p:cond delay="0"/>
+                                  </p:stCondLst>
+                                  <p:childTnLst>
+                                    <p:set>
+                                      <p:cBhvr>
+                                        <p:cTn id="6" dur="1" fill="hold">
+                                          <p:stCondLst>
+                                            <p:cond delay="0"/>
+                                          </p:stCondLst>
+                                        </p:cTn>
+                                        <p:tgtEl>
+                                          <p:spTgt spid="7">
+                                            <p:txEl>
+                                              <p:pRg st="0" end="0"/>
+                                            </p:txEl>
+                                          </p:spTgt>
+                                        </p:tgtEl>
+                                        <p:attrNameLst>
+                                          <p:attrName>style.visibility</p:attrName>
+                                        </p:attrNameLst>
+                                      </p:cBhvr>
+                                      <p:to>
+                                        <p:strVal val="visible"/>
+                                      </p:to>
+                                    </p:set>
+                                  </p:childTnLst>
+                                </p:cTn>
+                              </p:par>
+                              <p:par>
+                                <p:cTn id="7" presetID="1" presetClass="entr" presetSubtype="0" fill="hold" grpId="0" nodeType="withEffect">
+                                  <p:stCondLst>
+                                    <p:cond delay="0"/>
+                                  </p:stCondLst>
+                                  <p:childTnLst>
+                                    <p:set>
+                                      <p:cBhvr>
+                                        <p:cTn id="8" dur="1" fill="hold">
+                                          <p:stCondLst>
+                                            <p:cond delay="0"/>
+                                          </p:stCondLst>
+                                        </p:cTn>
+                                        <p:tgtEl>
+                                          <p:spTgt spid="7">
+                                            <p:txEl>
+                                              <p:pRg st="1" end="1"/>
+                                            </p:txEl>
+                                          </p:spTgt>
+                                        </p:tgtEl>
+                                        <p:attrNameLst>
+                                          <p:attrName>style.visibility</p:attrName>
+                                        </p:attrNameLst>
+                                      </p:cBhvr>
+                                      <p:to>
+                                        <p:strVal val="visible"/>
+                                      </p:to>
+                                    </p:set>
+                                  </p:childTnLst>
+                                </p:cTn>
+                              </p:par>
+                            </p:childTnLst>
+                          </p:cTn>
+                        </p:par>
+                      </p:childTnLst>
+                    </p:cTn>
+                  </p:par>
+                  <p:par>
+                    <p:cTn id="9" fill="hold">
+                      <p:stCondLst>
+                        <p:cond delay="indefinite"/>
+                      </p:stCondLst>
+                      <p:childTnLst>
+                        <p:par>
+                          <p:cTn id="10" fill="hold">
+                            <p:stCondLst>
+                              <p:cond delay="0"/>
+                            </p:stCondLst>
+                            <p:childTnLst>
+                              <p:par>
+                                <p:cTn id="11" presetID="1" presetClass="entr" presetSubtype="0" fill="hold" grpId="0" nodeType="clickEffect">
+                                  <p:stCondLst>
+                                    <p:cond delay="0"/>
+                                  </p:stCondLst>
+                                  <p:childTnLst>
+                                    <p:set>
+                                      <p:cBhvr>
+                                        <p:cTn id="12" dur="1" fill="hold">
+                                          <p:stCondLst>
+                                            <p:cond delay="0"/>
+                                          </p:stCondLst>
+                                        </p:cTn>
+                                        <p:tgtEl>
+                                          <p:spTgt spid="7">
+                                            <p:txEl>
+                                              <p:pRg st="3" end="3"/>
+                                            </p:txEl>
+                                          </p:spTgt>
+                                        </p:tgtEl>
+                                        <p:attrNameLst>
+                                          <p:attrName>style.visibility</p:attrName>
+                                        </p:attrNameLst>
+                                      </p:cBhvr>
+                                      <p:to>
+                                        <p:strVal val="visible"/>
+                                      </p:to>
+                                    </p:set>
+                                  </p:childTnLst>
+                                </p:cTn>
+                              </p:par>
+                              <p:par>
+                                <p:cTn id="13" presetID="1" presetClass="entr" presetSubtype="0" fill="hold" grpId="0" nodeType="withEffect">
+                                  <p:stCondLst>
+                                    <p:cond delay="0"/>
+                                  </p:stCondLst>
+                                  <p:childTnLst>
+                                    <p:set>
+                                      <p:cBhvr>
+                                        <p:cTn id="14" dur="1" fill="hold">
+                                          <p:stCondLst>
+                                            <p:cond delay="0"/>
+                                          </p:stCondLst>
+                                        </p:cTn>
+                                        <p:tgtEl>
+                                          <p:spTgt spid="7">
+                                            <p:txEl>
+                                              <p:pRg st="4" end="4"/>
+                                            </p:txEl>
+                                          </p:spTgt>
+                                        </p:tgtEl>
+                                        <p:attrNameLst>
+                                          <p:attrName>style.visibility</p:attrName>
+                                        </p:attrNameLst>
+                                      </p:cBhvr>
+                                      <p:to>
+                                        <p:strVal val="visible"/>
+                                      </p:to>
+                                    </p:set>
+                                  </p:childTnLst>
+                                </p:cTn>
+                              </p:par>
+                            </p:childTnLst>
+                          </p:cTn>
+                        </p:par>
+                      </p:childTnLst>
+                    </p:cTn>
+                  </p:par>
+                  <p:par>
+                    <p:cTn id="15" fill="hold">
+                      <p:stCondLst>
+                        <p:cond delay="indefinite"/>
+                      </p:stCondLst>
+                      <p:childTnLst>
+                        <p:par>
+                          <p:cTn id="16" fill="hold">
+                            <p:stCondLst>
+                              <p:cond delay="0"/>
+                            </p:stCondLst>
+                            <p:childTnLst>
+                              <p:par>
+                                <p:cTn id="17" presetID="1" presetClass="entr" presetSubtype="0" fill="hold" grpId="0" nodeType="clickEffect">
+                                  <p:stCondLst>
+                                    <p:cond delay="0"/>
+                                  </p:stCondLst>
+                                  <p:childTnLst>
+                                    <p:set>
+                                      <p:cBhvr>
+                                        <p:cTn id="18" dur="1" fill="hold">
+                                          <p:stCondLst>
+                                            <p:cond delay="0"/>
+                                          </p:stCondLst>
+                                        </p:cTn>
+                                        <p:tgtEl>
+                                          <p:spTgt spid="7">
+                                            <p:txEl>
+                                              <p:pRg st="6" end="6"/>
+                                            </p:txEl>
+                                          </p:spTgt>
+                                        </p:tgtEl>
+                                        <p:attrNameLst>
+                                          <p:attrName>style.visibility</p:attrName>
+                                        </p:attrNameLst>
+                                      </p:cBhvr>
+                                      <p:to>
+                                        <p:strVal val="visible"/>
+                                      </p:to>
+                                    </p:set>
+                                  </p:childTnLst>
+                                </p:cTn>
+                              </p:par>
+                              <p:par>
+                                <p:cTn id="19" presetID="1" presetClass="entr" presetSubtype="0" fill="hold" grpId="0" nodeType="withEffect">
+                                  <p:stCondLst>
+                                    <p:cond delay="0"/>
+                                  </p:stCondLst>
+                                  <p:childTnLst>
+                                    <p:set>
+                                      <p:cBhvr>
+                                        <p:cTn id="20" dur="1" fill="hold">
+                                          <p:stCondLst>
+                                            <p:cond delay="0"/>
+                                          </p:stCondLst>
+                                        </p:cTn>
+                                        <p:tgtEl>
+                                          <p:spTgt spid="7">
+                                            <p:txEl>
+                                              <p:pRg st="7" end="7"/>
+                                            </p:txEl>
+                                          </p:spTgt>
+                                        </p:tgtEl>
+                                        <p:attrNameLst>
+                                          <p:attrName>style.visibility</p:attrName>
+                                        </p:attrNameLst>
+                                      </p:cBhvr>
+                                      <p:to>
+                                        <p:strVal val="visible"/>
+                                      </p:to>
+                                    </p:set>
+                                  </p:childTnLst>
+                                </p:cTn>
+                              </p:par>
+                            </p:childTnLst>
+                          </p:cTn>
+                        </p:par>
+                      </p:childTnLst>
+                    </p:cTn>
+                  </p:par>
+                  <p:par>
+                    <p:cTn id="21" fill="hold">
+                      <p:stCondLst>
+                        <p:cond delay="indefinite"/>
+                      </p:stCondLst>
+                      <p:childTnLst>
+                        <p:par>
+                          <p:cTn id="22" fill="hold">
+                            <p:stCondLst>
+                              <p:cond delay="0"/>
+                            </p:stCondLst>
+                            <p:childTnLst>
+                              <p:par>
+                                <p:cTn id="23" presetID="1" presetClass="entr" presetSubtype="0" fill="hold" grpId="0" nodeType="clickEffect">
+                                  <p:stCondLst>
+                                    <p:cond delay="0"/>
+                                  </p:stCondLst>
+                                  <p:childTnLst>
+                                    <p:set>
+                                      <p:cBhvr>
+                                        <p:cTn id="24" dur="1" fill="hold">
+                                          <p:stCondLst>
+                                            <p:cond delay="0"/>
+                                          </p:stCondLst>
+                                        </p:cTn>
+                                        <p:tgtEl>
+                                          <p:spTgt spid="7">
+                                            <p:txEl>
+                                              <p:pRg st="9" end="9"/>
+                                            </p:txEl>
+                                          </p:spTgt>
+                                        </p:tgtEl>
+                                        <p:attrNameLst>
+                                          <p:attrName>style.visibility</p:attrName>
+                                        </p:attrNameLst>
+                                      </p:cBhvr>
+                                      <p:to>
+                                        <p:strVal val="visible"/>
+                                      </p:to>
+                                    </p:set>
+                                  </p:childTnLst>
+                                </p:cTn>
+                              </p:par>
+                              <p:par>
+                                <p:cTn id="25" presetID="1" presetClass="entr" presetSubtype="0" fill="hold" grpId="0" nodeType="withEffect">
+                                  <p:stCondLst>
+                                    <p:cond delay="0"/>
+                                  </p:stCondLst>
+                                  <p:childTnLst>
+                                    <p:set>
+                                      <p:cBhvr>
+                                        <p:cTn id="26" dur="1" fill="hold">
+                                          <p:stCondLst>
+                                            <p:cond delay="0"/>
+                                          </p:stCondLst>
+                                        </p:cTn>
+                                        <p:tgtEl>
+                                          <p:spTgt spid="7">
+                                            <p:txEl>
+                                              <p:pRg st="10" end="10"/>
+                                            </p:txEl>
+                                          </p:spTgt>
+                                        </p:tgtEl>
+                                        <p:attrNameLst>
+                                          <p:attrName>style.visibility</p:attrName>
+                                        </p:attrNameLst>
+                                      </p:cBhvr>
+                                      <p:to>
+                                        <p:strVal val="visible"/>
+                                      </p:to>
+                                    </p:set>
+                                  </p:childTnLst>
+                                </p:cTn>
+                              </p:par>
+                            </p:childTnLst>
+                          </p:cTn>
+                        </p:par>
+                      </p:childTnLst>
+                    </p:cTn>
+                  </p:par>
+                </p:childTnLst>
+              </p:cTn>
+              <p:prevCondLst>
+                <p:cond evt="onPrev" delay="0">
+                  <p:tgtEl>
+                    <p:sldTgt/>
+                  </p:tgtEl>
+                </p:cond>
+              </p:prevCondLst>
+              <p:nextCondLst>
+                <p:cond evt="onNext" delay="0">
+                  <p:tgtEl>
+                    <p:sldTgt/>
+                  </p:tgtEl>
+                </p:cond>
+              </p:nextCondLst>
+            </p:seq>
+          </p:childTnLst>
+        </p:cTn>
+      </p:par>
+    </p:tnLst>
+    <p:bldLst>
+      <p:bldP spid="7" grpId="0" build="p"/>
+    </p:bldLst>
+  </p:timing>
+</p:sld>
+</file>
+
+<file path=ppt/slides/slide11.xml><?xml version="1.0" encoding="utf-8"?>
+<p:sld xmlns:a="http://schemas.openxmlformats.org/drawingml/2006/main" xmlns:r="http://schemas.openxmlformats.org/officeDocument/2006/relationships" xmlns:p="http://schemas.openxmlformats.org/presentationml/2006/main">
+  <p:cSld>
+    <p:spTree>
+      <p:nvGrpSpPr>
+        <p:cNvPr id="1" name=""/>
+        <p:cNvGrpSpPr/>
+        <p:nvPr/>
+      </p:nvGrpSpPr>
+      <p:grpSpPr>
+        <a:xfrm>
+          <a:off x="0" y="0"/>
+          <a:ext cx="0" cy="0"/>
+          <a:chOff x="0" y="0"/>
+          <a:chExt cx="0" cy="0"/>
+        </a:xfrm>
+      </p:grpSpPr>
+      <p:sp>
+        <p:nvSpPr>
+          <p:cNvPr id="6" name="Title 5">
+            <a:extLst>
+              <a:ext uri="{FF2B5EF4-FFF2-40B4-BE49-F238E27FC236}">
+                <a16:creationId xmlns:a16="http://schemas.microsoft.com/office/drawing/2014/main" id="{574BF6F1-CB14-B44F-9930-68B1432D36B6}"/>
+              </a:ext>
+            </a:extLst>
+          </p:cNvPr>
+          <p:cNvSpPr>
+            <a:spLocks noGrp="1"/>
+          </p:cNvSpPr>
+          <p:nvPr>
+            <p:ph type="ctrTitle"/>
+          </p:nvPr>
+        </p:nvSpPr>
+        <p:spPr/>
+        <p:txBody>
+          <a:bodyPr/>
+          <a:lstStyle/>
+          <a:p>
+            <a:r>
+              <a:rPr lang="en-US" sz="6000" dirty="0"/>
+              <a:t>Thank you!</a:t>
+            </a:r>
+          </a:p>
+        </p:txBody>
+      </p:sp>
+      <p:sp>
+        <p:nvSpPr>
+          <p:cNvPr id="7" name="Subtitle 6">
+            <a:extLst>
+              <a:ext uri="{FF2B5EF4-FFF2-40B4-BE49-F238E27FC236}">
+                <a16:creationId xmlns:a16="http://schemas.microsoft.com/office/drawing/2014/main" id="{E4DC7032-9139-984E-8DE6-69B39100CAAB}"/>
+              </a:ext>
+            </a:extLst>
+          </p:cNvPr>
+          <p:cNvSpPr>
+            <a:spLocks noGrp="1"/>
+          </p:cNvSpPr>
+          <p:nvPr>
+            <p:ph type="subTitle" idx="1"/>
+          </p:nvPr>
+        </p:nvSpPr>
+        <p:spPr/>
+        <p:txBody>
+          <a:bodyPr/>
+          <a:lstStyle/>
+          <a:p>
+            <a:r>
+              <a:rPr lang="en-US" sz="2000" b="1" dirty="0"/>
+              <a:t>Grant Hernandez</a:t>
+            </a:r>
+            <a:br>
+              <a:rPr lang="en-US" b="1" dirty="0"/>
+            </a:br>
+            <a:r>
+              <a:rPr lang="en-US" b="1" dirty="0">
+                <a:solidFill>
+                  <a:srgbClr val="00B0F0"/>
+                </a:solidFill>
+              </a:rPr>
+              <a:t>@</a:t>
+            </a:r>
+            <a:r>
+              <a:rPr lang="en-US" b="1" dirty="0" err="1">
+                <a:solidFill>
+                  <a:srgbClr val="00B0F0"/>
+                </a:solidFill>
+              </a:rPr>
+              <a:t>digital_cold</a:t>
+            </a:r>
+            <a:r>
+              <a:rPr lang="en-US" b="1"/>
+              <a:t> - </a:t>
+            </a:r>
+            <a:r>
+              <a:rPr lang="en-US" u="sng" dirty="0"/>
+              <a:t>https://</a:t>
+            </a:r>
+            <a:r>
+              <a:rPr lang="en-US" u="sng" dirty="0" err="1"/>
+              <a:t>hernan.de</a:t>
+            </a:r>
+            <a:r>
+              <a:rPr lang="en-US" u="sng" dirty="0"/>
+              <a:t>/z</a:t>
+            </a:r>
+            <a:br>
+              <a:rPr lang="en-US" b="1" dirty="0"/>
+            </a:br>
+            <a:endParaRPr lang="en-US" b="1" dirty="0"/>
+          </a:p>
+          <a:p>
+            <a:r>
+              <a:rPr lang="en-US" sz="2000" b="1" dirty="0"/>
+              <a:t>Hunter Searle</a:t>
+            </a:r>
+          </a:p>
+        </p:txBody>
+      </p:sp>
+      <p:sp>
+        <p:nvSpPr>
+          <p:cNvPr id="4" name="Footer Placeholder 3">
+            <a:extLst>
+              <a:ext uri="{FF2B5EF4-FFF2-40B4-BE49-F238E27FC236}">
+                <a16:creationId xmlns:a16="http://schemas.microsoft.com/office/drawing/2014/main" id="{8AB27ACA-62B7-984C-B798-0E8070D05286}"/>
+              </a:ext>
+            </a:extLst>
+          </p:cNvPr>
+          <p:cNvSpPr>
+            <a:spLocks noGrp="1"/>
+          </p:cNvSpPr>
+          <p:nvPr>
+            <p:ph type="ftr" sz="quarter" idx="11"/>
+          </p:nvPr>
+        </p:nvSpPr>
+        <p:spPr/>
+        <p:txBody>
+          <a:bodyPr/>
+          <a:lstStyle/>
+          <a:p>
+            <a:r>
+              <a:rPr lang="en-US"/>
+              <a:t>Florida institute for Cybersecurity Research</a:t>
+            </a:r>
+            <a:endParaRPr lang="en-IE"/>
+          </a:p>
+        </p:txBody>
+      </p:sp>
+      <p:sp>
+        <p:nvSpPr>
+          <p:cNvPr id="5" name="Slide Number Placeholder 4">
+            <a:extLst>
+              <a:ext uri="{FF2B5EF4-FFF2-40B4-BE49-F238E27FC236}">
+                <a16:creationId xmlns:a16="http://schemas.microsoft.com/office/drawing/2014/main" id="{D3E74855-0EAD-AA48-8868-B826718E7961}"/>
+              </a:ext>
+            </a:extLst>
+          </p:cNvPr>
+          <p:cNvSpPr>
+            <a:spLocks noGrp="1"/>
+          </p:cNvSpPr>
+          <p:nvPr>
+            <p:ph type="sldNum" sz="quarter" idx="12"/>
+          </p:nvPr>
+        </p:nvSpPr>
+        <p:spPr/>
+        <p:txBody>
+          <a:bodyPr/>
+          <a:lstStyle/>
+          <a:p>
+            <a:fld id="{940082BA-84E6-714F-969C-52B72CA9F3BE}" type="slidenum">
+              <a:rPr lang="en-IE" smtClean="0"/>
+              <a:t>10</a:t>
+            </a:fld>
+            <a:endParaRPr lang="en-IE"/>
+          </a:p>
+        </p:txBody>
+      </p:sp>
+    </p:spTree>
+    <p:extLst>
+      <p:ext uri="{BB962C8B-B14F-4D97-AF65-F5344CB8AC3E}">
+        <p14:creationId xmlns:p14="http://schemas.microsoft.com/office/powerpoint/2010/main" val="74755544"/>
+      </p:ext>
+    </p:extLst>
+  </p:cSld>
+  <p:clrMapOvr>
+    <a:masterClrMapping/>
+  </p:clrMapOvr>
+</p:sld>
+</file>
+
 <file path=ppt/slides/slide2.xml><?xml version="1.0" encoding="utf-8"?>
 <p:sld xmlns:a="http://schemas.openxmlformats.org/drawingml/2006/main" xmlns:r="http://schemas.openxmlformats.org/officeDocument/2006/relationships" xmlns:p="http://schemas.openxmlformats.org/presentationml/2006/main">
   <p:cSld>
@@ -7550,8 +8391,13 @@
           <a:p>
             <a:r>
               <a:rPr lang="en-US" dirty="0"/>
-              <a:t>Dynamic &amp; Symbolic Analysis</a:t>
-            </a:r>
+              <a:t>Dynamic &amp; Symbolic Analysis with </a:t>
+            </a:r>
+            <a:r>
+              <a:rPr lang="en-US" sz="2000" dirty="0"/>
+              <a:t>ANGR</a:t>
+            </a:r>
+            <a:endParaRPr lang="en-US" dirty="0"/>
           </a:p>
         </p:txBody>
       </p:sp>
@@ -7573,8 +8419,8 @@
         </p:nvSpPr>
         <p:spPr>
           <a:xfrm>
-            <a:off x="628650" y="1037689"/>
-            <a:ext cx="3886200" cy="5139273"/>
+            <a:off x="628649" y="1037689"/>
+            <a:ext cx="7719703" cy="5139273"/>
           </a:xfrm>
         </p:spPr>
         <p:txBody>
@@ -7587,44 +8433,22 @@
             </a:r>
           </a:p>
           <a:p>
+            <a:endParaRPr lang="en-US" dirty="0"/>
+          </a:p>
+          <a:p>
             <a:r>
               <a:rPr lang="en-US" dirty="0"/>
               <a:t>We decided to use </a:t>
             </a:r>
             <a:r>
-              <a:rPr lang="en-US" b="1" dirty="0"/>
-              <a:t>angr</a:t>
+              <a:rPr lang="en-US" sz="1800" b="1" dirty="0"/>
+              <a:t>ANGR</a:t>
             </a:r>
             <a:r>
               <a:rPr lang="en-US" dirty="0"/>
               <a:t>, a popular concolic execution engine and binary analysis framework</a:t>
             </a:r>
             <a:endParaRPr lang="en-US" b="1" dirty="0"/>
-          </a:p>
-        </p:txBody>
-      </p:sp>
-      <p:sp>
-        <p:nvSpPr>
-          <p:cNvPr id="13" name="Content Placeholder 12">
-            <a:extLst>
-              <a:ext uri="{FF2B5EF4-FFF2-40B4-BE49-F238E27FC236}">
-                <a16:creationId xmlns:a16="http://schemas.microsoft.com/office/drawing/2014/main" id="{9C770E34-F643-C941-B3B7-1F77E77930AA}"/>
-              </a:ext>
-            </a:extLst>
-          </p:cNvPr>
-          <p:cNvSpPr>
-            <a:spLocks noGrp="1"/>
-          </p:cNvSpPr>
-          <p:nvPr>
-            <p:ph sz="half" idx="2"/>
-          </p:nvPr>
-        </p:nvSpPr>
-        <p:spPr/>
-        <p:txBody>
-          <a:bodyPr/>
-          <a:lstStyle/>
-          <a:p>
-            <a:endParaRPr lang="en-US"/>
           </a:p>
         </p:txBody>
       </p:sp>
@@ -7686,6 +8510,36 @@
           </a:p>
         </p:txBody>
       </p:sp>
+      <p:pic>
+        <p:nvPicPr>
+          <p:cNvPr id="14" name="Picture 13">
+            <a:extLst>
+              <a:ext uri="{FF2B5EF4-FFF2-40B4-BE49-F238E27FC236}">
+                <a16:creationId xmlns:a16="http://schemas.microsoft.com/office/drawing/2014/main" id="{C5160FA5-F00B-5647-B1F9-1BCA00FB51F1}"/>
+              </a:ext>
+            </a:extLst>
+          </p:cNvPr>
+          <p:cNvPicPr>
+            <a:picLocks noChangeAspect="1"/>
+          </p:cNvPicPr>
+          <p:nvPr/>
+        </p:nvPicPr>
+        <p:blipFill>
+          <a:blip r:embed="rId2"/>
+          <a:stretch>
+            <a:fillRect/>
+          </a:stretch>
+        </p:blipFill>
+        <p:spPr>
+          <a:xfrm>
+            <a:off x="3561104" y="3607325"/>
+            <a:ext cx="1854791" cy="1854791"/>
+          </a:xfrm>
+          <a:prstGeom prst="rect">
+            <a:avLst/>
+          </a:prstGeom>
+        </p:spPr>
+      </p:pic>
     </p:spTree>
     <p:extLst>
       <p:ext uri="{BB962C8B-B14F-4D97-AF65-F5344CB8AC3E}">
@@ -7696,6 +8550,164 @@
   <p:clrMapOvr>
     <a:masterClrMapping/>
   </p:clrMapOvr>
+  <p:timing>
+    <p:tnLst>
+      <p:par>
+        <p:cTn id="1" dur="indefinite" restart="never" nodeType="tmRoot">
+          <p:childTnLst>
+            <p:seq concurrent="1" nextAc="seek">
+              <p:cTn id="2" dur="indefinite" nodeType="mainSeq">
+                <p:childTnLst>
+                  <p:par>
+                    <p:cTn id="3" fill="hold">
+                      <p:stCondLst>
+                        <p:cond delay="indefinite"/>
+                      </p:stCondLst>
+                      <p:childTnLst>
+                        <p:par>
+                          <p:cTn id="4" fill="hold">
+                            <p:stCondLst>
+                              <p:cond delay="0"/>
+                            </p:stCondLst>
+                            <p:childTnLst>
+                              <p:par>
+                                <p:cTn id="5" presetID="1" presetClass="entr" presetSubtype="0" fill="hold" grpId="0" nodeType="clickEffect">
+                                  <p:stCondLst>
+                                    <p:cond delay="0"/>
+                                  </p:stCondLst>
+                                  <p:childTnLst>
+                                    <p:set>
+                                      <p:cBhvr>
+                                        <p:cTn id="6" dur="1" fill="hold">
+                                          <p:stCondLst>
+                                            <p:cond delay="0"/>
+                                          </p:stCondLst>
+                                        </p:cTn>
+                                        <p:tgtEl>
+                                          <p:spTgt spid="12">
+                                            <p:txEl>
+                                              <p:pRg st="0" end="0"/>
+                                            </p:txEl>
+                                          </p:spTgt>
+                                        </p:tgtEl>
+                                        <p:attrNameLst>
+                                          <p:attrName>style.visibility</p:attrName>
+                                        </p:attrNameLst>
+                                      </p:cBhvr>
+                                      <p:to>
+                                        <p:strVal val="visible"/>
+                                      </p:to>
+                                    </p:set>
+                                  </p:childTnLst>
+                                </p:cTn>
+                              </p:par>
+                            </p:childTnLst>
+                          </p:cTn>
+                        </p:par>
+                      </p:childTnLst>
+                    </p:cTn>
+                  </p:par>
+                  <p:par>
+                    <p:cTn id="7" fill="hold">
+                      <p:stCondLst>
+                        <p:cond delay="indefinite"/>
+                      </p:stCondLst>
+                      <p:childTnLst>
+                        <p:par>
+                          <p:cTn id="8" fill="hold">
+                            <p:stCondLst>
+                              <p:cond delay="0"/>
+                            </p:stCondLst>
+                            <p:childTnLst>
+                              <p:par>
+                                <p:cTn id="9" presetID="1" presetClass="entr" presetSubtype="0" fill="hold" grpId="0" nodeType="clickEffect">
+                                  <p:stCondLst>
+                                    <p:cond delay="0"/>
+                                  </p:stCondLst>
+                                  <p:childTnLst>
+                                    <p:set>
+                                      <p:cBhvr>
+                                        <p:cTn id="10" dur="1" fill="hold">
+                                          <p:stCondLst>
+                                            <p:cond delay="0"/>
+                                          </p:stCondLst>
+                                        </p:cTn>
+                                        <p:tgtEl>
+                                          <p:spTgt spid="12">
+                                            <p:txEl>
+                                              <p:pRg st="2" end="2"/>
+                                            </p:txEl>
+                                          </p:spTgt>
+                                        </p:tgtEl>
+                                        <p:attrNameLst>
+                                          <p:attrName>style.visibility</p:attrName>
+                                        </p:attrNameLst>
+                                      </p:cBhvr>
+                                      <p:to>
+                                        <p:strVal val="visible"/>
+                                      </p:to>
+                                    </p:set>
+                                  </p:childTnLst>
+                                </p:cTn>
+                              </p:par>
+                              <p:par>
+                                <p:cTn id="11" presetID="1" presetClass="entr" presetSubtype="0" fill="hold" nodeType="withEffect">
+                                  <p:stCondLst>
+                                    <p:cond delay="0"/>
+                                  </p:stCondLst>
+                                  <p:childTnLst>
+                                    <p:set>
+                                      <p:cBhvr>
+                                        <p:cTn id="12" dur="1" fill="hold">
+                                          <p:stCondLst>
+                                            <p:cond delay="0"/>
+                                          </p:stCondLst>
+                                        </p:cTn>
+                                        <p:tgtEl>
+                                          <p:spTgt spid="14"/>
+                                        </p:tgtEl>
+                                        <p:attrNameLst>
+                                          <p:attrName>style.visibility</p:attrName>
+                                        </p:attrNameLst>
+                                      </p:cBhvr>
+                                      <p:to>
+                                        <p:strVal val="visible"/>
+                                      </p:to>
+                                    </p:set>
+                                  </p:childTnLst>
+                                </p:cTn>
+                              </p:par>
+                            </p:childTnLst>
+                          </p:cTn>
+                        </p:par>
+                      </p:childTnLst>
+                    </p:cTn>
+                  </p:par>
+                </p:childTnLst>
+              </p:cTn>
+              <p:prevCondLst>
+                <p:cond evt="onPrev" delay="0">
+                  <p:tgtEl>
+                    <p:sldTgt/>
+                  </p:tgtEl>
+                </p:cond>
+              </p:prevCondLst>
+              <p:nextCondLst>
+                <p:cond evt="onNext" delay="0">
+                  <p:tgtEl>
+                    <p:sldTgt/>
+                  </p:tgtEl>
+                </p:cond>
+              </p:nextCondLst>
+            </p:seq>
+          </p:childTnLst>
+        </p:cTn>
+      </p:par>
+    </p:tnLst>
+    <p:bldLst>
+      <p:bldP spid="12" grpId="0" build="p"/>
+    </p:bldLst>
+  </p:timing>
 </p:sld>
 </file>
 
@@ -7721,7 +8733,7 @@
           <p:cNvPr id="2" name="Title 1">
             <a:extLst>
               <a:ext uri="{FF2B5EF4-FFF2-40B4-BE49-F238E27FC236}">
-                <a16:creationId xmlns:a16="http://schemas.microsoft.com/office/drawing/2014/main" id="{05B0DF41-78A2-2546-99F5-CDAA35294B83}"/>
+                <a16:creationId xmlns:a16="http://schemas.microsoft.com/office/drawing/2014/main" id="{5766F3C0-ACA7-0A42-AB84-6C12A221BEFC}"/>
               </a:ext>
             </a:extLst>
           </p:cNvPr>
@@ -7739,7 +8751,7 @@
           <a:p>
             <a:r>
               <a:rPr lang="en-US" dirty="0"/>
-              <a:t>Our Results</a:t>
+              <a:t>Solving A-lounge</a:t>
             </a:r>
           </a:p>
         </p:txBody>
@@ -7749,7 +8761,7 @@
           <p:cNvPr id="3" name="Content Placeholder 2">
             <a:extLst>
               <a:ext uri="{FF2B5EF4-FFF2-40B4-BE49-F238E27FC236}">
-                <a16:creationId xmlns:a16="http://schemas.microsoft.com/office/drawing/2014/main" id="{E2CC94B1-F4CA-B94A-BE42-14A9C861BF52}"/>
+                <a16:creationId xmlns:a16="http://schemas.microsoft.com/office/drawing/2014/main" id="{36B49BB8-2D5C-F44F-8544-6596D403EEAA}"/>
               </a:ext>
             </a:extLst>
           </p:cNvPr>
@@ -7762,407 +8774,579 @@
         </p:nvSpPr>
         <p:spPr>
           <a:xfrm>
-            <a:off x="505360" y="993418"/>
-            <a:ext cx="3886200" cy="4351338"/>
+            <a:off x="534389" y="818707"/>
+            <a:ext cx="8428857" cy="5358256"/>
           </a:xfrm>
         </p:spPr>
         <p:txBody>
           <a:bodyPr>
-            <a:normAutofit fontScale="92500" lnSpcReduction="10000"/>
+            <a:normAutofit/>
           </a:bodyPr>
           <a:lstStyle/>
           <a:p>
-            <a:r>
-              <a:rPr lang="en-US" sz="2000" u="sng" dirty="0"/>
-              <a:t>Set A</a:t>
-            </a:r>
-          </a:p>
-          <a:p>
-            <a:pPr lvl="1"/>
-            <a:r>
-              <a:rPr lang="en-US" b="1" dirty="0"/>
-              <a:t>Lounge</a:t>
-            </a:r>
-            <a:r>
-              <a:rPr lang="en-US" b="1" dirty="0">
-                <a:solidFill>
-                  <a:srgbClr val="00B050"/>
-                </a:solidFill>
-              </a:rPr>
-              <a:t> ✓</a:t>
-            </a:r>
-          </a:p>
-          <a:p>
-            <a:pPr lvl="1"/>
-            <a:r>
-              <a:rPr lang="en-US" b="1" dirty="0"/>
-              <a:t>Closet</a:t>
-            </a:r>
-            <a:r>
-              <a:rPr lang="en-US" b="1" dirty="0">
-                <a:solidFill>
-                  <a:srgbClr val="00B050"/>
-                </a:solidFill>
-              </a:rPr>
-              <a:t> ✓</a:t>
-            </a:r>
-          </a:p>
-          <a:p>
-            <a:pPr lvl="1"/>
-            <a:r>
-              <a:rPr lang="en-US" b="1" dirty="0"/>
-              <a:t>Café</a:t>
-            </a:r>
-            <a:r>
-              <a:rPr lang="en-US" b="1" dirty="0">
-                <a:solidFill>
-                  <a:srgbClr val="00B050"/>
-                </a:solidFill>
-              </a:rPr>
-              <a:t> ✓</a:t>
-            </a:r>
-          </a:p>
-          <a:p>
-            <a:pPr lvl="1"/>
-            <a:r>
-              <a:rPr lang="en-US" b="1" dirty="0"/>
-              <a:t>Stairs</a:t>
-            </a:r>
-            <a:r>
-              <a:rPr lang="en-US" b="1" dirty="0">
-                <a:solidFill>
-                  <a:srgbClr val="00B050"/>
-                </a:solidFill>
-              </a:rPr>
-              <a:t> ✓</a:t>
-            </a:r>
-          </a:p>
-          <a:p>
-            <a:r>
-              <a:rPr lang="en-US" sz="2000" u="sng" dirty="0"/>
-              <a:t>Set B</a:t>
-            </a:r>
-          </a:p>
-          <a:p>
-            <a:pPr lvl="1"/>
-            <a:r>
-              <a:rPr lang="en-US" b="1" dirty="0"/>
-              <a:t>Mobile</a:t>
-            </a:r>
-            <a:r>
-              <a:rPr lang="en-US" b="1" dirty="0">
-                <a:solidFill>
-                  <a:srgbClr val="00B050"/>
-                </a:solidFill>
-              </a:rPr>
-              <a:t> ✓</a:t>
-            </a:r>
-          </a:p>
-          <a:p>
-            <a:pPr lvl="1"/>
-            <a:r>
-              <a:rPr lang="en-US" b="1" dirty="0"/>
-              <a:t>Dance</a:t>
-            </a:r>
-            <a:r>
-              <a:rPr lang="en-US" b="1" dirty="0">
-                <a:solidFill>
-                  <a:srgbClr val="00B050"/>
-                </a:solidFill>
-              </a:rPr>
-              <a:t> ✓</a:t>
-            </a:r>
-          </a:p>
-          <a:p>
-            <a:pPr lvl="1"/>
-            <a:r>
-              <a:rPr lang="en-US" b="1" dirty="0"/>
-              <a:t>Code</a:t>
-            </a:r>
-            <a:r>
-              <a:rPr lang="en-US" b="1" dirty="0">
-                <a:solidFill>
-                  <a:srgbClr val="00B050"/>
-                </a:solidFill>
-              </a:rPr>
-              <a:t> ✓</a:t>
-            </a:r>
-          </a:p>
-          <a:p>
-            <a:pPr lvl="1"/>
-            <a:r>
-              <a:rPr lang="en-US" b="1" dirty="0"/>
-              <a:t>Blue</a:t>
-            </a:r>
-            <a:r>
-              <a:rPr lang="en-US" b="1" dirty="0">
-                <a:solidFill>
-                  <a:srgbClr val="FFC000"/>
-                </a:solidFill>
-              </a:rPr>
-              <a:t> X (hash wouldn’t crack!)</a:t>
-            </a:r>
-          </a:p>
-          <a:p>
-            <a:r>
-              <a:rPr lang="en-US" sz="2000" i="1" dirty="0"/>
-              <a:t>Set C</a:t>
-            </a:r>
-          </a:p>
-          <a:p>
-            <a:pPr lvl="1"/>
-            <a:r>
-              <a:rPr lang="en-US" b="1" dirty="0"/>
-              <a:t>Uno</a:t>
-            </a:r>
-            <a:r>
-              <a:rPr lang="en-US" b="1" dirty="0">
-                <a:solidFill>
-                  <a:srgbClr val="00B050"/>
-                </a:solidFill>
-              </a:rPr>
-              <a:t> ✓</a:t>
-            </a:r>
-          </a:p>
-          <a:p>
-            <a:pPr lvl="1"/>
-            <a:r>
-              <a:rPr lang="en-US" b="1" dirty="0"/>
-              <a:t>Game</a:t>
-            </a:r>
-            <a:r>
-              <a:rPr lang="en-US" b="1" dirty="0">
-                <a:solidFill>
-                  <a:srgbClr val="00B050"/>
-                </a:solidFill>
-              </a:rPr>
-              <a:t> ✓</a:t>
-            </a:r>
-          </a:p>
-          <a:p>
-            <a:pPr lvl="1"/>
-            <a:r>
-              <a:rPr lang="en-US" b="1" dirty="0"/>
-              <a:t>Break</a:t>
-            </a:r>
-            <a:r>
-              <a:rPr lang="en-US" b="1" dirty="0">
-                <a:solidFill>
-                  <a:srgbClr val="00B050"/>
-                </a:solidFill>
-              </a:rPr>
-              <a:t> ✓</a:t>
-            </a:r>
-          </a:p>
-          <a:p>
-            <a:pPr lvl="1"/>
-            <a:r>
-              <a:rPr lang="en-US" b="1" dirty="0"/>
-              <a:t>Recess</a:t>
-            </a:r>
-            <a:r>
-              <a:rPr lang="en-US" b="1" dirty="0">
-                <a:solidFill>
-                  <a:srgbClr val="00B050"/>
-                </a:solidFill>
-              </a:rPr>
-              <a:t> ✓</a:t>
-            </a:r>
-          </a:p>
-          <a:p>
-            <a:endParaRPr lang="en-US" sz="2000" dirty="0">
-              <a:solidFill>
-                <a:srgbClr val="00B050"/>
-              </a:solidFill>
+            <a:pPr marL="0" indent="0">
+              <a:buNone/>
+            </a:pPr>
+            <a:r>
+              <a:rPr lang="en-US" sz="1800" b="1" dirty="0">
+                <a:solidFill>
+                  <a:srgbClr val="0000FF"/>
+                </a:solidFill>
+                <a:latin typeface="Courier New" panose="02070309020205020404" pitchFamily="49" charset="0"/>
+                <a:cs typeface="Courier New" panose="02070309020205020404" pitchFamily="49" charset="0"/>
+              </a:rPr>
+              <a:t>import </a:t>
+            </a:r>
+            <a:r>
+              <a:rPr lang="en-US" sz="1800" dirty="0">
+                <a:latin typeface="Courier New" panose="02070309020205020404" pitchFamily="49" charset="0"/>
+                <a:cs typeface="Courier New" panose="02070309020205020404" pitchFamily="49" charset="0"/>
+              </a:rPr>
+              <a:t>angr</a:t>
+            </a:r>
+            <a:br>
+              <a:rPr lang="en-US" sz="1800" dirty="0">
+                <a:latin typeface="Courier New" panose="02070309020205020404" pitchFamily="49" charset="0"/>
+                <a:cs typeface="Courier New" panose="02070309020205020404" pitchFamily="49" charset="0"/>
+              </a:rPr>
+            </a:br>
+            <a:r>
+              <a:rPr lang="en-US" sz="1800" dirty="0" err="1">
+                <a:latin typeface="Courier New" panose="02070309020205020404" pitchFamily="49" charset="0"/>
+                <a:cs typeface="Courier New" panose="02070309020205020404" pitchFamily="49" charset="0"/>
+              </a:rPr>
+              <a:t>proj</a:t>
+            </a:r>
+            <a:r>
+              <a:rPr lang="en-US" sz="1800" dirty="0">
+                <a:latin typeface="Courier New" panose="02070309020205020404" pitchFamily="49" charset="0"/>
+                <a:cs typeface="Courier New" panose="02070309020205020404" pitchFamily="49" charset="0"/>
+              </a:rPr>
+              <a:t> = </a:t>
+            </a:r>
+            <a:r>
+              <a:rPr lang="en-US" sz="1800" dirty="0" err="1">
+                <a:latin typeface="Courier New" panose="02070309020205020404" pitchFamily="49" charset="0"/>
+                <a:cs typeface="Courier New" panose="02070309020205020404" pitchFamily="49" charset="0"/>
+              </a:rPr>
+              <a:t>angr.Project</a:t>
+            </a:r>
+            <a:r>
+              <a:rPr lang="en-US" sz="1800" dirty="0">
+                <a:latin typeface="Courier New" panose="02070309020205020404" pitchFamily="49" charset="0"/>
+                <a:cs typeface="Courier New" panose="02070309020205020404" pitchFamily="49" charset="0"/>
+              </a:rPr>
+              <a:t>(</a:t>
+            </a:r>
+            <a:r>
+              <a:rPr lang="en-US" sz="1800" dirty="0">
+                <a:solidFill>
+                  <a:srgbClr val="007F3F"/>
+                </a:solidFill>
+                <a:latin typeface="Courier New" panose="02070309020205020404" pitchFamily="49" charset="0"/>
+                <a:cs typeface="Courier New" panose="02070309020205020404" pitchFamily="49" charset="0"/>
+              </a:rPr>
+              <a:t>"A/</a:t>
+            </a:r>
+            <a:r>
+              <a:rPr lang="en-US" sz="1800" dirty="0" err="1">
+                <a:solidFill>
+                  <a:srgbClr val="007F3F"/>
+                </a:solidFill>
+                <a:latin typeface="Courier New" panose="02070309020205020404" pitchFamily="49" charset="0"/>
+                <a:cs typeface="Courier New" panose="02070309020205020404" pitchFamily="49" charset="0"/>
+              </a:rPr>
+              <a:t>TeensyChallengeSetA.ino.elf</a:t>
+            </a:r>
+            <a:r>
+              <a:rPr lang="en-US" sz="1800" dirty="0">
+                <a:solidFill>
+                  <a:srgbClr val="007F3F"/>
+                </a:solidFill>
+                <a:latin typeface="Courier New" panose="02070309020205020404" pitchFamily="49" charset="0"/>
+                <a:cs typeface="Courier New" panose="02070309020205020404" pitchFamily="49" charset="0"/>
+              </a:rPr>
+              <a:t>"</a:t>
+            </a:r>
+            <a:r>
+              <a:rPr lang="en-US" sz="1800" dirty="0">
+                <a:latin typeface="Courier New" panose="02070309020205020404" pitchFamily="49" charset="0"/>
+                <a:cs typeface="Courier New" panose="02070309020205020404" pitchFamily="49" charset="0"/>
+              </a:rPr>
+              <a:t>) </a:t>
+            </a:r>
+          </a:p>
+          <a:p>
+            <a:pPr marL="0" indent="0">
+              <a:buNone/>
+            </a:pPr>
+            <a:r>
+              <a:rPr lang="en-US" sz="1800" dirty="0" err="1">
+                <a:latin typeface="Courier New" panose="02070309020205020404" pitchFamily="49" charset="0"/>
+                <a:cs typeface="Courier New" panose="02070309020205020404" pitchFamily="49" charset="0"/>
+              </a:rPr>
+              <a:t>st</a:t>
+            </a:r>
+            <a:r>
+              <a:rPr lang="en-US" sz="1800" dirty="0">
+                <a:latin typeface="Courier New" panose="02070309020205020404" pitchFamily="49" charset="0"/>
+                <a:cs typeface="Courier New" panose="02070309020205020404" pitchFamily="49" charset="0"/>
+              </a:rPr>
+              <a:t> = </a:t>
+            </a:r>
+            <a:r>
+              <a:rPr lang="en-US" sz="1800" dirty="0" err="1">
+                <a:latin typeface="Courier New" panose="02070309020205020404" pitchFamily="49" charset="0"/>
+                <a:cs typeface="Courier New" panose="02070309020205020404" pitchFamily="49" charset="0"/>
+              </a:rPr>
+              <a:t>proj.factory.blank_state</a:t>
+            </a:r>
+            <a:r>
+              <a:rPr lang="en-US" sz="1800" dirty="0">
+                <a:latin typeface="Courier New" panose="02070309020205020404" pitchFamily="49" charset="0"/>
+                <a:cs typeface="Courier New" panose="02070309020205020404" pitchFamily="49" charset="0"/>
+              </a:rPr>
+              <a:t>()</a:t>
+            </a:r>
+            <a:br>
+              <a:rPr lang="en-US" sz="1800" dirty="0">
+                <a:latin typeface="Courier New" panose="02070309020205020404" pitchFamily="49" charset="0"/>
+                <a:cs typeface="Courier New" panose="02070309020205020404" pitchFamily="49" charset="0"/>
+              </a:rPr>
+            </a:br>
+            <a:r>
+              <a:rPr lang="en-US" sz="1800" dirty="0" err="1">
+                <a:latin typeface="Courier New" panose="02070309020205020404" pitchFamily="49" charset="0"/>
+                <a:cs typeface="Courier New" panose="02070309020205020404" pitchFamily="49" charset="0"/>
+              </a:rPr>
+              <a:t>st.options</a:t>
+            </a:r>
+            <a:r>
+              <a:rPr lang="en-US" sz="1800" dirty="0">
+                <a:latin typeface="Courier New" panose="02070309020205020404" pitchFamily="49" charset="0"/>
+                <a:cs typeface="Courier New" panose="02070309020205020404" pitchFamily="49" charset="0"/>
+              </a:rPr>
+              <a:t> |= </a:t>
+            </a:r>
+            <a:r>
+              <a:rPr lang="en-US" sz="1800" b="1" dirty="0">
+                <a:solidFill>
+                  <a:srgbClr val="0000FF"/>
+                </a:solidFill>
+                <a:latin typeface="Courier New" panose="02070309020205020404" pitchFamily="49" charset="0"/>
+                <a:cs typeface="Courier New" panose="02070309020205020404" pitchFamily="49" charset="0"/>
+              </a:rPr>
+              <a:t>set</a:t>
+            </a:r>
+            <a:r>
+              <a:rPr lang="en-US" sz="1800" dirty="0">
+                <a:latin typeface="Courier New" panose="02070309020205020404" pitchFamily="49" charset="0"/>
+                <a:cs typeface="Courier New" panose="02070309020205020404" pitchFamily="49" charset="0"/>
+              </a:rPr>
+              <a:t>([</a:t>
+            </a:r>
+            <a:r>
+              <a:rPr lang="en-US" sz="1800" dirty="0">
+                <a:solidFill>
+                  <a:srgbClr val="007F3F"/>
+                </a:solidFill>
+                <a:latin typeface="Courier New" panose="02070309020205020404" pitchFamily="49" charset="0"/>
+                <a:cs typeface="Courier New" panose="02070309020205020404" pitchFamily="49" charset="0"/>
+              </a:rPr>
+              <a:t>"SYMBOL_FILL_UNCONSTRAINED_MEMORY"</a:t>
+            </a:r>
+            <a:r>
+              <a:rPr lang="en-US" sz="1800" dirty="0">
+                <a:latin typeface="Courier New" panose="02070309020205020404" pitchFamily="49" charset="0"/>
+                <a:cs typeface="Courier New" panose="02070309020205020404" pitchFamily="49" charset="0"/>
+              </a:rPr>
+              <a:t>])</a:t>
+            </a:r>
+            <a:br>
+              <a:rPr lang="en-US" sz="1800" dirty="0">
+                <a:latin typeface="Courier New" panose="02070309020205020404" pitchFamily="49" charset="0"/>
+                <a:cs typeface="Courier New" panose="02070309020205020404" pitchFamily="49" charset="0"/>
+              </a:rPr>
+            </a:br>
+            <a:endParaRPr lang="en-US" sz="1800" dirty="0">
+              <a:latin typeface="Courier New" panose="02070309020205020404" pitchFamily="49" charset="0"/>
+              <a:cs typeface="Courier New" panose="02070309020205020404" pitchFamily="49" charset="0"/>
             </a:endParaRPr>
           </a:p>
-        </p:txBody>
-      </p:sp>
-      <p:sp>
-        <p:nvSpPr>
-          <p:cNvPr id="4" name="Content Placeholder 3">
-            <a:extLst>
-              <a:ext uri="{FF2B5EF4-FFF2-40B4-BE49-F238E27FC236}">
-                <a16:creationId xmlns:a16="http://schemas.microsoft.com/office/drawing/2014/main" id="{49E30B1A-CCAF-0545-A5F2-78B6CB14E638}"/>
-              </a:ext>
-            </a:extLst>
-          </p:cNvPr>
-          <p:cNvSpPr>
-            <a:spLocks noGrp="1"/>
-          </p:cNvSpPr>
-          <p:nvPr>
-            <p:ph sz="half" idx="2"/>
-          </p:nvPr>
-        </p:nvSpPr>
-        <p:spPr>
-          <a:xfrm>
-            <a:off x="4752440" y="993418"/>
-            <a:ext cx="3886200" cy="2776945"/>
-          </a:xfrm>
-        </p:spPr>
-        <p:txBody>
-          <a:bodyPr>
-            <a:normAutofit fontScale="92500" lnSpcReduction="10000"/>
-          </a:bodyPr>
-          <a:lstStyle/>
-          <a:p>
-            <a:r>
-              <a:rPr lang="en-US" sz="2000" u="sng" dirty="0"/>
-              <a:t>Set D</a:t>
-            </a:r>
-          </a:p>
-          <a:p>
-            <a:pPr lvl="1"/>
-            <a:r>
-              <a:rPr lang="en-US" b="1" dirty="0"/>
-              <a:t>Bounce</a:t>
-            </a:r>
-            <a:r>
-              <a:rPr lang="en-US" b="1" dirty="0">
-                <a:solidFill>
-                  <a:srgbClr val="FFC000"/>
-                </a:solidFill>
-              </a:rPr>
-              <a:t> </a:t>
-            </a:r>
-            <a:r>
-              <a:rPr lang="en-US" b="1" dirty="0">
-                <a:solidFill>
-                  <a:srgbClr val="00B050"/>
-                </a:solidFill>
-              </a:rPr>
-              <a:t>✓</a:t>
-            </a:r>
-            <a:endParaRPr lang="en-US" b="1" dirty="0">
-              <a:solidFill>
-                <a:srgbClr val="FFC000"/>
-              </a:solidFill>
+          <a:p>
+            <a:pPr marL="0" indent="0">
+              <a:buNone/>
+            </a:pPr>
+            <a:r>
+              <a:rPr lang="en-US" altLang="en-US" sz="1800" dirty="0" err="1">
+                <a:latin typeface="Courier New" panose="02070309020205020404" pitchFamily="49" charset="0"/>
+                <a:cs typeface="Courier New" panose="02070309020205020404" pitchFamily="49" charset="0"/>
+              </a:rPr>
+              <a:t>st.inspect.b</a:t>
+            </a:r>
+            <a:r>
+              <a:rPr lang="en-US" altLang="en-US" sz="1800" dirty="0">
+                <a:latin typeface="Courier New" panose="02070309020205020404" pitchFamily="49" charset="0"/>
+                <a:cs typeface="Courier New" panose="02070309020205020404" pitchFamily="49" charset="0"/>
+              </a:rPr>
+              <a:t>(</a:t>
+            </a:r>
+            <a:r>
+              <a:rPr lang="en-US" altLang="en-US" sz="1800" dirty="0">
+                <a:solidFill>
+                  <a:srgbClr val="007F3F"/>
+                </a:solidFill>
+                <a:latin typeface="Courier New" panose="02070309020205020404" pitchFamily="49" charset="0"/>
+                <a:cs typeface="Courier New" panose="02070309020205020404" pitchFamily="49" charset="0"/>
+              </a:rPr>
+              <a:t>’</a:t>
+            </a:r>
+            <a:r>
+              <a:rPr lang="en-US" altLang="en-US" sz="1800" dirty="0" err="1">
+                <a:solidFill>
+                  <a:srgbClr val="007F3F"/>
+                </a:solidFill>
+                <a:latin typeface="Courier New" panose="02070309020205020404" pitchFamily="49" charset="0"/>
+                <a:cs typeface="Courier New" panose="02070309020205020404" pitchFamily="49" charset="0"/>
+              </a:rPr>
+              <a:t>mem_read</a:t>
+            </a:r>
+            <a:r>
+              <a:rPr lang="en-US" altLang="en-US" sz="1800" dirty="0">
+                <a:solidFill>
+                  <a:srgbClr val="007F3F"/>
+                </a:solidFill>
+                <a:latin typeface="Courier New" panose="02070309020205020404" pitchFamily="49" charset="0"/>
+                <a:cs typeface="Courier New" panose="02070309020205020404" pitchFamily="49" charset="0"/>
+              </a:rPr>
+              <a:t>’</a:t>
+            </a:r>
+            <a:r>
+              <a:rPr lang="en-US" altLang="en-US" sz="1800" dirty="0">
+                <a:latin typeface="Courier New" panose="02070309020205020404" pitchFamily="49" charset="0"/>
+                <a:cs typeface="Courier New" panose="02070309020205020404" pitchFamily="49" charset="0"/>
+              </a:rPr>
+              <a:t>, </a:t>
+            </a:r>
+            <a:r>
+              <a:rPr lang="en-US" altLang="en-US" sz="1800" b="1" dirty="0" err="1">
+                <a:latin typeface="Courier New" panose="02070309020205020404" pitchFamily="49" charset="0"/>
+                <a:cs typeface="Courier New" panose="02070309020205020404" pitchFamily="49" charset="0"/>
+              </a:rPr>
+              <a:t>print_card_offsets</a:t>
+            </a:r>
+            <a:r>
+              <a:rPr lang="en-US" altLang="en-US" sz="1800" dirty="0">
+                <a:latin typeface="Courier New" panose="02070309020205020404" pitchFamily="49" charset="0"/>
+                <a:cs typeface="Courier New" panose="02070309020205020404" pitchFamily="49" charset="0"/>
+              </a:rPr>
+              <a:t>)</a:t>
+            </a:r>
+            <a:br>
+              <a:rPr lang="en-US" sz="1800" dirty="0">
+                <a:latin typeface="Courier New" panose="02070309020205020404" pitchFamily="49" charset="0"/>
+                <a:cs typeface="Courier New" panose="02070309020205020404" pitchFamily="49" charset="0"/>
+              </a:rPr>
+            </a:br>
+            <a:endParaRPr lang="en-US" sz="1800" dirty="0">
+              <a:latin typeface="Courier New" panose="02070309020205020404" pitchFamily="49" charset="0"/>
+              <a:cs typeface="Courier New" panose="02070309020205020404" pitchFamily="49" charset="0"/>
             </a:endParaRPr>
           </a:p>
           <a:p>
-            <a:r>
-              <a:rPr lang="en-US" sz="2000" u="sng" dirty="0"/>
-              <a:t>Set E</a:t>
-            </a:r>
-          </a:p>
-          <a:p>
-            <a:pPr lvl="1"/>
-            <a:r>
-              <a:rPr lang="en-US" b="1" dirty="0"/>
-              <a:t>Steel</a:t>
-            </a:r>
-            <a:r>
-              <a:rPr lang="en-US" b="1" dirty="0">
-                <a:solidFill>
-                  <a:srgbClr val="FFC000"/>
-                </a:solidFill>
-              </a:rPr>
-              <a:t> </a:t>
-            </a:r>
-            <a:r>
-              <a:rPr lang="en-US" b="1" dirty="0">
-                <a:solidFill>
-                  <a:srgbClr val="00B050"/>
-                </a:solidFill>
-              </a:rPr>
-              <a:t>✓</a:t>
-            </a:r>
-            <a:endParaRPr lang="en-US" b="1" dirty="0">
-              <a:solidFill>
-                <a:srgbClr val="FFC000"/>
-              </a:solidFill>
+            <a:pPr marL="0" indent="0">
+              <a:buNone/>
+            </a:pPr>
+            <a:r>
+              <a:rPr lang="en-US" sz="1800" dirty="0" err="1">
+                <a:latin typeface="Courier New" panose="02070309020205020404" pitchFamily="49" charset="0"/>
+                <a:cs typeface="Courier New" panose="02070309020205020404" pitchFamily="49" charset="0"/>
+              </a:rPr>
+              <a:t>mainObj</a:t>
+            </a:r>
+            <a:r>
+              <a:rPr lang="en-US" sz="1800" dirty="0">
+                <a:latin typeface="Courier New" panose="02070309020205020404" pitchFamily="49" charset="0"/>
+                <a:cs typeface="Courier New" panose="02070309020205020404" pitchFamily="49" charset="0"/>
+              </a:rPr>
+              <a:t> = </a:t>
+            </a:r>
+            <a:r>
+              <a:rPr lang="en-US" sz="1800" dirty="0" err="1">
+                <a:latin typeface="Courier New" panose="02070309020205020404" pitchFamily="49" charset="0"/>
+                <a:cs typeface="Courier New" panose="02070309020205020404" pitchFamily="49" charset="0"/>
+              </a:rPr>
+              <a:t>proj.loader.main_object</a:t>
+            </a:r>
+            <a:br>
+              <a:rPr lang="en-US" sz="1800" dirty="0">
+                <a:latin typeface="Courier New" panose="02070309020205020404" pitchFamily="49" charset="0"/>
+                <a:cs typeface="Courier New" panose="02070309020205020404" pitchFamily="49" charset="0"/>
+              </a:rPr>
+            </a:br>
+            <a:r>
+              <a:rPr lang="en-US" sz="1800" dirty="0" err="1">
+                <a:latin typeface="Courier New" panose="02070309020205020404" pitchFamily="49" charset="0"/>
+                <a:cs typeface="Courier New" panose="02070309020205020404" pitchFamily="49" charset="0"/>
+              </a:rPr>
+              <a:t>sym</a:t>
+            </a:r>
+            <a:r>
+              <a:rPr lang="en-US" sz="1800" dirty="0">
+                <a:latin typeface="Courier New" panose="02070309020205020404" pitchFamily="49" charset="0"/>
+                <a:cs typeface="Courier New" panose="02070309020205020404" pitchFamily="49" charset="0"/>
+              </a:rPr>
+              <a:t> = </a:t>
+            </a:r>
+            <a:r>
+              <a:rPr lang="en-US" sz="1800" dirty="0" err="1">
+                <a:latin typeface="Courier New" panose="02070309020205020404" pitchFamily="49" charset="0"/>
+                <a:cs typeface="Courier New" panose="02070309020205020404" pitchFamily="49" charset="0"/>
+              </a:rPr>
+              <a:t>mainObj.symbols_by_name</a:t>
+            </a:r>
+            <a:r>
+              <a:rPr lang="en-US" sz="1800" dirty="0">
+                <a:latin typeface="Courier New" panose="02070309020205020404" pitchFamily="49" charset="0"/>
+                <a:cs typeface="Courier New" panose="02070309020205020404" pitchFamily="49" charset="0"/>
+              </a:rPr>
+              <a:t>[</a:t>
+            </a:r>
+            <a:r>
+              <a:rPr lang="en-US" sz="1800" dirty="0">
+                <a:solidFill>
+                  <a:srgbClr val="007F3F"/>
+                </a:solidFill>
+                <a:latin typeface="Courier New" panose="02070309020205020404" pitchFamily="49" charset="0"/>
+                <a:cs typeface="Courier New" panose="02070309020205020404" pitchFamily="49" charset="0"/>
+              </a:rPr>
+              <a:t>"_Z11challenge_06packet"</a:t>
+            </a:r>
+            <a:r>
+              <a:rPr lang="en-US" sz="1800" dirty="0">
+                <a:latin typeface="Courier New" panose="02070309020205020404" pitchFamily="49" charset="0"/>
+                <a:cs typeface="Courier New" panose="02070309020205020404" pitchFamily="49" charset="0"/>
+              </a:rPr>
+              <a:t>]</a:t>
+            </a:r>
+            <a:br>
+              <a:rPr lang="en-US" sz="1800" dirty="0">
+                <a:latin typeface="Courier New" panose="02070309020205020404" pitchFamily="49" charset="0"/>
+                <a:cs typeface="Courier New" panose="02070309020205020404" pitchFamily="49" charset="0"/>
+              </a:rPr>
+            </a:br>
+            <a:r>
+              <a:rPr lang="en-US" sz="1800" dirty="0" err="1">
+                <a:latin typeface="Courier New" panose="02070309020205020404" pitchFamily="49" charset="0"/>
+                <a:cs typeface="Courier New" panose="02070309020205020404" pitchFamily="49" charset="0"/>
+              </a:rPr>
+              <a:t>st.regs.pc</a:t>
+            </a:r>
+            <a:r>
+              <a:rPr lang="en-US" sz="1800" dirty="0">
+                <a:latin typeface="Courier New" panose="02070309020205020404" pitchFamily="49" charset="0"/>
+                <a:cs typeface="Courier New" panose="02070309020205020404" pitchFamily="49" charset="0"/>
+              </a:rPr>
+              <a:t> = </a:t>
+            </a:r>
+            <a:r>
+              <a:rPr lang="en-US" sz="1800" dirty="0" err="1">
+                <a:latin typeface="Courier New" panose="02070309020205020404" pitchFamily="49" charset="0"/>
+                <a:cs typeface="Courier New" panose="02070309020205020404" pitchFamily="49" charset="0"/>
+              </a:rPr>
+              <a:t>sym.linked_addr</a:t>
+            </a:r>
+            <a:endParaRPr lang="en-US" sz="1800" dirty="0">
+              <a:latin typeface="Courier New" panose="02070309020205020404" pitchFamily="49" charset="0"/>
+              <a:cs typeface="Courier New" panose="02070309020205020404" pitchFamily="49" charset="0"/>
             </a:endParaRPr>
           </a:p>
           <a:p>
-            <a:pPr lvl="1"/>
-            <a:r>
-              <a:rPr lang="en-US" b="1" dirty="0" err="1"/>
-              <a:t>Caeser</a:t>
-            </a:r>
-            <a:r>
-              <a:rPr lang="en-US" b="1" dirty="0">
-                <a:solidFill>
-                  <a:srgbClr val="C00000"/>
-                </a:solidFill>
-              </a:rPr>
-              <a:t> </a:t>
-            </a:r>
-            <a:r>
-              <a:rPr lang="en-US" b="1" dirty="0">
-                <a:solidFill>
-                  <a:srgbClr val="FFC000"/>
-                </a:solidFill>
-              </a:rPr>
-              <a:t>X (ran out of time)</a:t>
-            </a:r>
-          </a:p>
-          <a:p>
-            <a:pPr lvl="1"/>
-            <a:r>
-              <a:rPr lang="en-US" b="1" dirty="0"/>
-              <a:t>Spiral</a:t>
-            </a:r>
-            <a:r>
-              <a:rPr lang="en-US" b="1" dirty="0">
-                <a:solidFill>
-                  <a:srgbClr val="00B050"/>
-                </a:solidFill>
-              </a:rPr>
-              <a:t> ✓</a:t>
-            </a:r>
-          </a:p>
-          <a:p>
-            <a:pPr lvl="1"/>
-            <a:r>
-              <a:rPr lang="en-US" b="1" dirty="0"/>
-              <a:t>Tower</a:t>
-            </a:r>
-            <a:r>
-              <a:rPr lang="en-US" b="1" dirty="0">
-                <a:solidFill>
-                  <a:srgbClr val="FFC000"/>
-                </a:solidFill>
-              </a:rPr>
-              <a:t> </a:t>
-            </a:r>
-            <a:r>
-              <a:rPr lang="en-US" b="1" dirty="0">
-                <a:solidFill>
-                  <a:srgbClr val="00B050"/>
-                </a:solidFill>
-              </a:rPr>
-              <a:t>✓</a:t>
-            </a:r>
-            <a:endParaRPr lang="en-US" b="1" dirty="0">
-              <a:solidFill>
-                <a:srgbClr val="FFC000"/>
-              </a:solidFill>
+            <a:pPr marL="0" indent="0">
+              <a:buNone/>
+            </a:pPr>
+            <a:br>
+              <a:rPr lang="en-US" sz="1800" dirty="0">
+                <a:latin typeface="Courier New" panose="02070309020205020404" pitchFamily="49" charset="0"/>
+                <a:cs typeface="Courier New" panose="02070309020205020404" pitchFamily="49" charset="0"/>
+              </a:rPr>
+            </a:br>
+            <a:r>
+              <a:rPr lang="en-US" sz="1800" dirty="0" err="1">
+                <a:latin typeface="Courier New" panose="02070309020205020404" pitchFamily="49" charset="0"/>
+                <a:cs typeface="Courier New" panose="02070309020205020404" pitchFamily="49" charset="0"/>
+              </a:rPr>
+              <a:t>mgr</a:t>
+            </a:r>
+            <a:r>
+              <a:rPr lang="en-US" sz="1800" dirty="0">
+                <a:latin typeface="Courier New" panose="02070309020205020404" pitchFamily="49" charset="0"/>
+                <a:cs typeface="Courier New" panose="02070309020205020404" pitchFamily="49" charset="0"/>
+              </a:rPr>
+              <a:t> = </a:t>
+            </a:r>
+            <a:r>
+              <a:rPr lang="en-US" sz="1800" dirty="0" err="1">
+                <a:latin typeface="Courier New" panose="02070309020205020404" pitchFamily="49" charset="0"/>
+                <a:cs typeface="Courier New" panose="02070309020205020404" pitchFamily="49" charset="0"/>
+              </a:rPr>
+              <a:t>self.proj.factory.simgr</a:t>
+            </a:r>
+            <a:r>
+              <a:rPr lang="en-US" sz="1800" dirty="0">
+                <a:latin typeface="Courier New" panose="02070309020205020404" pitchFamily="49" charset="0"/>
+                <a:cs typeface="Courier New" panose="02070309020205020404" pitchFamily="49" charset="0"/>
+              </a:rPr>
+              <a:t>(</a:t>
+            </a:r>
+            <a:r>
+              <a:rPr lang="en-US" sz="1800" dirty="0" err="1">
+                <a:latin typeface="Courier New" panose="02070309020205020404" pitchFamily="49" charset="0"/>
+                <a:cs typeface="Courier New" panose="02070309020205020404" pitchFamily="49" charset="0"/>
+              </a:rPr>
+              <a:t>st</a:t>
+            </a:r>
+            <a:r>
+              <a:rPr lang="en-US" sz="1800" dirty="0">
+                <a:latin typeface="Courier New" panose="02070309020205020404" pitchFamily="49" charset="0"/>
+                <a:cs typeface="Courier New" panose="02070309020205020404" pitchFamily="49" charset="0"/>
+              </a:rPr>
+              <a:t>) </a:t>
+            </a:r>
+            <a:r>
+              <a:rPr lang="en-US" sz="1800" dirty="0" err="1">
+                <a:latin typeface="Courier New" panose="02070309020205020404" pitchFamily="49" charset="0"/>
+                <a:cs typeface="Courier New" panose="02070309020205020404" pitchFamily="49" charset="0"/>
+              </a:rPr>
+              <a:t>mgr.use_technique</a:t>
+            </a:r>
+            <a:r>
+              <a:rPr lang="en-US" sz="1800" dirty="0">
+                <a:latin typeface="Courier New" panose="02070309020205020404" pitchFamily="49" charset="0"/>
+                <a:cs typeface="Courier New" panose="02070309020205020404" pitchFamily="49" charset="0"/>
+              </a:rPr>
+              <a:t>(</a:t>
+            </a:r>
+            <a:r>
+              <a:rPr lang="en-US" sz="1800" dirty="0" err="1">
+                <a:latin typeface="Courier New" panose="02070309020205020404" pitchFamily="49" charset="0"/>
+                <a:cs typeface="Courier New" panose="02070309020205020404" pitchFamily="49" charset="0"/>
+              </a:rPr>
+              <a:t>angr.exploration_techniques.Explorer</a:t>
+            </a:r>
+            <a:r>
+              <a:rPr lang="en-US" sz="1800" dirty="0">
+                <a:latin typeface="Courier New" panose="02070309020205020404" pitchFamily="49" charset="0"/>
+                <a:cs typeface="Courier New" panose="02070309020205020404" pitchFamily="49" charset="0"/>
+              </a:rPr>
+              <a:t>(</a:t>
+            </a:r>
+            <a:br>
+              <a:rPr lang="en-US" sz="1800" dirty="0">
+                <a:latin typeface="Courier New" panose="02070309020205020404" pitchFamily="49" charset="0"/>
+                <a:cs typeface="Courier New" panose="02070309020205020404" pitchFamily="49" charset="0"/>
+              </a:rPr>
+            </a:br>
+            <a:r>
+              <a:rPr lang="en-US" sz="1800" dirty="0">
+                <a:latin typeface="Courier New" panose="02070309020205020404" pitchFamily="49" charset="0"/>
+                <a:cs typeface="Courier New" panose="02070309020205020404" pitchFamily="49" charset="0"/>
+              </a:rPr>
+              <a:t>   find=[</a:t>
+            </a:r>
+            <a:r>
+              <a:rPr lang="en-US" sz="1800" b="1" dirty="0">
+                <a:latin typeface="Courier New" panose="02070309020205020404" pitchFamily="49" charset="0"/>
+                <a:cs typeface="Courier New" panose="02070309020205020404" pitchFamily="49" charset="0"/>
+              </a:rPr>
+              <a:t>0xc21</a:t>
+            </a:r>
+            <a:r>
+              <a:rPr lang="en-US" sz="1800" dirty="0">
+                <a:latin typeface="Courier New" panose="02070309020205020404" pitchFamily="49" charset="0"/>
+                <a:cs typeface="Courier New" panose="02070309020205020404" pitchFamily="49" charset="0"/>
+              </a:rPr>
+              <a:t>], avoid=[</a:t>
+            </a:r>
+            <a:r>
+              <a:rPr lang="en-US" sz="1800" b="1" dirty="0">
+                <a:latin typeface="Courier New" panose="02070309020205020404" pitchFamily="49" charset="0"/>
+                <a:cs typeface="Courier New" panose="02070309020205020404" pitchFamily="49" charset="0"/>
+              </a:rPr>
+              <a:t>0xc51</a:t>
+            </a:r>
+            <a:r>
+              <a:rPr lang="en-US" sz="1800" dirty="0">
+                <a:latin typeface="Courier New" panose="02070309020205020404" pitchFamily="49" charset="0"/>
+                <a:cs typeface="Courier New" panose="02070309020205020404" pitchFamily="49" charset="0"/>
+              </a:rPr>
+              <a:t>]))</a:t>
+            </a:r>
+          </a:p>
+          <a:p>
+            <a:pPr marL="0" indent="0">
+              <a:buNone/>
+            </a:pPr>
+            <a:r>
+              <a:rPr lang="en-US" sz="1800" dirty="0" err="1">
+                <a:latin typeface="Courier New" panose="02070309020205020404" pitchFamily="49" charset="0"/>
+                <a:cs typeface="Courier New" panose="02070309020205020404" pitchFamily="49" charset="0"/>
+              </a:rPr>
+              <a:t>mgr.run</a:t>
+            </a:r>
+            <a:r>
+              <a:rPr lang="en-US" sz="1800" dirty="0">
+                <a:latin typeface="Courier New" panose="02070309020205020404" pitchFamily="49" charset="0"/>
+                <a:cs typeface="Courier New" panose="02070309020205020404" pitchFamily="49" charset="0"/>
+              </a:rPr>
+              <a:t>()</a:t>
+            </a:r>
+          </a:p>
+          <a:p>
+            <a:pPr marL="0" indent="0">
+              <a:buNone/>
+            </a:pPr>
+            <a:endParaRPr lang="en-US" sz="1800" dirty="0">
+              <a:latin typeface="Courier New" panose="02070309020205020404" pitchFamily="49" charset="0"/>
+              <a:cs typeface="Courier New" panose="02070309020205020404" pitchFamily="49" charset="0"/>
             </a:endParaRPr>
           </a:p>
           <a:p>
-            <a:r>
-              <a:rPr lang="en-US" sz="2000" u="sng" dirty="0"/>
-              <a:t>Set F</a:t>
-            </a:r>
-          </a:p>
-          <a:p>
-            <a:pPr lvl="1"/>
-            <a:r>
-              <a:rPr lang="en-US" b="1" dirty="0"/>
-              <a:t>Spire</a:t>
-            </a:r>
-            <a:r>
-              <a:rPr lang="en-US" b="1" dirty="0">
-                <a:solidFill>
-                  <a:srgbClr val="00B050"/>
-                </a:solidFill>
-              </a:rPr>
-              <a:t> ✓</a:t>
-            </a:r>
-          </a:p>
-          <a:p>
-            <a:pPr lvl="1"/>
-            <a:endParaRPr lang="en-US" dirty="0"/>
+            <a:pPr marL="0" indent="0">
+              <a:buNone/>
+            </a:pPr>
+            <a:r>
+              <a:rPr lang="en-US" sz="1800" b="1" dirty="0" err="1">
+                <a:latin typeface="Courier New" panose="02070309020205020404" pitchFamily="49" charset="0"/>
+                <a:cs typeface="Courier New" panose="02070309020205020404" pitchFamily="49" charset="0"/>
+              </a:rPr>
+              <a:t>print_table</a:t>
+            </a:r>
+            <a:r>
+              <a:rPr lang="en-US" sz="1800" dirty="0">
+                <a:latin typeface="Courier New" panose="02070309020205020404" pitchFamily="49" charset="0"/>
+                <a:cs typeface="Courier New" panose="02070309020205020404" pitchFamily="49" charset="0"/>
+              </a:rPr>
+              <a:t>(</a:t>
+            </a:r>
+            <a:r>
+              <a:rPr lang="en-US" sz="1800" dirty="0" err="1">
+                <a:latin typeface="Courier New" panose="02070309020205020404" pitchFamily="49" charset="0"/>
+                <a:cs typeface="Courier New" panose="02070309020205020404" pitchFamily="49" charset="0"/>
+              </a:rPr>
+              <a:t>mgr.found</a:t>
+            </a:r>
+            <a:r>
+              <a:rPr lang="en-US" sz="1800" dirty="0">
+                <a:latin typeface="Courier New" panose="02070309020205020404" pitchFamily="49" charset="0"/>
+                <a:cs typeface="Courier New" panose="02070309020205020404" pitchFamily="49" charset="0"/>
+              </a:rPr>
+              <a:t>[0])</a:t>
+            </a:r>
+            <a:endParaRPr lang="en-US" sz="5400" dirty="0">
+              <a:latin typeface="Courier New" panose="02070309020205020404" pitchFamily="49" charset="0"/>
+              <a:cs typeface="Courier New" panose="02070309020205020404" pitchFamily="49" charset="0"/>
+            </a:endParaRPr>
           </a:p>
         </p:txBody>
       </p:sp>
@@ -8171,7 +9355,7 @@
           <p:cNvPr id="5" name="Footer Placeholder 4">
             <a:extLst>
               <a:ext uri="{FF2B5EF4-FFF2-40B4-BE49-F238E27FC236}">
-                <a16:creationId xmlns:a16="http://schemas.microsoft.com/office/drawing/2014/main" id="{38091212-0209-0344-975D-1F2218F04938}"/>
+                <a16:creationId xmlns:a16="http://schemas.microsoft.com/office/drawing/2014/main" id="{1B3CAEAF-F37E-C94C-A430-1DFA6E9973BB}"/>
               </a:ext>
             </a:extLst>
           </p:cNvPr>
@@ -8200,7 +9384,7 @@
           <p:cNvPr id="6" name="Slide Number Placeholder 5">
             <a:extLst>
               <a:ext uri="{FF2B5EF4-FFF2-40B4-BE49-F238E27FC236}">
-                <a16:creationId xmlns:a16="http://schemas.microsoft.com/office/drawing/2014/main" id="{AEE4C2AD-7AF9-2E46-A810-ADC4D82634DA}"/>
+                <a16:creationId xmlns:a16="http://schemas.microsoft.com/office/drawing/2014/main" id="{76C7435F-777F-734E-B259-70C3F7032038}"/>
               </a:ext>
             </a:extLst>
           </p:cNvPr>
@@ -8224,238 +9408,611 @@
           </a:p>
         </p:txBody>
       </p:sp>
-      <p:sp>
-        <p:nvSpPr>
-          <p:cNvPr id="7" name="Content Placeholder 3">
-            <a:extLst>
-              <a:ext uri="{FF2B5EF4-FFF2-40B4-BE49-F238E27FC236}">
-                <a16:creationId xmlns:a16="http://schemas.microsoft.com/office/drawing/2014/main" id="{91EE54F0-A171-A948-9E04-62C0787F9092}"/>
-              </a:ext>
-            </a:extLst>
-          </p:cNvPr>
-          <p:cNvSpPr txBox="1">
-            <a:spLocks/>
-          </p:cNvSpPr>
+      <p:grpSp>
+        <p:nvGrpSpPr>
+          <p:cNvPr id="9" name="Group 8">
+            <a:extLst>
+              <a:ext uri="{FF2B5EF4-FFF2-40B4-BE49-F238E27FC236}">
+                <a16:creationId xmlns:a16="http://schemas.microsoft.com/office/drawing/2014/main" id="{17530414-CD04-FB46-AEC6-9942E67BDCC2}"/>
+              </a:ext>
+            </a:extLst>
+          </p:cNvPr>
+          <p:cNvGrpSpPr/>
           <p:nvPr/>
-        </p:nvSpPr>
-        <p:spPr>
+        </p:nvGrpSpPr>
+        <p:grpSpPr>
           <a:xfrm>
-            <a:off x="4572000" y="4052917"/>
-            <a:ext cx="3886200" cy="3148785"/>
+            <a:off x="436036" y="1796035"/>
+            <a:ext cx="4775200" cy="3403600"/>
+            <a:chOff x="2018145" y="1727200"/>
+            <a:chExt cx="4775200" cy="3403600"/>
           </a:xfrm>
-          <a:prstGeom prst="rect">
-            <a:avLst/>
-          </a:prstGeom>
-        </p:spPr>
-        <p:txBody>
-          <a:bodyPr vert="horz" lIns="91440" tIns="45720" rIns="91440" bIns="45720" rtlCol="0">
-            <a:normAutofit/>
-          </a:bodyPr>
-          <a:lstStyle>
-            <a:lvl1pPr marL="171450" indent="-171450" algn="l" defTabSz="685800" rtl="0" eaLnBrk="1" latinLnBrk="0" hangingPunct="1">
-              <a:lnSpc>
-                <a:spcPct val="90000"/>
-              </a:lnSpc>
-              <a:spcBef>
-                <a:spcPts val="750"/>
-              </a:spcBef>
-              <a:buFont typeface="Arial" panose="020B0604020202020204" pitchFamily="34" charset="0"/>
-              <a:buChar char="•"/>
-              <a:defRPr sz="2100" kern="1200">
-                <a:solidFill>
-                  <a:schemeClr val="tx1"/>
-                </a:solidFill>
-                <a:latin typeface="+mj-lt"/>
-                <a:ea typeface="+mn-ea"/>
-                <a:cs typeface="+mn-cs"/>
-              </a:defRPr>
-            </a:lvl1pPr>
-            <a:lvl2pPr marL="514350" indent="-171450" algn="l" defTabSz="685800" rtl="0" eaLnBrk="1" latinLnBrk="0" hangingPunct="1">
-              <a:lnSpc>
-                <a:spcPct val="90000"/>
-              </a:lnSpc>
-              <a:spcBef>
-                <a:spcPts val="375"/>
-              </a:spcBef>
-              <a:buFont typeface="Arial" panose="020B0604020202020204" pitchFamily="34" charset="0"/>
-              <a:buChar char="•"/>
-              <a:defRPr sz="1800" kern="1200">
-                <a:solidFill>
-                  <a:schemeClr val="tx1"/>
-                </a:solidFill>
-                <a:latin typeface="+mj-lt"/>
-                <a:ea typeface="+mn-ea"/>
-                <a:cs typeface="+mn-cs"/>
-              </a:defRPr>
-            </a:lvl2pPr>
-            <a:lvl3pPr marL="857250" indent="-171450" algn="l" defTabSz="685800" rtl="0" eaLnBrk="1" latinLnBrk="0" hangingPunct="1">
-              <a:lnSpc>
-                <a:spcPct val="90000"/>
-              </a:lnSpc>
-              <a:spcBef>
-                <a:spcPts val="375"/>
-              </a:spcBef>
-              <a:buFont typeface="Arial" panose="020B0604020202020204" pitchFamily="34" charset="0"/>
-              <a:buChar char="•"/>
-              <a:defRPr sz="1500" kern="1200">
-                <a:solidFill>
-                  <a:schemeClr val="tx1"/>
-                </a:solidFill>
-                <a:latin typeface="+mj-lt"/>
-                <a:ea typeface="+mn-ea"/>
-                <a:cs typeface="+mn-cs"/>
-              </a:defRPr>
-            </a:lvl3pPr>
-            <a:lvl4pPr marL="1200150" indent="-171450" algn="l" defTabSz="685800" rtl="0" eaLnBrk="1" latinLnBrk="0" hangingPunct="1">
-              <a:lnSpc>
-                <a:spcPct val="90000"/>
-              </a:lnSpc>
-              <a:spcBef>
-                <a:spcPts val="375"/>
-              </a:spcBef>
-              <a:buFont typeface="Arial" panose="020B0604020202020204" pitchFamily="34" charset="0"/>
-              <a:buChar char="•"/>
-              <a:defRPr sz="1350" kern="1200">
-                <a:solidFill>
-                  <a:schemeClr val="tx1"/>
-                </a:solidFill>
-                <a:latin typeface="+mj-lt"/>
-                <a:ea typeface="+mn-ea"/>
-                <a:cs typeface="+mn-cs"/>
-              </a:defRPr>
-            </a:lvl4pPr>
-            <a:lvl5pPr marL="1543050" indent="-171450" algn="l" defTabSz="685800" rtl="0" eaLnBrk="1" latinLnBrk="0" hangingPunct="1">
-              <a:lnSpc>
-                <a:spcPct val="90000"/>
-              </a:lnSpc>
-              <a:spcBef>
-                <a:spcPts val="375"/>
-              </a:spcBef>
-              <a:buFont typeface="Arial" panose="020B0604020202020204" pitchFamily="34" charset="0"/>
-              <a:buChar char="•"/>
-              <a:defRPr sz="1350" kern="1200">
-                <a:solidFill>
-                  <a:schemeClr val="tx1"/>
-                </a:solidFill>
-                <a:latin typeface="+mj-lt"/>
-                <a:ea typeface="+mn-ea"/>
-                <a:cs typeface="+mn-cs"/>
-              </a:defRPr>
-            </a:lvl5pPr>
-            <a:lvl6pPr marL="1885950" indent="-171450" algn="l" defTabSz="685800" rtl="0" eaLnBrk="1" latinLnBrk="0" hangingPunct="1">
-              <a:lnSpc>
-                <a:spcPct val="90000"/>
-              </a:lnSpc>
-              <a:spcBef>
-                <a:spcPts val="375"/>
-              </a:spcBef>
-              <a:buFont typeface="Arial" panose="020B0604020202020204" pitchFamily="34" charset="0"/>
-              <a:buChar char="•"/>
-              <a:defRPr sz="1350" kern="1200">
-                <a:solidFill>
-                  <a:schemeClr val="tx1"/>
-                </a:solidFill>
-                <a:latin typeface="+mn-lt"/>
-                <a:ea typeface="+mn-ea"/>
-                <a:cs typeface="+mn-cs"/>
-              </a:defRPr>
-            </a:lvl6pPr>
-            <a:lvl7pPr marL="2228850" indent="-171450" algn="l" defTabSz="685800" rtl="0" eaLnBrk="1" latinLnBrk="0" hangingPunct="1">
-              <a:lnSpc>
-                <a:spcPct val="90000"/>
-              </a:lnSpc>
-              <a:spcBef>
-                <a:spcPts val="375"/>
-              </a:spcBef>
-              <a:buFont typeface="Arial" panose="020B0604020202020204" pitchFamily="34" charset="0"/>
-              <a:buChar char="•"/>
-              <a:defRPr sz="1350" kern="1200">
-                <a:solidFill>
-                  <a:schemeClr val="tx1"/>
-                </a:solidFill>
-                <a:latin typeface="+mn-lt"/>
-                <a:ea typeface="+mn-ea"/>
-                <a:cs typeface="+mn-cs"/>
-              </a:defRPr>
-            </a:lvl7pPr>
-            <a:lvl8pPr marL="2571750" indent="-171450" algn="l" defTabSz="685800" rtl="0" eaLnBrk="1" latinLnBrk="0" hangingPunct="1">
-              <a:lnSpc>
-                <a:spcPct val="90000"/>
-              </a:lnSpc>
-              <a:spcBef>
-                <a:spcPts val="375"/>
-              </a:spcBef>
-              <a:buFont typeface="Arial" panose="020B0604020202020204" pitchFamily="34" charset="0"/>
-              <a:buChar char="•"/>
-              <a:defRPr sz="1350" kern="1200">
-                <a:solidFill>
-                  <a:schemeClr val="tx1"/>
-                </a:solidFill>
-                <a:latin typeface="+mn-lt"/>
-                <a:ea typeface="+mn-ea"/>
-                <a:cs typeface="+mn-cs"/>
-              </a:defRPr>
-            </a:lvl8pPr>
-            <a:lvl9pPr marL="2914650" indent="-171450" algn="l" defTabSz="685800" rtl="0" eaLnBrk="1" latinLnBrk="0" hangingPunct="1">
-              <a:lnSpc>
-                <a:spcPct val="90000"/>
-              </a:lnSpc>
-              <a:spcBef>
-                <a:spcPts val="375"/>
-              </a:spcBef>
-              <a:buFont typeface="Arial" panose="020B0604020202020204" pitchFamily="34" charset="0"/>
-              <a:buChar char="•"/>
-              <a:defRPr sz="1350" kern="1200">
-                <a:solidFill>
-                  <a:schemeClr val="tx1"/>
-                </a:solidFill>
-                <a:latin typeface="+mn-lt"/>
-                <a:ea typeface="+mn-ea"/>
-                <a:cs typeface="+mn-cs"/>
-              </a:defRPr>
-            </a:lvl9pPr>
-          </a:lstStyle>
-          <a:p>
-            <a:pPr marL="342900" lvl="1" indent="0">
-              <a:buNone/>
-            </a:pPr>
-            <a:r>
-              <a:rPr lang="en-US" sz="2400" b="1" dirty="0">
+        </p:grpSpPr>
+        <p:pic>
+          <p:nvPicPr>
+            <p:cNvPr id="7" name="Picture 6">
+              <a:extLst>
+                <a:ext uri="{FF2B5EF4-FFF2-40B4-BE49-F238E27FC236}">
+                  <a16:creationId xmlns:a16="http://schemas.microsoft.com/office/drawing/2014/main" id="{D6528088-FCD8-194F-92A3-13B90431FC75}"/>
+                </a:ext>
+              </a:extLst>
+            </p:cNvPr>
+            <p:cNvPicPr>
+              <a:picLocks noChangeAspect="1"/>
+            </p:cNvPicPr>
+            <p:nvPr/>
+          </p:nvPicPr>
+          <p:blipFill>
+            <a:blip r:embed="rId3"/>
+            <a:stretch>
+              <a:fillRect/>
+            </a:stretch>
+          </p:blipFill>
+          <p:spPr>
+            <a:xfrm>
+              <a:off x="2018145" y="1727200"/>
+              <a:ext cx="4775200" cy="3403600"/>
+            </a:xfrm>
+            <a:prstGeom prst="rect">
+              <a:avLst/>
+            </a:prstGeom>
+          </p:spPr>
+        </p:pic>
+        <p:sp>
+          <p:nvSpPr>
+            <p:cNvPr id="8" name="TextBox 7">
+              <a:extLst>
+                <a:ext uri="{FF2B5EF4-FFF2-40B4-BE49-F238E27FC236}">
+                  <a16:creationId xmlns:a16="http://schemas.microsoft.com/office/drawing/2014/main" id="{8542A980-924D-F44F-8718-EDC1E1EEC4D2}"/>
+                </a:ext>
+              </a:extLst>
+            </p:cNvPr>
+            <p:cNvSpPr txBox="1"/>
+            <p:nvPr/>
+          </p:nvSpPr>
+          <p:spPr>
+            <a:xfrm>
+              <a:off x="4572000" y="2315688"/>
+              <a:ext cx="954107" cy="400110"/>
+            </a:xfrm>
+            <a:prstGeom prst="rect">
+              <a:avLst/>
+            </a:prstGeom>
+            <a:noFill/>
+          </p:spPr>
+          <p:txBody>
+            <a:bodyPr wrap="none" rtlCol="0">
+              <a:spAutoFit/>
+            </a:bodyPr>
+            <a:lstStyle/>
+            <a:p>
+              <a:r>
+                <a:rPr lang="en-US" sz="2000" b="1" dirty="0">
+                  <a:solidFill>
+                    <a:srgbClr val="00B050"/>
+                  </a:solidFill>
+                  <a:latin typeface="Courier New" panose="02070309020205020404" pitchFamily="49" charset="0"/>
+                  <a:cs typeface="Courier New" panose="02070309020205020404" pitchFamily="49" charset="0"/>
+                </a:rPr>
+                <a:t>0xc21</a:t>
+              </a:r>
+              <a:endParaRPr lang="en-US" sz="2400" b="1" dirty="0">
                 <a:solidFill>
                   <a:srgbClr val="00B050"/>
                 </a:solidFill>
-              </a:rPr>
-              <a:t>Solved: 16/18 (88.8%)</a:t>
-            </a:r>
-            <a:br>
-              <a:rPr lang="en-US" sz="2400" b="1" dirty="0"/>
-            </a:br>
-            <a:r>
-              <a:rPr lang="en-US" sz="2400" b="1" dirty="0">
-                <a:solidFill>
-                  <a:srgbClr val="FFC000"/>
-                </a:solidFill>
-              </a:rPr>
-              <a:t>DNF: 2/18</a:t>
-            </a:r>
-            <a:endParaRPr lang="en-US" sz="2400" b="1" dirty="0">
-              <a:solidFill>
-                <a:srgbClr val="C00000"/>
-              </a:solidFill>
-            </a:endParaRPr>
-          </a:p>
-        </p:txBody>
-      </p:sp>
+                <a:latin typeface="Courier New" panose="02070309020205020404" pitchFamily="49" charset="0"/>
+                <a:cs typeface="Courier New" panose="02070309020205020404" pitchFamily="49" charset="0"/>
+              </a:endParaRPr>
+            </a:p>
+          </p:txBody>
+        </p:sp>
+        <p:sp>
+          <p:nvSpPr>
+            <p:cNvPr id="15" name="TextBox 14">
+              <a:extLst>
+                <a:ext uri="{FF2B5EF4-FFF2-40B4-BE49-F238E27FC236}">
+                  <a16:creationId xmlns:a16="http://schemas.microsoft.com/office/drawing/2014/main" id="{6637D084-FAAF-D74A-BF60-28723D673439}"/>
+                </a:ext>
+              </a:extLst>
+            </p:cNvPr>
+            <p:cNvSpPr txBox="1"/>
+            <p:nvPr/>
+          </p:nvSpPr>
+          <p:spPr>
+            <a:xfrm>
+              <a:off x="3479321" y="3667496"/>
+              <a:ext cx="954107" cy="400110"/>
+            </a:xfrm>
+            <a:prstGeom prst="rect">
+              <a:avLst/>
+            </a:prstGeom>
+            <a:noFill/>
+          </p:spPr>
+          <p:txBody>
+            <a:bodyPr wrap="none" rtlCol="0">
+              <a:spAutoFit/>
+            </a:bodyPr>
+            <a:lstStyle/>
+            <a:p>
+              <a:r>
+                <a:rPr lang="en-US" sz="2000" b="1" dirty="0">
+                  <a:solidFill>
+                    <a:srgbClr val="FF0000"/>
+                  </a:solidFill>
+                  <a:latin typeface="Courier New" panose="02070309020205020404" pitchFamily="49" charset="0"/>
+                  <a:cs typeface="Courier New" panose="02070309020205020404" pitchFamily="49" charset="0"/>
+                </a:rPr>
+                <a:t>0xc51</a:t>
+              </a:r>
+              <a:endParaRPr lang="en-US" sz="2400" b="1" dirty="0">
+                <a:solidFill>
+                  <a:srgbClr val="FF0000"/>
+                </a:solidFill>
+                <a:latin typeface="Courier New" panose="02070309020205020404" pitchFamily="49" charset="0"/>
+                <a:cs typeface="Courier New" panose="02070309020205020404" pitchFamily="49" charset="0"/>
+              </a:endParaRPr>
+            </a:p>
+          </p:txBody>
+        </p:sp>
+      </p:grpSp>
     </p:spTree>
     <p:extLst>
       <p:ext uri="{BB962C8B-B14F-4D97-AF65-F5344CB8AC3E}">
-        <p14:creationId xmlns:p14="http://schemas.microsoft.com/office/powerpoint/2010/main" val="3210377017"/>
+        <p14:creationId xmlns:p14="http://schemas.microsoft.com/office/powerpoint/2010/main" val="1269364697"/>
       </p:ext>
     </p:extLst>
   </p:cSld>
   <p:clrMapOvr>
     <a:masterClrMapping/>
   </p:clrMapOvr>
+  <p:timing>
+    <p:tnLst>
+      <p:par>
+        <p:cTn id="1" dur="indefinite" restart="never" nodeType="tmRoot">
+          <p:childTnLst>
+            <p:seq concurrent="1" nextAc="seek">
+              <p:cTn id="2" dur="indefinite" nodeType="mainSeq">
+                <p:childTnLst>
+                  <p:par>
+                    <p:cTn id="3" fill="hold">
+                      <p:stCondLst>
+                        <p:cond delay="indefinite"/>
+                      </p:stCondLst>
+                      <p:childTnLst>
+                        <p:par>
+                          <p:cTn id="4" fill="hold">
+                            <p:stCondLst>
+                              <p:cond delay="0"/>
+                            </p:stCondLst>
+                            <p:childTnLst>
+                              <p:par>
+                                <p:cTn id="5" presetID="1" presetClass="entr" presetSubtype="0" fill="hold" grpId="0" nodeType="clickEffect">
+                                  <p:stCondLst>
+                                    <p:cond delay="0"/>
+                                  </p:stCondLst>
+                                  <p:childTnLst>
+                                    <p:set>
+                                      <p:cBhvr>
+                                        <p:cTn id="6" dur="1" fill="hold">
+                                          <p:stCondLst>
+                                            <p:cond delay="0"/>
+                                          </p:stCondLst>
+                                        </p:cTn>
+                                        <p:tgtEl>
+                                          <p:spTgt spid="3">
+                                            <p:txEl>
+                                              <p:pRg st="0" end="0"/>
+                                            </p:txEl>
+                                          </p:spTgt>
+                                        </p:tgtEl>
+                                        <p:attrNameLst>
+                                          <p:attrName>style.visibility</p:attrName>
+                                        </p:attrNameLst>
+                                      </p:cBhvr>
+                                      <p:to>
+                                        <p:strVal val="visible"/>
+                                      </p:to>
+                                    </p:set>
+                                  </p:childTnLst>
+                                </p:cTn>
+                              </p:par>
+                            </p:childTnLst>
+                          </p:cTn>
+                        </p:par>
+                      </p:childTnLst>
+                    </p:cTn>
+                  </p:par>
+                  <p:par>
+                    <p:cTn id="7" fill="hold">
+                      <p:stCondLst>
+                        <p:cond delay="indefinite"/>
+                      </p:stCondLst>
+                      <p:childTnLst>
+                        <p:par>
+                          <p:cTn id="8" fill="hold">
+                            <p:stCondLst>
+                              <p:cond delay="0"/>
+                            </p:stCondLst>
+                            <p:childTnLst>
+                              <p:par>
+                                <p:cTn id="9" presetID="1" presetClass="entr" presetSubtype="0" fill="hold" grpId="0" nodeType="clickEffect">
+                                  <p:stCondLst>
+                                    <p:cond delay="0"/>
+                                  </p:stCondLst>
+                                  <p:childTnLst>
+                                    <p:set>
+                                      <p:cBhvr>
+                                        <p:cTn id="10" dur="1" fill="hold">
+                                          <p:stCondLst>
+                                            <p:cond delay="0"/>
+                                          </p:stCondLst>
+                                        </p:cTn>
+                                        <p:tgtEl>
+                                          <p:spTgt spid="3">
+                                            <p:txEl>
+                                              <p:pRg st="1" end="1"/>
+                                            </p:txEl>
+                                          </p:spTgt>
+                                        </p:tgtEl>
+                                        <p:attrNameLst>
+                                          <p:attrName>style.visibility</p:attrName>
+                                        </p:attrNameLst>
+                                      </p:cBhvr>
+                                      <p:to>
+                                        <p:strVal val="visible"/>
+                                      </p:to>
+                                    </p:set>
+                                  </p:childTnLst>
+                                </p:cTn>
+                              </p:par>
+                            </p:childTnLst>
+                          </p:cTn>
+                        </p:par>
+                      </p:childTnLst>
+                    </p:cTn>
+                  </p:par>
+                  <p:par>
+                    <p:cTn id="11" fill="hold">
+                      <p:stCondLst>
+                        <p:cond delay="indefinite"/>
+                      </p:stCondLst>
+                      <p:childTnLst>
+                        <p:par>
+                          <p:cTn id="12" fill="hold">
+                            <p:stCondLst>
+                              <p:cond delay="0"/>
+                            </p:stCondLst>
+                            <p:childTnLst>
+                              <p:par>
+                                <p:cTn id="13" presetID="1" presetClass="entr" presetSubtype="0" fill="hold" grpId="0" nodeType="clickEffect">
+                                  <p:stCondLst>
+                                    <p:cond delay="0"/>
+                                  </p:stCondLst>
+                                  <p:childTnLst>
+                                    <p:set>
+                                      <p:cBhvr>
+                                        <p:cTn id="14" dur="1" fill="hold">
+                                          <p:stCondLst>
+                                            <p:cond delay="0"/>
+                                          </p:stCondLst>
+                                        </p:cTn>
+                                        <p:tgtEl>
+                                          <p:spTgt spid="3">
+                                            <p:txEl>
+                                              <p:pRg st="2" end="2"/>
+                                            </p:txEl>
+                                          </p:spTgt>
+                                        </p:tgtEl>
+                                        <p:attrNameLst>
+                                          <p:attrName>style.visibility</p:attrName>
+                                        </p:attrNameLst>
+                                      </p:cBhvr>
+                                      <p:to>
+                                        <p:strVal val="visible"/>
+                                      </p:to>
+                                    </p:set>
+                                  </p:childTnLst>
+                                </p:cTn>
+                              </p:par>
+                            </p:childTnLst>
+                          </p:cTn>
+                        </p:par>
+                      </p:childTnLst>
+                    </p:cTn>
+                  </p:par>
+                  <p:par>
+                    <p:cTn id="15" fill="hold">
+                      <p:stCondLst>
+                        <p:cond delay="indefinite"/>
+                      </p:stCondLst>
+                      <p:childTnLst>
+                        <p:par>
+                          <p:cTn id="16" fill="hold">
+                            <p:stCondLst>
+                              <p:cond delay="0"/>
+                            </p:stCondLst>
+                            <p:childTnLst>
+                              <p:par>
+                                <p:cTn id="17" presetID="1" presetClass="entr" presetSubtype="0" fill="hold" grpId="0" nodeType="clickEffect">
+                                  <p:stCondLst>
+                                    <p:cond delay="0"/>
+                                  </p:stCondLst>
+                                  <p:childTnLst>
+                                    <p:set>
+                                      <p:cBhvr>
+                                        <p:cTn id="18" dur="1" fill="hold">
+                                          <p:stCondLst>
+                                            <p:cond delay="0"/>
+                                          </p:stCondLst>
+                                        </p:cTn>
+                                        <p:tgtEl>
+                                          <p:spTgt spid="3">
+                                            <p:txEl>
+                                              <p:pRg st="3" end="3"/>
+                                            </p:txEl>
+                                          </p:spTgt>
+                                        </p:tgtEl>
+                                        <p:attrNameLst>
+                                          <p:attrName>style.visibility</p:attrName>
+                                        </p:attrNameLst>
+                                      </p:cBhvr>
+                                      <p:to>
+                                        <p:strVal val="visible"/>
+                                      </p:to>
+                                    </p:set>
+                                  </p:childTnLst>
+                                </p:cTn>
+                              </p:par>
+                            </p:childTnLst>
+                          </p:cTn>
+                        </p:par>
+                      </p:childTnLst>
+                    </p:cTn>
+                  </p:par>
+                  <p:par>
+                    <p:cTn id="19" fill="hold">
+                      <p:stCondLst>
+                        <p:cond delay="indefinite"/>
+                      </p:stCondLst>
+                      <p:childTnLst>
+                        <p:par>
+                          <p:cTn id="20" fill="hold">
+                            <p:stCondLst>
+                              <p:cond delay="0"/>
+                            </p:stCondLst>
+                            <p:childTnLst>
+                              <p:par>
+                                <p:cTn id="21" presetID="1" presetClass="entr" presetSubtype="0" fill="hold" grpId="0" nodeType="clickEffect">
+                                  <p:stCondLst>
+                                    <p:cond delay="0"/>
+                                  </p:stCondLst>
+                                  <p:childTnLst>
+                                    <p:set>
+                                      <p:cBhvr>
+                                        <p:cTn id="22" dur="1" fill="hold">
+                                          <p:stCondLst>
+                                            <p:cond delay="0"/>
+                                          </p:stCondLst>
+                                        </p:cTn>
+                                        <p:tgtEl>
+                                          <p:spTgt spid="3">
+                                            <p:txEl>
+                                              <p:pRg st="4" end="4"/>
+                                            </p:txEl>
+                                          </p:spTgt>
+                                        </p:tgtEl>
+                                        <p:attrNameLst>
+                                          <p:attrName>style.visibility</p:attrName>
+                                        </p:attrNameLst>
+                                      </p:cBhvr>
+                                      <p:to>
+                                        <p:strVal val="visible"/>
+                                      </p:to>
+                                    </p:set>
+                                  </p:childTnLst>
+                                </p:cTn>
+                              </p:par>
+                            </p:childTnLst>
+                          </p:cTn>
+                        </p:par>
+                      </p:childTnLst>
+                    </p:cTn>
+                  </p:par>
+                  <p:par>
+                    <p:cTn id="23" fill="hold">
+                      <p:stCondLst>
+                        <p:cond delay="indefinite"/>
+                      </p:stCondLst>
+                      <p:childTnLst>
+                        <p:par>
+                          <p:cTn id="24" fill="hold">
+                            <p:stCondLst>
+                              <p:cond delay="0"/>
+                            </p:stCondLst>
+                            <p:childTnLst>
+                              <p:par>
+                                <p:cTn id="25" presetID="1" presetClass="entr" presetSubtype="0" fill="hold" nodeType="clickEffect">
+                                  <p:stCondLst>
+                                    <p:cond delay="0"/>
+                                  </p:stCondLst>
+                                  <p:childTnLst>
+                                    <p:set>
+                                      <p:cBhvr>
+                                        <p:cTn id="26" dur="1" fill="hold">
+                                          <p:stCondLst>
+                                            <p:cond delay="0"/>
+                                          </p:stCondLst>
+                                        </p:cTn>
+                                        <p:tgtEl>
+                                          <p:spTgt spid="9"/>
+                                        </p:tgtEl>
+                                        <p:attrNameLst>
+                                          <p:attrName>style.visibility</p:attrName>
+                                        </p:attrNameLst>
+                                      </p:cBhvr>
+                                      <p:to>
+                                        <p:strVal val="visible"/>
+                                      </p:to>
+                                    </p:set>
+                                  </p:childTnLst>
+                                </p:cTn>
+                              </p:par>
+                            </p:childTnLst>
+                          </p:cTn>
+                        </p:par>
+                      </p:childTnLst>
+                    </p:cTn>
+                  </p:par>
+                  <p:par>
+                    <p:cTn id="27" fill="hold">
+                      <p:stCondLst>
+                        <p:cond delay="indefinite"/>
+                      </p:stCondLst>
+                      <p:childTnLst>
+                        <p:par>
+                          <p:cTn id="28" fill="hold">
+                            <p:stCondLst>
+                              <p:cond delay="0"/>
+                            </p:stCondLst>
+                            <p:childTnLst>
+                              <p:par>
+                                <p:cTn id="29" presetID="1" presetClass="exit" presetSubtype="0" fill="hold" nodeType="clickEffect">
+                                  <p:stCondLst>
+                                    <p:cond delay="0"/>
+                                  </p:stCondLst>
+                                  <p:childTnLst>
+                                    <p:set>
+                                      <p:cBhvr>
+                                        <p:cTn id="30" dur="1" fill="hold">
+                                          <p:stCondLst>
+                                            <p:cond delay="0"/>
+                                          </p:stCondLst>
+                                        </p:cTn>
+                                        <p:tgtEl>
+                                          <p:spTgt spid="9"/>
+                                        </p:tgtEl>
+                                        <p:attrNameLst>
+                                          <p:attrName>style.visibility</p:attrName>
+                                        </p:attrNameLst>
+                                      </p:cBhvr>
+                                      <p:to>
+                                        <p:strVal val="hidden"/>
+                                      </p:to>
+                                    </p:set>
+                                  </p:childTnLst>
+                                </p:cTn>
+                              </p:par>
+                              <p:par>
+                                <p:cTn id="31" presetID="1" presetClass="entr" presetSubtype="0" fill="hold" grpId="0" nodeType="withEffect">
+                                  <p:stCondLst>
+                                    <p:cond delay="0"/>
+                                  </p:stCondLst>
+                                  <p:childTnLst>
+                                    <p:set>
+                                      <p:cBhvr>
+                                        <p:cTn id="32" dur="1" fill="hold">
+                                          <p:stCondLst>
+                                            <p:cond delay="0"/>
+                                          </p:stCondLst>
+                                        </p:cTn>
+                                        <p:tgtEl>
+                                          <p:spTgt spid="3">
+                                            <p:txEl>
+                                              <p:pRg st="5" end="5"/>
+                                            </p:txEl>
+                                          </p:spTgt>
+                                        </p:tgtEl>
+                                        <p:attrNameLst>
+                                          <p:attrName>style.visibility</p:attrName>
+                                        </p:attrNameLst>
+                                      </p:cBhvr>
+                                      <p:to>
+                                        <p:strVal val="visible"/>
+                                      </p:to>
+                                    </p:set>
+                                  </p:childTnLst>
+                                </p:cTn>
+                              </p:par>
+                            </p:childTnLst>
+                          </p:cTn>
+                        </p:par>
+                      </p:childTnLst>
+                    </p:cTn>
+                  </p:par>
+                  <p:par>
+                    <p:cTn id="33" fill="hold">
+                      <p:stCondLst>
+                        <p:cond delay="indefinite"/>
+                      </p:stCondLst>
+                      <p:childTnLst>
+                        <p:par>
+                          <p:cTn id="34" fill="hold">
+                            <p:stCondLst>
+                              <p:cond delay="0"/>
+                            </p:stCondLst>
+                            <p:childTnLst>
+                              <p:par>
+                                <p:cTn id="35" presetID="1" presetClass="entr" presetSubtype="0" fill="hold" grpId="0" nodeType="clickEffect">
+                                  <p:stCondLst>
+                                    <p:cond delay="0"/>
+                                  </p:stCondLst>
+                                  <p:childTnLst>
+                                    <p:set>
+                                      <p:cBhvr>
+                                        <p:cTn id="36" dur="1" fill="hold">
+                                          <p:stCondLst>
+                                            <p:cond delay="0"/>
+                                          </p:stCondLst>
+                                        </p:cTn>
+                                        <p:tgtEl>
+                                          <p:spTgt spid="3">
+                                            <p:txEl>
+                                              <p:pRg st="7" end="7"/>
+                                            </p:txEl>
+                                          </p:spTgt>
+                                        </p:tgtEl>
+                                        <p:attrNameLst>
+                                          <p:attrName>style.visibility</p:attrName>
+                                        </p:attrNameLst>
+                                      </p:cBhvr>
+                                      <p:to>
+                                        <p:strVal val="visible"/>
+                                      </p:to>
+                                    </p:set>
+                                  </p:childTnLst>
+                                </p:cTn>
+                              </p:par>
+                            </p:childTnLst>
+                          </p:cTn>
+                        </p:par>
+                      </p:childTnLst>
+                    </p:cTn>
+                  </p:par>
+                </p:childTnLst>
+              </p:cTn>
+              <p:prevCondLst>
+                <p:cond evt="onPrev" delay="0">
+                  <p:tgtEl>
+                    <p:sldTgt/>
+                  </p:tgtEl>
+                </p:cond>
+              </p:prevCondLst>
+              <p:nextCondLst>
+                <p:cond evt="onNext" delay="0">
+                  <p:tgtEl>
+                    <p:sldTgt/>
+                  </p:tgtEl>
+                </p:cond>
+              </p:nextCondLst>
+            </p:seq>
+          </p:childTnLst>
+        </p:cTn>
+      </p:par>
+    </p:tnLst>
+    <p:bldLst>
+      <p:bldP spid="3" grpId="0" uiExpand="1" build="p"/>
+    </p:bldLst>
+  </p:timing>
 </p:sld>
 </file>
 
@@ -8481,7 +10038,7 @@
           <p:cNvPr id="2" name="Title 1">
             <a:extLst>
               <a:ext uri="{FF2B5EF4-FFF2-40B4-BE49-F238E27FC236}">
-                <a16:creationId xmlns:a16="http://schemas.microsoft.com/office/drawing/2014/main" id="{05B0DF41-78A2-2546-99F5-CDAA35294B83}"/>
+                <a16:creationId xmlns:a16="http://schemas.microsoft.com/office/drawing/2014/main" id="{96BE9D2A-6E3C-E04C-ABDA-93142618B5EB}"/>
               </a:ext>
             </a:extLst>
           </p:cNvPr>
@@ -8498,408 +10055,9 @@
           <a:lstStyle/>
           <a:p>
             <a:r>
-              <a:rPr lang="en-US" dirty="0"/>
-              <a:t>How many challenges can we </a:t>
-            </a:r>
-            <a:r>
               <a:rPr lang="en-US" dirty="0" err="1"/>
-              <a:t>AutoSolve</a:t>
-            </a:r>
-            <a:r>
-              <a:rPr lang="en-US" dirty="0"/>
-              <a:t>™️ ?</a:t>
-            </a:r>
-          </a:p>
-        </p:txBody>
-      </p:sp>
-      <p:sp>
-        <p:nvSpPr>
-          <p:cNvPr id="3" name="Content Placeholder 2">
-            <a:extLst>
-              <a:ext uri="{FF2B5EF4-FFF2-40B4-BE49-F238E27FC236}">
-                <a16:creationId xmlns:a16="http://schemas.microsoft.com/office/drawing/2014/main" id="{E2CC94B1-F4CA-B94A-BE42-14A9C861BF52}"/>
-              </a:ext>
-            </a:extLst>
-          </p:cNvPr>
-          <p:cNvSpPr>
-            <a:spLocks noGrp="1"/>
-          </p:cNvSpPr>
-          <p:nvPr>
-            <p:ph sz="half" idx="1"/>
-          </p:nvPr>
-        </p:nvSpPr>
-        <p:spPr>
-          <a:xfrm>
-            <a:off x="505360" y="993418"/>
-            <a:ext cx="3886200" cy="4351338"/>
-          </a:xfrm>
-        </p:spPr>
-        <p:txBody>
-          <a:bodyPr>
-            <a:normAutofit fontScale="92500" lnSpcReduction="10000"/>
-          </a:bodyPr>
-          <a:lstStyle/>
-          <a:p>
-            <a:r>
-              <a:rPr lang="en-US" sz="2000" u="sng" dirty="0"/>
-              <a:t>Set A</a:t>
-            </a:r>
-          </a:p>
-          <a:p>
-            <a:pPr lvl="1"/>
-            <a:r>
-              <a:rPr lang="en-US" b="1" dirty="0">
-                <a:solidFill>
-                  <a:srgbClr val="00B050"/>
-                </a:solidFill>
-              </a:rPr>
-              <a:t>Lounge ✓</a:t>
-            </a:r>
-          </a:p>
-          <a:p>
-            <a:pPr lvl="1"/>
-            <a:r>
-              <a:rPr lang="en-US" b="1" dirty="0"/>
-              <a:t>Closet</a:t>
-            </a:r>
-            <a:r>
-              <a:rPr lang="en-US" b="1" dirty="0">
-                <a:solidFill>
-                  <a:srgbClr val="C00000"/>
-                </a:solidFill>
-              </a:rPr>
-              <a:t> </a:t>
-            </a:r>
-            <a:r>
-              <a:rPr lang="en-US" b="1" i="1" dirty="0">
-                <a:solidFill>
-                  <a:srgbClr val="C00000"/>
-                </a:solidFill>
-              </a:rPr>
-              <a:t>X</a:t>
-            </a:r>
-            <a:r>
-              <a:rPr lang="en-US" b="1" dirty="0">
-                <a:solidFill>
-                  <a:srgbClr val="C00000"/>
-                </a:solidFill>
-              </a:rPr>
-              <a:t> (symbolic load)</a:t>
-            </a:r>
-          </a:p>
-          <a:p>
-            <a:pPr lvl="1"/>
-            <a:r>
-              <a:rPr lang="en-US" b="1" dirty="0">
-                <a:solidFill>
-                  <a:srgbClr val="00B050"/>
-                </a:solidFill>
-              </a:rPr>
-              <a:t>Café ✓</a:t>
-            </a:r>
-          </a:p>
-          <a:p>
-            <a:pPr lvl="1"/>
-            <a:r>
-              <a:rPr lang="en-US" b="1" dirty="0">
-                <a:solidFill>
-                  <a:srgbClr val="00B050"/>
-                </a:solidFill>
-              </a:rPr>
-              <a:t>Stairs ✓</a:t>
-            </a:r>
-          </a:p>
-          <a:p>
-            <a:r>
-              <a:rPr lang="en-US" sz="2000" u="sng" dirty="0"/>
-              <a:t>Set B</a:t>
-            </a:r>
-          </a:p>
-          <a:p>
-            <a:pPr lvl="1"/>
-            <a:r>
-              <a:rPr lang="en-US" b="1" dirty="0"/>
-              <a:t>Mobile</a:t>
-            </a:r>
-            <a:r>
-              <a:rPr lang="en-US" b="1" dirty="0">
-                <a:solidFill>
-                  <a:srgbClr val="C00000"/>
-                </a:solidFill>
-              </a:rPr>
-              <a:t> X (state space)</a:t>
-            </a:r>
-          </a:p>
-          <a:p>
-            <a:pPr lvl="1"/>
-            <a:r>
-              <a:rPr lang="en-US" b="1" dirty="0"/>
-              <a:t>Dance</a:t>
-            </a:r>
-            <a:r>
-              <a:rPr lang="en-US" b="1" dirty="0">
-                <a:solidFill>
-                  <a:srgbClr val="FFC000"/>
-                </a:solidFill>
-              </a:rPr>
-              <a:t> X (hash function)</a:t>
-            </a:r>
-          </a:p>
-          <a:p>
-            <a:pPr lvl="1"/>
-            <a:r>
-              <a:rPr lang="en-US" b="1" dirty="0"/>
-              <a:t>Code</a:t>
-            </a:r>
-            <a:r>
-              <a:rPr lang="en-US" b="1" dirty="0">
-                <a:solidFill>
-                  <a:srgbClr val="FFC000"/>
-                </a:solidFill>
-              </a:rPr>
-              <a:t> X (hash function)</a:t>
-            </a:r>
-          </a:p>
-          <a:p>
-            <a:pPr lvl="1"/>
-            <a:r>
-              <a:rPr lang="en-US" b="1" dirty="0"/>
-              <a:t>Blue</a:t>
-            </a:r>
-            <a:r>
-              <a:rPr lang="en-US" b="1" dirty="0">
-                <a:solidFill>
-                  <a:srgbClr val="FFC000"/>
-                </a:solidFill>
-              </a:rPr>
-              <a:t> X (hash function)</a:t>
-            </a:r>
-          </a:p>
-          <a:p>
-            <a:r>
-              <a:rPr lang="en-US" sz="2000" u="sng" dirty="0"/>
-              <a:t>Set C</a:t>
-            </a:r>
-          </a:p>
-          <a:p>
-            <a:pPr lvl="1"/>
-            <a:r>
-              <a:rPr lang="en-US" b="1" dirty="0"/>
-              <a:t>Uno</a:t>
-            </a:r>
-            <a:r>
-              <a:rPr lang="en-US" b="1" dirty="0">
-                <a:solidFill>
-                  <a:srgbClr val="C00000"/>
-                </a:solidFill>
-              </a:rPr>
-              <a:t> X (state space)</a:t>
-            </a:r>
-          </a:p>
-          <a:p>
-            <a:pPr lvl="1"/>
-            <a:r>
-              <a:rPr lang="en-US" b="1" dirty="0"/>
-              <a:t>Game</a:t>
-            </a:r>
-            <a:r>
-              <a:rPr lang="en-US" b="1" dirty="0">
-                <a:solidFill>
-                  <a:srgbClr val="C00000"/>
-                </a:solidFill>
-              </a:rPr>
-              <a:t> X (state space)</a:t>
-            </a:r>
-          </a:p>
-          <a:p>
-            <a:pPr lvl="1"/>
-            <a:r>
-              <a:rPr lang="en-US" b="1" dirty="0">
-                <a:solidFill>
-                  <a:srgbClr val="00B050"/>
-                </a:solidFill>
-              </a:rPr>
-              <a:t>Break ✓</a:t>
-            </a:r>
-          </a:p>
-          <a:p>
-            <a:pPr lvl="1"/>
-            <a:r>
-              <a:rPr lang="en-US" b="1" dirty="0">
-                <a:solidFill>
-                  <a:srgbClr val="00B050"/>
-                </a:solidFill>
-              </a:rPr>
-              <a:t>Recess ✓</a:t>
-            </a:r>
-          </a:p>
-          <a:p>
-            <a:endParaRPr lang="en-US" sz="2000" dirty="0"/>
-          </a:p>
-        </p:txBody>
-      </p:sp>
-      <p:sp>
-        <p:nvSpPr>
-          <p:cNvPr id="4" name="Content Placeholder 3">
-            <a:extLst>
-              <a:ext uri="{FF2B5EF4-FFF2-40B4-BE49-F238E27FC236}">
-                <a16:creationId xmlns:a16="http://schemas.microsoft.com/office/drawing/2014/main" id="{49E30B1A-CCAF-0545-A5F2-78B6CB14E638}"/>
-              </a:ext>
-            </a:extLst>
-          </p:cNvPr>
-          <p:cNvSpPr>
-            <a:spLocks noGrp="1"/>
-          </p:cNvSpPr>
-          <p:nvPr>
-            <p:ph sz="half" idx="2"/>
-          </p:nvPr>
-        </p:nvSpPr>
-        <p:spPr>
-          <a:xfrm>
-            <a:off x="4752440" y="993418"/>
-            <a:ext cx="3886200" cy="2776945"/>
-          </a:xfrm>
-        </p:spPr>
-        <p:txBody>
-          <a:bodyPr>
-            <a:normAutofit fontScale="92500" lnSpcReduction="10000"/>
-          </a:bodyPr>
-          <a:lstStyle/>
-          <a:p>
-            <a:r>
-              <a:rPr lang="en-US" sz="2000" u="sng" dirty="0"/>
-              <a:t>Set D</a:t>
-            </a:r>
-          </a:p>
-          <a:p>
-            <a:pPr lvl="1"/>
-            <a:r>
-              <a:rPr lang="en-US" b="1" dirty="0">
-                <a:solidFill>
-                  <a:srgbClr val="00B050"/>
-                </a:solidFill>
-              </a:rPr>
-              <a:t>Bounce</a:t>
-            </a:r>
-            <a:r>
-              <a:rPr lang="en-US" b="1" dirty="0">
-                <a:solidFill>
-                  <a:srgbClr val="FFC000"/>
-                </a:solidFill>
-              </a:rPr>
-              <a:t> </a:t>
-            </a:r>
-            <a:r>
-              <a:rPr lang="en-US" b="1" dirty="0">
-                <a:solidFill>
-                  <a:srgbClr val="00B050"/>
-                </a:solidFill>
-              </a:rPr>
-              <a:t>✓</a:t>
-            </a:r>
-            <a:endParaRPr lang="en-US" b="1" dirty="0">
-              <a:solidFill>
-                <a:srgbClr val="FFC000"/>
-              </a:solidFill>
-            </a:endParaRPr>
-          </a:p>
-          <a:p>
-            <a:r>
-              <a:rPr lang="en-US" sz="2000" u="sng" dirty="0"/>
-              <a:t>Set E</a:t>
-            </a:r>
-          </a:p>
-          <a:p>
-            <a:pPr lvl="1"/>
-            <a:r>
-              <a:rPr lang="en-US" b="1" dirty="0"/>
-              <a:t>Steel</a:t>
-            </a:r>
-            <a:r>
-              <a:rPr lang="en-US" b="1" dirty="0">
-                <a:solidFill>
-                  <a:srgbClr val="FFC000"/>
-                </a:solidFill>
-              </a:rPr>
-              <a:t> X (hash function)</a:t>
-            </a:r>
-          </a:p>
-          <a:p>
-            <a:pPr lvl="1"/>
-            <a:r>
-              <a:rPr lang="en-US" b="1" dirty="0" err="1"/>
-              <a:t>Caeser</a:t>
-            </a:r>
-            <a:r>
-              <a:rPr lang="en-US" b="1" dirty="0">
-                <a:solidFill>
-                  <a:srgbClr val="C00000"/>
-                </a:solidFill>
-              </a:rPr>
-              <a:t> X (error)</a:t>
-            </a:r>
-          </a:p>
-          <a:p>
-            <a:pPr lvl="1"/>
-            <a:r>
-              <a:rPr lang="en-US" b="1" dirty="0">
-                <a:solidFill>
-                  <a:srgbClr val="00B050"/>
-                </a:solidFill>
-              </a:rPr>
-              <a:t>Spiral ✓</a:t>
-            </a:r>
-          </a:p>
-          <a:p>
-            <a:pPr lvl="1"/>
-            <a:r>
-              <a:rPr lang="en-US" b="1" dirty="0"/>
-              <a:t>Tower</a:t>
-            </a:r>
-            <a:r>
-              <a:rPr lang="en-US" b="1" dirty="0">
-                <a:solidFill>
-                  <a:srgbClr val="FFC000"/>
-                </a:solidFill>
-              </a:rPr>
-              <a:t> X (static analysis, hash </a:t>
-            </a:r>
-            <a:r>
-              <a:rPr lang="en-US" b="1" dirty="0" err="1">
-                <a:solidFill>
-                  <a:srgbClr val="FFC000"/>
-                </a:solidFill>
-              </a:rPr>
-              <a:t>func</a:t>
-            </a:r>
-            <a:r>
-              <a:rPr lang="en-US" b="1" dirty="0">
-                <a:solidFill>
-                  <a:srgbClr val="FFC000"/>
-                </a:solidFill>
-              </a:rPr>
-              <a:t>.)</a:t>
-            </a:r>
-          </a:p>
-          <a:p>
-            <a:r>
-              <a:rPr lang="en-US" sz="2000" u="sng" dirty="0"/>
-              <a:t>Set F</a:t>
-            </a:r>
-          </a:p>
-          <a:p>
-            <a:pPr lvl="1"/>
-            <a:r>
-              <a:rPr lang="en-US" b="1" dirty="0">
-                <a:solidFill>
-                  <a:srgbClr val="00B050"/>
-                </a:solidFill>
-              </a:rPr>
-              <a:t>Spire ✓</a:t>
-            </a:r>
-          </a:p>
-          <a:p>
-            <a:pPr lvl="1"/>
+              <a:t>print_card_offsets</a:t>
+            </a:r>
             <a:endParaRPr lang="en-US" dirty="0"/>
           </a:p>
         </p:txBody>
@@ -8909,7 +10067,7 @@
           <p:cNvPr id="5" name="Footer Placeholder 4">
             <a:extLst>
               <a:ext uri="{FF2B5EF4-FFF2-40B4-BE49-F238E27FC236}">
-                <a16:creationId xmlns:a16="http://schemas.microsoft.com/office/drawing/2014/main" id="{38091212-0209-0344-975D-1F2218F04938}"/>
+                <a16:creationId xmlns:a16="http://schemas.microsoft.com/office/drawing/2014/main" id="{0C7C439C-8067-FE4E-A8CF-CEFE9A267739}"/>
               </a:ext>
             </a:extLst>
           </p:cNvPr>
@@ -8938,7 +10096,7 @@
           <p:cNvPr id="6" name="Slide Number Placeholder 5">
             <a:extLst>
               <a:ext uri="{FF2B5EF4-FFF2-40B4-BE49-F238E27FC236}">
-                <a16:creationId xmlns:a16="http://schemas.microsoft.com/office/drawing/2014/main" id="{AEE4C2AD-7AF9-2E46-A810-ADC4D82634DA}"/>
+                <a16:creationId xmlns:a16="http://schemas.microsoft.com/office/drawing/2014/main" id="{0EC46376-F68E-DF47-8E61-7BF0024A1889}"/>
               </a:ext>
             </a:extLst>
           </p:cNvPr>
@@ -8964,260 +10122,930 @@
       </p:sp>
       <p:sp>
         <p:nvSpPr>
-          <p:cNvPr id="7" name="Content Placeholder 3">
-            <a:extLst>
-              <a:ext uri="{FF2B5EF4-FFF2-40B4-BE49-F238E27FC236}">
-                <a16:creationId xmlns:a16="http://schemas.microsoft.com/office/drawing/2014/main" id="{91EE54F0-A171-A948-9E04-62C0787F9092}"/>
-              </a:ext>
-            </a:extLst>
-          </p:cNvPr>
-          <p:cNvSpPr txBox="1">
-            <a:spLocks/>
-          </p:cNvSpPr>
-          <p:nvPr/>
+          <p:cNvPr id="7" name="Content Placeholder 2">
+            <a:extLst>
+              <a:ext uri="{FF2B5EF4-FFF2-40B4-BE49-F238E27FC236}">
+                <a16:creationId xmlns:a16="http://schemas.microsoft.com/office/drawing/2014/main" id="{6E70D953-9BFC-2C4A-8A6F-65872CB317FC}"/>
+              </a:ext>
+            </a:extLst>
+          </p:cNvPr>
+          <p:cNvSpPr>
+            <a:spLocks noGrp="1"/>
+          </p:cNvSpPr>
+          <p:nvPr>
+            <p:ph sz="half" idx="1"/>
+          </p:nvPr>
         </p:nvSpPr>
         <p:spPr>
           <a:xfrm>
-            <a:off x="4572000" y="4052917"/>
-            <a:ext cx="3886200" cy="3148785"/>
+            <a:off x="259879" y="780915"/>
+            <a:ext cx="8532808" cy="5631760"/>
           </a:xfrm>
-          <a:prstGeom prst="rect">
-            <a:avLst/>
-          </a:prstGeom>
         </p:spPr>
         <p:txBody>
-          <a:bodyPr vert="horz" lIns="91440" tIns="45720" rIns="91440" bIns="45720" rtlCol="0">
+          <a:bodyPr>
             <a:normAutofit/>
           </a:bodyPr>
-          <a:lstStyle>
-            <a:lvl1pPr marL="171450" indent="-171450" algn="l" defTabSz="685800" rtl="0" eaLnBrk="1" latinLnBrk="0" hangingPunct="1">
-              <a:lnSpc>
-                <a:spcPct val="90000"/>
-              </a:lnSpc>
-              <a:spcBef>
-                <a:spcPts val="750"/>
-              </a:spcBef>
-              <a:buFont typeface="Arial" panose="020B0604020202020204" pitchFamily="34" charset="0"/>
-              <a:buChar char="•"/>
-              <a:defRPr sz="2100" kern="1200">
-                <a:solidFill>
-                  <a:schemeClr val="tx1"/>
-                </a:solidFill>
-                <a:latin typeface="+mj-lt"/>
-                <a:ea typeface="+mn-ea"/>
-                <a:cs typeface="+mn-cs"/>
-              </a:defRPr>
-            </a:lvl1pPr>
-            <a:lvl2pPr marL="514350" indent="-171450" algn="l" defTabSz="685800" rtl="0" eaLnBrk="1" latinLnBrk="0" hangingPunct="1">
-              <a:lnSpc>
-                <a:spcPct val="90000"/>
-              </a:lnSpc>
-              <a:spcBef>
-                <a:spcPts val="375"/>
-              </a:spcBef>
-              <a:buFont typeface="Arial" panose="020B0604020202020204" pitchFamily="34" charset="0"/>
-              <a:buChar char="•"/>
-              <a:defRPr sz="1800" kern="1200">
-                <a:solidFill>
-                  <a:schemeClr val="tx1"/>
-                </a:solidFill>
-                <a:latin typeface="+mj-lt"/>
-                <a:ea typeface="+mn-ea"/>
-                <a:cs typeface="+mn-cs"/>
-              </a:defRPr>
-            </a:lvl2pPr>
-            <a:lvl3pPr marL="857250" indent="-171450" algn="l" defTabSz="685800" rtl="0" eaLnBrk="1" latinLnBrk="0" hangingPunct="1">
-              <a:lnSpc>
-                <a:spcPct val="90000"/>
-              </a:lnSpc>
-              <a:spcBef>
-                <a:spcPts val="375"/>
-              </a:spcBef>
-              <a:buFont typeface="Arial" panose="020B0604020202020204" pitchFamily="34" charset="0"/>
-              <a:buChar char="•"/>
-              <a:defRPr sz="1500" kern="1200">
-                <a:solidFill>
-                  <a:schemeClr val="tx1"/>
-                </a:solidFill>
-                <a:latin typeface="+mj-lt"/>
-                <a:ea typeface="+mn-ea"/>
-                <a:cs typeface="+mn-cs"/>
-              </a:defRPr>
-            </a:lvl3pPr>
-            <a:lvl4pPr marL="1200150" indent="-171450" algn="l" defTabSz="685800" rtl="0" eaLnBrk="1" latinLnBrk="0" hangingPunct="1">
-              <a:lnSpc>
-                <a:spcPct val="90000"/>
-              </a:lnSpc>
-              <a:spcBef>
-                <a:spcPts val="375"/>
-              </a:spcBef>
-              <a:buFont typeface="Arial" panose="020B0604020202020204" pitchFamily="34" charset="0"/>
-              <a:buChar char="•"/>
-              <a:defRPr sz="1350" kern="1200">
-                <a:solidFill>
-                  <a:schemeClr val="tx1"/>
-                </a:solidFill>
-                <a:latin typeface="+mj-lt"/>
-                <a:ea typeface="+mn-ea"/>
-                <a:cs typeface="+mn-cs"/>
-              </a:defRPr>
-            </a:lvl4pPr>
-            <a:lvl5pPr marL="1543050" indent="-171450" algn="l" defTabSz="685800" rtl="0" eaLnBrk="1" latinLnBrk="0" hangingPunct="1">
-              <a:lnSpc>
-                <a:spcPct val="90000"/>
-              </a:lnSpc>
-              <a:spcBef>
-                <a:spcPts val="375"/>
-              </a:spcBef>
-              <a:buFont typeface="Arial" panose="020B0604020202020204" pitchFamily="34" charset="0"/>
-              <a:buChar char="•"/>
-              <a:defRPr sz="1350" kern="1200">
-                <a:solidFill>
-                  <a:schemeClr val="tx1"/>
-                </a:solidFill>
-                <a:latin typeface="+mj-lt"/>
-                <a:ea typeface="+mn-ea"/>
-                <a:cs typeface="+mn-cs"/>
-              </a:defRPr>
-            </a:lvl5pPr>
-            <a:lvl6pPr marL="1885950" indent="-171450" algn="l" defTabSz="685800" rtl="0" eaLnBrk="1" latinLnBrk="0" hangingPunct="1">
-              <a:lnSpc>
-                <a:spcPct val="90000"/>
-              </a:lnSpc>
-              <a:spcBef>
-                <a:spcPts val="375"/>
-              </a:spcBef>
-              <a:buFont typeface="Arial" panose="020B0604020202020204" pitchFamily="34" charset="0"/>
-              <a:buChar char="•"/>
-              <a:defRPr sz="1350" kern="1200">
-                <a:solidFill>
-                  <a:schemeClr val="tx1"/>
-                </a:solidFill>
-                <a:latin typeface="+mn-lt"/>
-                <a:ea typeface="+mn-ea"/>
-                <a:cs typeface="+mn-cs"/>
-              </a:defRPr>
-            </a:lvl6pPr>
-            <a:lvl7pPr marL="2228850" indent="-171450" algn="l" defTabSz="685800" rtl="0" eaLnBrk="1" latinLnBrk="0" hangingPunct="1">
-              <a:lnSpc>
-                <a:spcPct val="90000"/>
-              </a:lnSpc>
-              <a:spcBef>
-                <a:spcPts val="375"/>
-              </a:spcBef>
-              <a:buFont typeface="Arial" panose="020B0604020202020204" pitchFamily="34" charset="0"/>
-              <a:buChar char="•"/>
-              <a:defRPr sz="1350" kern="1200">
-                <a:solidFill>
-                  <a:schemeClr val="tx1"/>
-                </a:solidFill>
-                <a:latin typeface="+mn-lt"/>
-                <a:ea typeface="+mn-ea"/>
-                <a:cs typeface="+mn-cs"/>
-              </a:defRPr>
-            </a:lvl7pPr>
-            <a:lvl8pPr marL="2571750" indent="-171450" algn="l" defTabSz="685800" rtl="0" eaLnBrk="1" latinLnBrk="0" hangingPunct="1">
-              <a:lnSpc>
-                <a:spcPct val="90000"/>
-              </a:lnSpc>
-              <a:spcBef>
-                <a:spcPts val="375"/>
-              </a:spcBef>
-              <a:buFont typeface="Arial" panose="020B0604020202020204" pitchFamily="34" charset="0"/>
-              <a:buChar char="•"/>
-              <a:defRPr sz="1350" kern="1200">
-                <a:solidFill>
-                  <a:schemeClr val="tx1"/>
-                </a:solidFill>
-                <a:latin typeface="+mn-lt"/>
-                <a:ea typeface="+mn-ea"/>
-                <a:cs typeface="+mn-cs"/>
-              </a:defRPr>
-            </a:lvl8pPr>
-            <a:lvl9pPr marL="2914650" indent="-171450" algn="l" defTabSz="685800" rtl="0" eaLnBrk="1" latinLnBrk="0" hangingPunct="1">
-              <a:lnSpc>
-                <a:spcPct val="90000"/>
-              </a:lnSpc>
-              <a:spcBef>
-                <a:spcPts val="375"/>
-              </a:spcBef>
-              <a:buFont typeface="Arial" panose="020B0604020202020204" pitchFamily="34" charset="0"/>
-              <a:buChar char="•"/>
-              <a:defRPr sz="1350" kern="1200">
-                <a:solidFill>
-                  <a:schemeClr val="tx1"/>
-                </a:solidFill>
-                <a:latin typeface="+mn-lt"/>
-                <a:ea typeface="+mn-ea"/>
-                <a:cs typeface="+mn-cs"/>
-              </a:defRPr>
-            </a:lvl9pPr>
-          </a:lstStyle>
-          <a:p>
-            <a:pPr marL="342900" lvl="1" indent="0">
+          <a:lstStyle/>
+          <a:p>
+            <a:pPr marL="0" indent="0">
               <a:buNone/>
             </a:pPr>
             <a:r>
-              <a:rPr lang="en-US" sz="2400" b="1" dirty="0" err="1">
-                <a:solidFill>
-                  <a:srgbClr val="00B050"/>
-                </a:solidFill>
-              </a:rPr>
-              <a:t>AutoSolve</a:t>
-            </a:r>
-            <a:r>
-              <a:rPr lang="en-US" sz="2400" dirty="0">
-                <a:solidFill>
-                  <a:srgbClr val="00B050"/>
-                </a:solidFill>
-              </a:rPr>
-              <a:t>™️</a:t>
-            </a:r>
-            <a:r>
-              <a:rPr lang="en-US" sz="2400" b="1" dirty="0">
-                <a:solidFill>
-                  <a:srgbClr val="00B050"/>
-                </a:solidFill>
-              </a:rPr>
-              <a:t>: 8/18 (44%)</a:t>
+              <a:rPr lang="en-US" altLang="en-US" sz="1800" dirty="0">
+                <a:latin typeface="Courier New" panose="02070309020205020404" pitchFamily="49" charset="0"/>
+                <a:cs typeface="Courier New" panose="02070309020205020404" pitchFamily="49" charset="0"/>
+              </a:rPr>
+              <a:t>WHITE_CARD_START_ADDR = 0x7fff0000-0xf</a:t>
+            </a:r>
+          </a:p>
+          <a:p>
+            <a:pPr marL="0" indent="0">
+              <a:buNone/>
+            </a:pPr>
+            <a:r>
+              <a:rPr lang="en-US" altLang="en-US" sz="1800" dirty="0">
+                <a:latin typeface="Courier New" panose="02070309020205020404" pitchFamily="49" charset="0"/>
+                <a:cs typeface="Courier New" panose="02070309020205020404" pitchFamily="49" charset="0"/>
+              </a:rPr>
+              <a:t>WHITE_CARD_SZ = 16*64</a:t>
+            </a:r>
+          </a:p>
+          <a:p>
+            <a:pPr marL="0" indent="0">
+              <a:buNone/>
+            </a:pPr>
+            <a:r>
+              <a:rPr lang="en-US" altLang="en-US" sz="1800" dirty="0">
+                <a:latin typeface="Courier New" panose="02070309020205020404" pitchFamily="49" charset="0"/>
+                <a:cs typeface="Courier New" panose="02070309020205020404" pitchFamily="49" charset="0"/>
+              </a:rPr>
+              <a:t>WHITE_CARD_END_ADDR = WHITE_CARD_START_ADDR + WHITE_CARD_SZ</a:t>
+            </a:r>
+          </a:p>
+          <a:p>
+            <a:pPr marL="0" indent="0">
+              <a:buNone/>
+            </a:pPr>
+            <a:r>
+              <a:rPr lang="en-US" altLang="en-US" sz="1800" dirty="0">
+                <a:latin typeface="Courier New" panose="02070309020205020404" pitchFamily="49" charset="0"/>
+                <a:cs typeface="Courier New" panose="02070309020205020404" pitchFamily="49" charset="0"/>
+              </a:rPr>
+              <a:t>BUTTON_OFFSET = WHITE_CARD_START_ADDR + \</a:t>
+            </a:r>
+          </a:p>
+          <a:p>
+            <a:pPr marL="0" indent="0">
+              <a:buNone/>
+            </a:pPr>
+            <a:r>
+              <a:rPr lang="en-US" altLang="en-US" sz="1800" dirty="0">
+                <a:latin typeface="Courier New" panose="02070309020205020404" pitchFamily="49" charset="0"/>
+                <a:cs typeface="Courier New" panose="02070309020205020404" pitchFamily="49" charset="0"/>
+              </a:rPr>
+              <a:t>   WHITE_CARD_SZ + 48</a:t>
             </a:r>
             <a:br>
-              <a:rPr lang="en-US" sz="2400" b="1" dirty="0"/>
+              <a:rPr lang="en-US" altLang="en-US" sz="1800" dirty="0">
+                <a:latin typeface="Courier New" panose="02070309020205020404" pitchFamily="49" charset="0"/>
+                <a:cs typeface="Courier New" panose="02070309020205020404" pitchFamily="49" charset="0"/>
+              </a:rPr>
             </a:br>
-            <a:r>
-              <a:rPr lang="en-US" sz="2400" b="1" dirty="0">
-                <a:solidFill>
-                  <a:srgbClr val="FFC000"/>
-                </a:solidFill>
-              </a:rPr>
-              <a:t>Hash Function: 5/18</a:t>
-            </a:r>
-          </a:p>
-          <a:p>
-            <a:pPr marL="342900" lvl="1" indent="0">
+            <a:endParaRPr lang="en-US" altLang="en-US" sz="1800" b="1" dirty="0">
+              <a:solidFill>
+                <a:srgbClr val="0000FF"/>
+              </a:solidFill>
+              <a:latin typeface="Courier New" panose="02070309020205020404" pitchFamily="49" charset="0"/>
+              <a:cs typeface="Courier New" panose="02070309020205020404" pitchFamily="49" charset="0"/>
+            </a:endParaRPr>
+          </a:p>
+          <a:p>
+            <a:pPr marL="0" indent="0">
               <a:buNone/>
             </a:pPr>
             <a:r>
-              <a:rPr lang="en-US" sz="2400" b="1" dirty="0">
-                <a:solidFill>
-                  <a:srgbClr val="C00000"/>
-                </a:solidFill>
-              </a:rPr>
-              <a:t>Error/Timeout: 5/18</a:t>
-            </a:r>
+              <a:rPr lang="en-US" altLang="en-US" sz="1800" b="1" dirty="0">
+                <a:solidFill>
+                  <a:srgbClr val="0000FF"/>
+                </a:solidFill>
+                <a:latin typeface="Courier New" panose="02070309020205020404" pitchFamily="49" charset="0"/>
+                <a:cs typeface="Courier New" panose="02070309020205020404" pitchFamily="49" charset="0"/>
+              </a:rPr>
+              <a:t>def </a:t>
+            </a:r>
+            <a:r>
+              <a:rPr lang="en-US" altLang="en-US" sz="1800" b="1" dirty="0" err="1">
+                <a:latin typeface="Courier New" panose="02070309020205020404" pitchFamily="49" charset="0"/>
+                <a:cs typeface="Courier New" panose="02070309020205020404" pitchFamily="49" charset="0"/>
+              </a:rPr>
+              <a:t>print_card_offsets</a:t>
+            </a:r>
+            <a:r>
+              <a:rPr lang="en-US" altLang="en-US" sz="1800" dirty="0">
+                <a:latin typeface="Courier New" panose="02070309020205020404" pitchFamily="49" charset="0"/>
+                <a:cs typeface="Courier New" panose="02070309020205020404" pitchFamily="49" charset="0"/>
+              </a:rPr>
+              <a:t>(state):</a:t>
+            </a:r>
+            <a:br>
+              <a:rPr lang="en-US" altLang="en-US" sz="1800" dirty="0">
+                <a:latin typeface="Courier New" panose="02070309020205020404" pitchFamily="49" charset="0"/>
+                <a:cs typeface="Courier New" panose="02070309020205020404" pitchFamily="49" charset="0"/>
+              </a:rPr>
+            </a:br>
+            <a:r>
+              <a:rPr lang="en-US" altLang="en-US" sz="1800" dirty="0">
+                <a:latin typeface="Courier New" panose="02070309020205020404" pitchFamily="49" charset="0"/>
+                <a:cs typeface="Courier New" panose="02070309020205020404" pitchFamily="49" charset="0"/>
+              </a:rPr>
+              <a:t>   expr = </a:t>
+            </a:r>
+            <a:r>
+              <a:rPr lang="en-US" altLang="en-US" sz="1800" dirty="0" err="1">
+                <a:latin typeface="Courier New" panose="02070309020205020404" pitchFamily="49" charset="0"/>
+                <a:cs typeface="Courier New" panose="02070309020205020404" pitchFamily="49" charset="0"/>
+              </a:rPr>
+              <a:t>state.inspect.mem_read_address</a:t>
+            </a:r>
+            <a:br>
+              <a:rPr lang="en-US" altLang="en-US" sz="1800" dirty="0">
+                <a:latin typeface="Courier New" panose="02070309020205020404" pitchFamily="49" charset="0"/>
+                <a:cs typeface="Courier New" panose="02070309020205020404" pitchFamily="49" charset="0"/>
+              </a:rPr>
+            </a:br>
+            <a:br>
+              <a:rPr lang="en-US" altLang="en-US" sz="1800" dirty="0">
+                <a:latin typeface="Courier New" panose="02070309020205020404" pitchFamily="49" charset="0"/>
+                <a:cs typeface="Courier New" panose="02070309020205020404" pitchFamily="49" charset="0"/>
+              </a:rPr>
+            </a:br>
+            <a:r>
+              <a:rPr lang="en-US" altLang="en-US" sz="1800" dirty="0">
+                <a:latin typeface="Courier New" panose="02070309020205020404" pitchFamily="49" charset="0"/>
+                <a:cs typeface="Courier New" panose="02070309020205020404" pitchFamily="49" charset="0"/>
+              </a:rPr>
+              <a:t>   </a:t>
+            </a:r>
+            <a:r>
+              <a:rPr lang="en-US" altLang="en-US" sz="1800" dirty="0">
+                <a:solidFill>
+                  <a:srgbClr val="49821E"/>
+                </a:solidFill>
+                <a:latin typeface="Courier New" panose="02070309020205020404" pitchFamily="49" charset="0"/>
+                <a:cs typeface="Courier New" panose="02070309020205020404" pitchFamily="49" charset="0"/>
+              </a:rPr>
+              <a:t># the address could be symbolic, so get ’a’ solution</a:t>
+            </a:r>
+            <a:br>
+              <a:rPr lang="en-US" altLang="en-US" sz="1800" dirty="0">
+                <a:solidFill>
+                  <a:srgbClr val="49821E"/>
+                </a:solidFill>
+                <a:latin typeface="Courier New" panose="02070309020205020404" pitchFamily="49" charset="0"/>
+                <a:cs typeface="Courier New" panose="02070309020205020404" pitchFamily="49" charset="0"/>
+              </a:rPr>
+            </a:br>
+            <a:r>
+              <a:rPr lang="en-US" altLang="en-US" sz="1800" dirty="0">
+                <a:solidFill>
+                  <a:srgbClr val="49821E"/>
+                </a:solidFill>
+                <a:latin typeface="Courier New" panose="02070309020205020404" pitchFamily="49" charset="0"/>
+                <a:cs typeface="Courier New" panose="02070309020205020404" pitchFamily="49" charset="0"/>
+              </a:rPr>
+              <a:t>   </a:t>
+            </a:r>
+            <a:r>
+              <a:rPr lang="en-US" altLang="en-US" sz="1800" dirty="0" err="1">
+                <a:latin typeface="Courier New" panose="02070309020205020404" pitchFamily="49" charset="0"/>
+                <a:cs typeface="Courier New" panose="02070309020205020404" pitchFamily="49" charset="0"/>
+              </a:rPr>
+              <a:t>expr_val</a:t>
+            </a:r>
+            <a:r>
+              <a:rPr lang="en-US" altLang="en-US" sz="1800" dirty="0">
+                <a:latin typeface="Courier New" panose="02070309020205020404" pitchFamily="49" charset="0"/>
+                <a:cs typeface="Courier New" panose="02070309020205020404" pitchFamily="49" charset="0"/>
+              </a:rPr>
+              <a:t> = </a:t>
+            </a:r>
+            <a:r>
+              <a:rPr lang="en-US" altLang="en-US" sz="1800" dirty="0" err="1">
+                <a:latin typeface="Courier New" panose="02070309020205020404" pitchFamily="49" charset="0"/>
+                <a:cs typeface="Courier New" panose="02070309020205020404" pitchFamily="49" charset="0"/>
+              </a:rPr>
+              <a:t>state.solver.</a:t>
+            </a:r>
+            <a:r>
+              <a:rPr lang="en-US" altLang="en-US" sz="1800" b="1" dirty="0" err="1">
+                <a:solidFill>
+                  <a:srgbClr val="0000FF"/>
+                </a:solidFill>
+                <a:latin typeface="Courier New" panose="02070309020205020404" pitchFamily="49" charset="0"/>
+                <a:cs typeface="Courier New" panose="02070309020205020404" pitchFamily="49" charset="0"/>
+              </a:rPr>
+              <a:t>eval</a:t>
+            </a:r>
+            <a:r>
+              <a:rPr lang="en-US" altLang="en-US" sz="1800" dirty="0">
+                <a:latin typeface="Courier New" panose="02070309020205020404" pitchFamily="49" charset="0"/>
+                <a:cs typeface="Courier New" panose="02070309020205020404" pitchFamily="49" charset="0"/>
+              </a:rPr>
+              <a:t>(expr) </a:t>
+            </a:r>
+            <a:br>
+              <a:rPr lang="en-US" altLang="en-US" sz="1800" dirty="0">
+                <a:latin typeface="Courier New" panose="02070309020205020404" pitchFamily="49" charset="0"/>
+                <a:cs typeface="Courier New" panose="02070309020205020404" pitchFamily="49" charset="0"/>
+              </a:rPr>
+            </a:br>
+            <a:endParaRPr lang="en-US" altLang="en-US" sz="1800" dirty="0">
+              <a:latin typeface="Courier New" panose="02070309020205020404" pitchFamily="49" charset="0"/>
+              <a:cs typeface="Courier New" panose="02070309020205020404" pitchFamily="49" charset="0"/>
+            </a:endParaRPr>
+          </a:p>
+          <a:p>
+            <a:pPr marL="0" indent="0">
+              <a:buNone/>
+            </a:pPr>
+            <a:r>
+              <a:rPr lang="en-US" sz="1800" b="1" dirty="0">
+                <a:solidFill>
+                  <a:srgbClr val="0000FF"/>
+                </a:solidFill>
+                <a:latin typeface="Courier New" panose="02070309020205020404" pitchFamily="49" charset="0"/>
+                <a:cs typeface="Courier New" panose="02070309020205020404" pitchFamily="49" charset="0"/>
+              </a:rPr>
+              <a:t>   if </a:t>
+            </a:r>
+            <a:r>
+              <a:rPr lang="en-US" sz="1800" dirty="0" err="1">
+                <a:latin typeface="Courier New" panose="02070309020205020404" pitchFamily="49" charset="0"/>
+                <a:cs typeface="Courier New" panose="02070309020205020404" pitchFamily="49" charset="0"/>
+              </a:rPr>
+              <a:t>expr_val</a:t>
+            </a:r>
+            <a:r>
+              <a:rPr lang="en-US" sz="1800" dirty="0">
+                <a:latin typeface="Courier New" panose="02070309020205020404" pitchFamily="49" charset="0"/>
+                <a:cs typeface="Courier New" panose="02070309020205020404" pitchFamily="49" charset="0"/>
+              </a:rPr>
+              <a:t> &gt;= WHITE_CARD_START_ADDR </a:t>
+            </a:r>
+            <a:r>
+              <a:rPr lang="en-US" sz="1800" b="1" dirty="0">
+                <a:solidFill>
+                  <a:srgbClr val="0000FF"/>
+                </a:solidFill>
+                <a:latin typeface="Courier New" panose="02070309020205020404" pitchFamily="49" charset="0"/>
+                <a:cs typeface="Courier New" panose="02070309020205020404" pitchFamily="49" charset="0"/>
+              </a:rPr>
+              <a:t>and </a:t>
+            </a:r>
+            <a:r>
+              <a:rPr lang="en-US" sz="1800" dirty="0" err="1">
+                <a:latin typeface="Courier New" panose="02070309020205020404" pitchFamily="49" charset="0"/>
+                <a:cs typeface="Courier New" panose="02070309020205020404" pitchFamily="49" charset="0"/>
+              </a:rPr>
+              <a:t>expr_val</a:t>
+            </a:r>
+            <a:r>
+              <a:rPr lang="en-US" sz="1800" dirty="0">
+                <a:latin typeface="Courier New" panose="02070309020205020404" pitchFamily="49" charset="0"/>
+                <a:cs typeface="Courier New" panose="02070309020205020404" pitchFamily="49" charset="0"/>
+              </a:rPr>
+              <a:t> &lt;= WHITE_CARD_END_ADDR: </a:t>
+            </a:r>
+          </a:p>
+          <a:p>
+            <a:pPr marL="0" indent="0">
+              <a:buNone/>
+            </a:pPr>
+            <a:r>
+              <a:rPr lang="en-US" sz="1800" dirty="0">
+                <a:latin typeface="Courier New" panose="02070309020205020404" pitchFamily="49" charset="0"/>
+                <a:cs typeface="Courier New" panose="02070309020205020404" pitchFamily="49" charset="0"/>
+              </a:rPr>
+              <a:t>      offset = </a:t>
+            </a:r>
+            <a:r>
+              <a:rPr lang="en-US" sz="1800" dirty="0" err="1">
+                <a:latin typeface="Courier New" panose="02070309020205020404" pitchFamily="49" charset="0"/>
+                <a:cs typeface="Courier New" panose="02070309020205020404" pitchFamily="49" charset="0"/>
+              </a:rPr>
+              <a:t>expr_val</a:t>
+            </a:r>
+            <a:r>
+              <a:rPr lang="en-US" sz="1800" dirty="0">
+                <a:latin typeface="Courier New" panose="02070309020205020404" pitchFamily="49" charset="0"/>
+                <a:cs typeface="Courier New" panose="02070309020205020404" pitchFamily="49" charset="0"/>
+              </a:rPr>
+              <a:t> - WHITE_CARD_START_ADDR</a:t>
+            </a:r>
+          </a:p>
+          <a:p>
+            <a:pPr marL="0" indent="0">
+              <a:buNone/>
+            </a:pPr>
+            <a:r>
+              <a:rPr lang="en-US" sz="1800" b="1" dirty="0">
+                <a:solidFill>
+                  <a:srgbClr val="0000FF"/>
+                </a:solidFill>
+                <a:latin typeface="Courier New" panose="02070309020205020404" pitchFamily="49" charset="0"/>
+                <a:cs typeface="Courier New" panose="02070309020205020404" pitchFamily="49" charset="0"/>
+              </a:rPr>
+              <a:t>      print</a:t>
+            </a:r>
+            <a:r>
+              <a:rPr lang="en-US" sz="1800" dirty="0">
+                <a:latin typeface="Courier New" panose="02070309020205020404" pitchFamily="49" charset="0"/>
+                <a:cs typeface="Courier New" panose="02070309020205020404" pitchFamily="49" charset="0"/>
+              </a:rPr>
+              <a:t>(</a:t>
+            </a:r>
+            <a:r>
+              <a:rPr lang="en-US" sz="1800" dirty="0">
+                <a:solidFill>
+                  <a:srgbClr val="007F3F"/>
+                </a:solidFill>
+                <a:latin typeface="Courier New" panose="02070309020205020404" pitchFamily="49" charset="0"/>
+                <a:cs typeface="Courier New" panose="02070309020205020404" pitchFamily="49" charset="0"/>
+              </a:rPr>
+              <a:t>"CARD READ: %x (%s)" </a:t>
+            </a:r>
+            <a:r>
+              <a:rPr lang="en-US" sz="1800" dirty="0">
+                <a:latin typeface="Courier New" panose="02070309020205020404" pitchFamily="49" charset="0"/>
+                <a:cs typeface="Courier New" panose="02070309020205020404" pitchFamily="49" charset="0"/>
+              </a:rPr>
+              <a:t>% (offset, </a:t>
+            </a:r>
+            <a:r>
+              <a:rPr lang="en-US" sz="1800" b="1" dirty="0">
+                <a:solidFill>
+                  <a:srgbClr val="0000FF"/>
+                </a:solidFill>
+                <a:latin typeface="Courier New" panose="02070309020205020404" pitchFamily="49" charset="0"/>
+                <a:cs typeface="Courier New" panose="02070309020205020404" pitchFamily="49" charset="0"/>
+              </a:rPr>
+              <a:t>str</a:t>
+            </a:r>
+            <a:r>
+              <a:rPr lang="en-US" sz="1800" dirty="0">
+                <a:latin typeface="Courier New" panose="02070309020205020404" pitchFamily="49" charset="0"/>
+                <a:cs typeface="Courier New" panose="02070309020205020404" pitchFamily="49" charset="0"/>
+              </a:rPr>
+              <a:t>(expr)) </a:t>
+            </a:r>
+          </a:p>
+          <a:p>
+            <a:pPr marL="0" indent="0">
+              <a:buNone/>
+            </a:pPr>
+            <a:r>
+              <a:rPr lang="en-US" sz="1800" b="1" dirty="0">
+                <a:solidFill>
+                  <a:srgbClr val="0000FF"/>
+                </a:solidFill>
+                <a:latin typeface="Courier New" panose="02070309020205020404" pitchFamily="49" charset="0"/>
+                <a:cs typeface="Courier New" panose="02070309020205020404" pitchFamily="49" charset="0"/>
+              </a:rPr>
+              <a:t>   </a:t>
+            </a:r>
+            <a:r>
+              <a:rPr lang="en-US" sz="1800" b="1" dirty="0" err="1">
+                <a:solidFill>
+                  <a:srgbClr val="0000FF"/>
+                </a:solidFill>
+                <a:latin typeface="Courier New" panose="02070309020205020404" pitchFamily="49" charset="0"/>
+                <a:cs typeface="Courier New" panose="02070309020205020404" pitchFamily="49" charset="0"/>
+              </a:rPr>
+              <a:t>elif</a:t>
+            </a:r>
+            <a:r>
+              <a:rPr lang="en-US" sz="1800" b="1" dirty="0">
+                <a:solidFill>
+                  <a:srgbClr val="0000FF"/>
+                </a:solidFill>
+                <a:latin typeface="Courier New" panose="02070309020205020404" pitchFamily="49" charset="0"/>
+                <a:cs typeface="Courier New" panose="02070309020205020404" pitchFamily="49" charset="0"/>
+              </a:rPr>
+              <a:t> </a:t>
+            </a:r>
+            <a:r>
+              <a:rPr lang="en-US" sz="1800" dirty="0" err="1">
+                <a:latin typeface="Courier New" panose="02070309020205020404" pitchFamily="49" charset="0"/>
+                <a:cs typeface="Courier New" panose="02070309020205020404" pitchFamily="49" charset="0"/>
+              </a:rPr>
+              <a:t>expr_val</a:t>
+            </a:r>
+            <a:r>
+              <a:rPr lang="en-US" sz="1800" dirty="0">
+                <a:latin typeface="Courier New" panose="02070309020205020404" pitchFamily="49" charset="0"/>
+                <a:cs typeface="Courier New" panose="02070309020205020404" pitchFamily="49" charset="0"/>
+              </a:rPr>
+              <a:t> == BUTTON_OFFSET: </a:t>
+            </a:r>
+          </a:p>
+          <a:p>
+            <a:pPr marL="0" indent="0">
+              <a:buNone/>
+            </a:pPr>
+            <a:r>
+              <a:rPr lang="en-US" sz="1800" b="1" dirty="0">
+                <a:solidFill>
+                  <a:srgbClr val="0000FF"/>
+                </a:solidFill>
+                <a:latin typeface="Courier New" panose="02070309020205020404" pitchFamily="49" charset="0"/>
+                <a:cs typeface="Courier New" panose="02070309020205020404" pitchFamily="49" charset="0"/>
+              </a:rPr>
+              <a:t>      print</a:t>
+            </a:r>
+            <a:r>
+              <a:rPr lang="en-US" sz="1800" dirty="0">
+                <a:latin typeface="Courier New" panose="02070309020205020404" pitchFamily="49" charset="0"/>
+                <a:cs typeface="Courier New" panose="02070309020205020404" pitchFamily="49" charset="0"/>
+              </a:rPr>
+              <a:t>(</a:t>
+            </a:r>
+            <a:r>
+              <a:rPr lang="en-US" sz="1800" dirty="0">
+                <a:solidFill>
+                  <a:srgbClr val="007F3F"/>
+                </a:solidFill>
+                <a:latin typeface="Courier New" panose="02070309020205020404" pitchFamily="49" charset="0"/>
+                <a:cs typeface="Courier New" panose="02070309020205020404" pitchFamily="49" charset="0"/>
+              </a:rPr>
+              <a:t>"!!!!!! BUTTON READ !!!!!!"</a:t>
+            </a:r>
+            <a:r>
+              <a:rPr lang="en-US" sz="1800" dirty="0">
+                <a:latin typeface="Courier New" panose="02070309020205020404" pitchFamily="49" charset="0"/>
+                <a:cs typeface="Courier New" panose="02070309020205020404" pitchFamily="49" charset="0"/>
+              </a:rPr>
+              <a:t>) </a:t>
+            </a:r>
+          </a:p>
+          <a:p>
+            <a:pPr marL="0" indent="0">
+              <a:buNone/>
+            </a:pPr>
+            <a:endParaRPr lang="en-US" sz="1800" dirty="0">
+              <a:latin typeface="Courier New" panose="02070309020205020404" pitchFamily="49" charset="0"/>
+              <a:cs typeface="Courier New" panose="02070309020205020404" pitchFamily="49" charset="0"/>
+            </a:endParaRPr>
+          </a:p>
+          <a:p>
+            <a:pPr marL="0" indent="0">
+              <a:buNone/>
+            </a:pPr>
+            <a:endParaRPr lang="en-US" sz="1800" dirty="0">
+              <a:latin typeface="Courier New" panose="02070309020205020404" pitchFamily="49" charset="0"/>
+              <a:cs typeface="Courier New" panose="02070309020205020404" pitchFamily="49" charset="0"/>
+            </a:endParaRPr>
           </a:p>
         </p:txBody>
       </p:sp>
     </p:spTree>
     <p:extLst>
       <p:ext uri="{BB962C8B-B14F-4D97-AF65-F5344CB8AC3E}">
-        <p14:creationId xmlns:p14="http://schemas.microsoft.com/office/powerpoint/2010/main" val="2756454615"/>
+        <p14:creationId xmlns:p14="http://schemas.microsoft.com/office/powerpoint/2010/main" val="2699482110"/>
       </p:ext>
     </p:extLst>
   </p:cSld>
   <p:clrMapOvr>
     <a:masterClrMapping/>
   </p:clrMapOvr>
+  <p:timing>
+    <p:tnLst>
+      <p:par>
+        <p:cTn id="1" dur="indefinite" restart="never" nodeType="tmRoot">
+          <p:childTnLst>
+            <p:seq concurrent="1" nextAc="seek">
+              <p:cTn id="2" dur="indefinite" nodeType="mainSeq">
+                <p:childTnLst>
+                  <p:par>
+                    <p:cTn id="3" fill="hold">
+                      <p:stCondLst>
+                        <p:cond delay="indefinite"/>
+                      </p:stCondLst>
+                      <p:childTnLst>
+                        <p:par>
+                          <p:cTn id="4" fill="hold">
+                            <p:stCondLst>
+                              <p:cond delay="0"/>
+                            </p:stCondLst>
+                            <p:childTnLst>
+                              <p:par>
+                                <p:cTn id="5" presetID="1" presetClass="entr" presetSubtype="0" fill="hold" grpId="0" nodeType="clickEffect">
+                                  <p:stCondLst>
+                                    <p:cond delay="0"/>
+                                  </p:stCondLst>
+                                  <p:childTnLst>
+                                    <p:set>
+                                      <p:cBhvr>
+                                        <p:cTn id="6" dur="1" fill="hold">
+                                          <p:stCondLst>
+                                            <p:cond delay="0"/>
+                                          </p:stCondLst>
+                                        </p:cTn>
+                                        <p:tgtEl>
+                                          <p:spTgt spid="7">
+                                            <p:txEl>
+                                              <p:pRg st="0" end="0"/>
+                                            </p:txEl>
+                                          </p:spTgt>
+                                        </p:tgtEl>
+                                        <p:attrNameLst>
+                                          <p:attrName>style.visibility</p:attrName>
+                                        </p:attrNameLst>
+                                      </p:cBhvr>
+                                      <p:to>
+                                        <p:strVal val="visible"/>
+                                      </p:to>
+                                    </p:set>
+                                  </p:childTnLst>
+                                </p:cTn>
+                              </p:par>
+                              <p:par>
+                                <p:cTn id="7" presetID="1" presetClass="entr" presetSubtype="0" fill="hold" grpId="0" nodeType="withEffect">
+                                  <p:stCondLst>
+                                    <p:cond delay="0"/>
+                                  </p:stCondLst>
+                                  <p:childTnLst>
+                                    <p:set>
+                                      <p:cBhvr>
+                                        <p:cTn id="8" dur="1" fill="hold">
+                                          <p:stCondLst>
+                                            <p:cond delay="0"/>
+                                          </p:stCondLst>
+                                        </p:cTn>
+                                        <p:tgtEl>
+                                          <p:spTgt spid="7">
+                                            <p:txEl>
+                                              <p:pRg st="1" end="1"/>
+                                            </p:txEl>
+                                          </p:spTgt>
+                                        </p:tgtEl>
+                                        <p:attrNameLst>
+                                          <p:attrName>style.visibility</p:attrName>
+                                        </p:attrNameLst>
+                                      </p:cBhvr>
+                                      <p:to>
+                                        <p:strVal val="visible"/>
+                                      </p:to>
+                                    </p:set>
+                                  </p:childTnLst>
+                                </p:cTn>
+                              </p:par>
+                              <p:par>
+                                <p:cTn id="9" presetID="1" presetClass="entr" presetSubtype="0" fill="hold" grpId="0" nodeType="withEffect">
+                                  <p:stCondLst>
+                                    <p:cond delay="0"/>
+                                  </p:stCondLst>
+                                  <p:childTnLst>
+                                    <p:set>
+                                      <p:cBhvr>
+                                        <p:cTn id="10" dur="1" fill="hold">
+                                          <p:stCondLst>
+                                            <p:cond delay="0"/>
+                                          </p:stCondLst>
+                                        </p:cTn>
+                                        <p:tgtEl>
+                                          <p:spTgt spid="7">
+                                            <p:txEl>
+                                              <p:pRg st="2" end="2"/>
+                                            </p:txEl>
+                                          </p:spTgt>
+                                        </p:tgtEl>
+                                        <p:attrNameLst>
+                                          <p:attrName>style.visibility</p:attrName>
+                                        </p:attrNameLst>
+                                      </p:cBhvr>
+                                      <p:to>
+                                        <p:strVal val="visible"/>
+                                      </p:to>
+                                    </p:set>
+                                  </p:childTnLst>
+                                </p:cTn>
+                              </p:par>
+                              <p:par>
+                                <p:cTn id="11" presetID="1" presetClass="entr" presetSubtype="0" fill="hold" grpId="0" nodeType="withEffect">
+                                  <p:stCondLst>
+                                    <p:cond delay="0"/>
+                                  </p:stCondLst>
+                                  <p:childTnLst>
+                                    <p:set>
+                                      <p:cBhvr>
+                                        <p:cTn id="12" dur="1" fill="hold">
+                                          <p:stCondLst>
+                                            <p:cond delay="0"/>
+                                          </p:stCondLst>
+                                        </p:cTn>
+                                        <p:tgtEl>
+                                          <p:spTgt spid="7">
+                                            <p:txEl>
+                                              <p:pRg st="3" end="3"/>
+                                            </p:txEl>
+                                          </p:spTgt>
+                                        </p:tgtEl>
+                                        <p:attrNameLst>
+                                          <p:attrName>style.visibility</p:attrName>
+                                        </p:attrNameLst>
+                                      </p:cBhvr>
+                                      <p:to>
+                                        <p:strVal val="visible"/>
+                                      </p:to>
+                                    </p:set>
+                                  </p:childTnLst>
+                                </p:cTn>
+                              </p:par>
+                              <p:par>
+                                <p:cTn id="13" presetID="1" presetClass="entr" presetSubtype="0" fill="hold" grpId="0" nodeType="withEffect">
+                                  <p:stCondLst>
+                                    <p:cond delay="0"/>
+                                  </p:stCondLst>
+                                  <p:childTnLst>
+                                    <p:set>
+                                      <p:cBhvr>
+                                        <p:cTn id="14" dur="1" fill="hold">
+                                          <p:stCondLst>
+                                            <p:cond delay="0"/>
+                                          </p:stCondLst>
+                                        </p:cTn>
+                                        <p:tgtEl>
+                                          <p:spTgt spid="7">
+                                            <p:txEl>
+                                              <p:pRg st="4" end="4"/>
+                                            </p:txEl>
+                                          </p:spTgt>
+                                        </p:tgtEl>
+                                        <p:attrNameLst>
+                                          <p:attrName>style.visibility</p:attrName>
+                                        </p:attrNameLst>
+                                      </p:cBhvr>
+                                      <p:to>
+                                        <p:strVal val="visible"/>
+                                      </p:to>
+                                    </p:set>
+                                  </p:childTnLst>
+                                </p:cTn>
+                              </p:par>
+                            </p:childTnLst>
+                          </p:cTn>
+                        </p:par>
+                      </p:childTnLst>
+                    </p:cTn>
+                  </p:par>
+                  <p:par>
+                    <p:cTn id="15" fill="hold">
+                      <p:stCondLst>
+                        <p:cond delay="indefinite"/>
+                      </p:stCondLst>
+                      <p:childTnLst>
+                        <p:par>
+                          <p:cTn id="16" fill="hold">
+                            <p:stCondLst>
+                              <p:cond delay="0"/>
+                            </p:stCondLst>
+                            <p:childTnLst>
+                              <p:par>
+                                <p:cTn id="17" presetID="1" presetClass="entr" presetSubtype="0" fill="hold" grpId="0" nodeType="clickEffect">
+                                  <p:stCondLst>
+                                    <p:cond delay="0"/>
+                                  </p:stCondLst>
+                                  <p:childTnLst>
+                                    <p:set>
+                                      <p:cBhvr>
+                                        <p:cTn id="18" dur="1" fill="hold">
+                                          <p:stCondLst>
+                                            <p:cond delay="0"/>
+                                          </p:stCondLst>
+                                        </p:cTn>
+                                        <p:tgtEl>
+                                          <p:spTgt spid="7">
+                                            <p:txEl>
+                                              <p:pRg st="5" end="5"/>
+                                            </p:txEl>
+                                          </p:spTgt>
+                                        </p:tgtEl>
+                                        <p:attrNameLst>
+                                          <p:attrName>style.visibility</p:attrName>
+                                        </p:attrNameLst>
+                                      </p:cBhvr>
+                                      <p:to>
+                                        <p:strVal val="visible"/>
+                                      </p:to>
+                                    </p:set>
+                                  </p:childTnLst>
+                                </p:cTn>
+                              </p:par>
+                            </p:childTnLst>
+                          </p:cTn>
+                        </p:par>
+                      </p:childTnLst>
+                    </p:cTn>
+                  </p:par>
+                  <p:par>
+                    <p:cTn id="19" fill="hold">
+                      <p:stCondLst>
+                        <p:cond delay="indefinite"/>
+                      </p:stCondLst>
+                      <p:childTnLst>
+                        <p:par>
+                          <p:cTn id="20" fill="hold">
+                            <p:stCondLst>
+                              <p:cond delay="0"/>
+                            </p:stCondLst>
+                            <p:childTnLst>
+                              <p:par>
+                                <p:cTn id="21" presetID="1" presetClass="entr" presetSubtype="0" fill="hold" grpId="0" nodeType="clickEffect">
+                                  <p:stCondLst>
+                                    <p:cond delay="0"/>
+                                  </p:stCondLst>
+                                  <p:childTnLst>
+                                    <p:set>
+                                      <p:cBhvr>
+                                        <p:cTn id="22" dur="1" fill="hold">
+                                          <p:stCondLst>
+                                            <p:cond delay="0"/>
+                                          </p:stCondLst>
+                                        </p:cTn>
+                                        <p:tgtEl>
+                                          <p:spTgt spid="7">
+                                            <p:txEl>
+                                              <p:pRg st="6" end="6"/>
+                                            </p:txEl>
+                                          </p:spTgt>
+                                        </p:tgtEl>
+                                        <p:attrNameLst>
+                                          <p:attrName>style.visibility</p:attrName>
+                                        </p:attrNameLst>
+                                      </p:cBhvr>
+                                      <p:to>
+                                        <p:strVal val="visible"/>
+                                      </p:to>
+                                    </p:set>
+                                  </p:childTnLst>
+                                </p:cTn>
+                              </p:par>
+                              <p:par>
+                                <p:cTn id="23" presetID="1" presetClass="entr" presetSubtype="0" fill="hold" grpId="0" nodeType="withEffect">
+                                  <p:stCondLst>
+                                    <p:cond delay="0"/>
+                                  </p:stCondLst>
+                                  <p:childTnLst>
+                                    <p:set>
+                                      <p:cBhvr>
+                                        <p:cTn id="24" dur="1" fill="hold">
+                                          <p:stCondLst>
+                                            <p:cond delay="0"/>
+                                          </p:stCondLst>
+                                        </p:cTn>
+                                        <p:tgtEl>
+                                          <p:spTgt spid="7">
+                                            <p:txEl>
+                                              <p:pRg st="7" end="7"/>
+                                            </p:txEl>
+                                          </p:spTgt>
+                                        </p:tgtEl>
+                                        <p:attrNameLst>
+                                          <p:attrName>style.visibility</p:attrName>
+                                        </p:attrNameLst>
+                                      </p:cBhvr>
+                                      <p:to>
+                                        <p:strVal val="visible"/>
+                                      </p:to>
+                                    </p:set>
+                                  </p:childTnLst>
+                                </p:cTn>
+                              </p:par>
+                              <p:par>
+                                <p:cTn id="25" presetID="1" presetClass="entr" presetSubtype="0" fill="hold" grpId="0" nodeType="withEffect">
+                                  <p:stCondLst>
+                                    <p:cond delay="0"/>
+                                  </p:stCondLst>
+                                  <p:childTnLst>
+                                    <p:set>
+                                      <p:cBhvr>
+                                        <p:cTn id="26" dur="1" fill="hold">
+                                          <p:stCondLst>
+                                            <p:cond delay="0"/>
+                                          </p:stCondLst>
+                                        </p:cTn>
+                                        <p:tgtEl>
+                                          <p:spTgt spid="7">
+                                            <p:txEl>
+                                              <p:pRg st="8" end="8"/>
+                                            </p:txEl>
+                                          </p:spTgt>
+                                        </p:tgtEl>
+                                        <p:attrNameLst>
+                                          <p:attrName>style.visibility</p:attrName>
+                                        </p:attrNameLst>
+                                      </p:cBhvr>
+                                      <p:to>
+                                        <p:strVal val="visible"/>
+                                      </p:to>
+                                    </p:set>
+                                  </p:childTnLst>
+                                </p:cTn>
+                              </p:par>
+                              <p:par>
+                                <p:cTn id="27" presetID="1" presetClass="entr" presetSubtype="0" fill="hold" grpId="0" nodeType="withEffect">
+                                  <p:stCondLst>
+                                    <p:cond delay="0"/>
+                                  </p:stCondLst>
+                                  <p:childTnLst>
+                                    <p:set>
+                                      <p:cBhvr>
+                                        <p:cTn id="28" dur="1" fill="hold">
+                                          <p:stCondLst>
+                                            <p:cond delay="0"/>
+                                          </p:stCondLst>
+                                        </p:cTn>
+                                        <p:tgtEl>
+                                          <p:spTgt spid="7">
+                                            <p:txEl>
+                                              <p:pRg st="9" end="9"/>
+                                            </p:txEl>
+                                          </p:spTgt>
+                                        </p:tgtEl>
+                                        <p:attrNameLst>
+                                          <p:attrName>style.visibility</p:attrName>
+                                        </p:attrNameLst>
+                                      </p:cBhvr>
+                                      <p:to>
+                                        <p:strVal val="visible"/>
+                                      </p:to>
+                                    </p:set>
+                                  </p:childTnLst>
+                                </p:cTn>
+                              </p:par>
+                              <p:par>
+                                <p:cTn id="29" presetID="1" presetClass="entr" presetSubtype="0" fill="hold" grpId="0" nodeType="withEffect">
+                                  <p:stCondLst>
+                                    <p:cond delay="0"/>
+                                  </p:stCondLst>
+                                  <p:childTnLst>
+                                    <p:set>
+                                      <p:cBhvr>
+                                        <p:cTn id="30" dur="1" fill="hold">
+                                          <p:stCondLst>
+                                            <p:cond delay="0"/>
+                                          </p:stCondLst>
+                                        </p:cTn>
+                                        <p:tgtEl>
+                                          <p:spTgt spid="7">
+                                            <p:txEl>
+                                              <p:pRg st="10" end="10"/>
+                                            </p:txEl>
+                                          </p:spTgt>
+                                        </p:tgtEl>
+                                        <p:attrNameLst>
+                                          <p:attrName>style.visibility</p:attrName>
+                                        </p:attrNameLst>
+                                      </p:cBhvr>
+                                      <p:to>
+                                        <p:strVal val="visible"/>
+                                      </p:to>
+                                    </p:set>
+                                  </p:childTnLst>
+                                </p:cTn>
+                              </p:par>
+                            </p:childTnLst>
+                          </p:cTn>
+                        </p:par>
+                      </p:childTnLst>
+                    </p:cTn>
+                  </p:par>
+                </p:childTnLst>
+              </p:cTn>
+              <p:prevCondLst>
+                <p:cond evt="onPrev" delay="0">
+                  <p:tgtEl>
+                    <p:sldTgt/>
+                  </p:tgtEl>
+                </p:cond>
+              </p:prevCondLst>
+              <p:nextCondLst>
+                <p:cond evt="onNext" delay="0">
+                  <p:tgtEl>
+                    <p:sldTgt/>
+                  </p:tgtEl>
+                </p:cond>
+              </p:nextCondLst>
+            </p:seq>
+          </p:childTnLst>
+        </p:cTn>
+      </p:par>
+    </p:tnLst>
+    <p:bldLst>
+      <p:bldP spid="7" grpId="0" uiExpand="1" build="p"/>
+    </p:bldLst>
+  </p:timing>
 </p:sld>
 </file>
 
@@ -9243,7 +11071,7 @@
           <p:cNvPr id="2" name="Title 1">
             <a:extLst>
               <a:ext uri="{FF2B5EF4-FFF2-40B4-BE49-F238E27FC236}">
-                <a16:creationId xmlns:a16="http://schemas.microsoft.com/office/drawing/2014/main" id="{9A50DA40-C2DE-9E41-8976-38D6707B8F57}"/>
+                <a16:creationId xmlns:a16="http://schemas.microsoft.com/office/drawing/2014/main" id="{96BE9D2A-6E3C-E04C-ABDA-93142618B5EB}"/>
               </a:ext>
             </a:extLst>
           </p:cNvPr>
@@ -9260,86 +11088,10 @@
           <a:lstStyle/>
           <a:p>
             <a:r>
-              <a:rPr lang="en-US" dirty="0"/>
-              <a:t>Conclusion</a:t>
-            </a:r>
-          </a:p>
-        </p:txBody>
-      </p:sp>
-      <p:sp>
-        <p:nvSpPr>
-          <p:cNvPr id="7" name="Content Placeholder 6">
-            <a:extLst>
-              <a:ext uri="{FF2B5EF4-FFF2-40B4-BE49-F238E27FC236}">
-                <a16:creationId xmlns:a16="http://schemas.microsoft.com/office/drawing/2014/main" id="{D302F8AA-403E-0A47-988B-375EF6261BEA}"/>
-              </a:ext>
-            </a:extLst>
-          </p:cNvPr>
-          <p:cNvSpPr>
-            <a:spLocks noGrp="1"/>
-          </p:cNvSpPr>
-          <p:nvPr>
-            <p:ph idx="1"/>
-          </p:nvPr>
-        </p:nvSpPr>
-        <p:spPr>
-          <a:xfrm>
-            <a:off x="628650" y="1020667"/>
-            <a:ext cx="7886700" cy="5146022"/>
-          </a:xfrm>
-        </p:spPr>
-        <p:txBody>
-          <a:bodyPr>
-            <a:normAutofit/>
-          </a:bodyPr>
-          <a:lstStyle/>
-          <a:p>
-            <a:r>
-              <a:rPr lang="en-US" sz="2400" dirty="0"/>
-              <a:t>Work smart, not hard</a:t>
-            </a:r>
-          </a:p>
-          <a:p>
-            <a:pPr lvl="1"/>
-            <a:r>
-              <a:rPr lang="en-US" sz="2000" dirty="0"/>
-              <a:t>Static analysis is expensive. Dynamic analysis gets straight to the point</a:t>
-            </a:r>
-          </a:p>
-          <a:p>
-            <a:pPr marL="342900" lvl="1" indent="0">
-              <a:buNone/>
-            </a:pPr>
-            <a:endParaRPr lang="en-US" sz="2000" dirty="0"/>
-          </a:p>
-          <a:p>
-            <a:r>
-              <a:rPr lang="en-US" sz="2400" dirty="0"/>
-              <a:t>Firmware without the hardware is just software</a:t>
-            </a:r>
-          </a:p>
-          <a:p>
-            <a:pPr lvl="1"/>
-            <a:r>
-              <a:rPr lang="en-US" sz="2000" dirty="0"/>
-              <a:t>Emulate only what you need and mock away everything else</a:t>
-            </a:r>
-          </a:p>
-          <a:p>
-            <a:endParaRPr lang="en-US" sz="2400" dirty="0"/>
-          </a:p>
-          <a:p>
-            <a:r>
-              <a:rPr lang="en-US" sz="2400" dirty="0"/>
-              <a:t>Symbolic execution works great on smaller problems</a:t>
-            </a:r>
-          </a:p>
-          <a:p>
-            <a:pPr lvl="1"/>
-            <a:r>
-              <a:rPr lang="en-US" sz="2000" dirty="0"/>
-              <a:t>Domain knowledge can alleviate state explosion, but this requires static analysis</a:t>
-            </a:r>
+              <a:rPr lang="en-US" dirty="0" err="1"/>
+              <a:t>print_table</a:t>
+            </a:r>
+            <a:endParaRPr lang="en-US" dirty="0"/>
           </a:p>
         </p:txBody>
       </p:sp>
@@ -9348,7 +11100,7 @@
           <p:cNvPr id="5" name="Footer Placeholder 4">
             <a:extLst>
               <a:ext uri="{FF2B5EF4-FFF2-40B4-BE49-F238E27FC236}">
-                <a16:creationId xmlns:a16="http://schemas.microsoft.com/office/drawing/2014/main" id="{640D2430-1718-6540-ABEA-6DCB5630C579}"/>
+                <a16:creationId xmlns:a16="http://schemas.microsoft.com/office/drawing/2014/main" id="{0C7C439C-8067-FE4E-A8CF-CEFE9A267739}"/>
               </a:ext>
             </a:extLst>
           </p:cNvPr>
@@ -9377,7 +11129,7 @@
           <p:cNvPr id="6" name="Slide Number Placeholder 5">
             <a:extLst>
               <a:ext uri="{FF2B5EF4-FFF2-40B4-BE49-F238E27FC236}">
-                <a16:creationId xmlns:a16="http://schemas.microsoft.com/office/drawing/2014/main" id="{A12815C0-26ED-AF44-9C67-2DA3CF8F943D}"/>
+                <a16:creationId xmlns:a16="http://schemas.microsoft.com/office/drawing/2014/main" id="{0EC46376-F68E-DF47-8E61-7BF0024A1889}"/>
               </a:ext>
             </a:extLst>
           </p:cNvPr>
@@ -9401,16 +11153,937 @@
           </a:p>
         </p:txBody>
       </p:sp>
+      <p:sp>
+        <p:nvSpPr>
+          <p:cNvPr id="7" name="Content Placeholder 2">
+            <a:extLst>
+              <a:ext uri="{FF2B5EF4-FFF2-40B4-BE49-F238E27FC236}">
+                <a16:creationId xmlns:a16="http://schemas.microsoft.com/office/drawing/2014/main" id="{6E70D953-9BFC-2C4A-8A6F-65872CB317FC}"/>
+              </a:ext>
+            </a:extLst>
+          </p:cNvPr>
+          <p:cNvSpPr>
+            <a:spLocks noGrp="1"/>
+          </p:cNvSpPr>
+          <p:nvPr>
+            <p:ph sz="half" idx="1"/>
+          </p:nvPr>
+        </p:nvSpPr>
+        <p:spPr>
+          <a:xfrm>
+            <a:off x="259879" y="780915"/>
+            <a:ext cx="8532808" cy="5631760"/>
+          </a:xfrm>
+        </p:spPr>
+        <p:txBody>
+          <a:bodyPr>
+            <a:normAutofit/>
+          </a:bodyPr>
+          <a:lstStyle/>
+          <a:p>
+            <a:pPr marL="0" lvl="0" indent="0" defTabSz="914400" eaLnBrk="0" fontAlgn="base" hangingPunct="0">
+              <a:lnSpc>
+                <a:spcPct val="100000"/>
+              </a:lnSpc>
+              <a:spcBef>
+                <a:spcPct val="0"/>
+              </a:spcBef>
+              <a:spcAft>
+                <a:spcPct val="0"/>
+              </a:spcAft>
+              <a:buNone/>
+            </a:pPr>
+            <a:r>
+              <a:rPr lang="en-US" altLang="en-US" sz="1800" b="1" dirty="0">
+                <a:solidFill>
+                  <a:srgbClr val="0000FF"/>
+                </a:solidFill>
+                <a:latin typeface="Courier New" panose="02070309020205020404" pitchFamily="49" charset="0"/>
+                <a:cs typeface="Courier New" panose="02070309020205020404" pitchFamily="49" charset="0"/>
+              </a:rPr>
+              <a:t>def </a:t>
+            </a:r>
+            <a:r>
+              <a:rPr lang="en-US" altLang="en-US" sz="1800" b="1" dirty="0" err="1">
+                <a:latin typeface="Courier New" panose="02070309020205020404" pitchFamily="49" charset="0"/>
+                <a:cs typeface="Courier New" panose="02070309020205020404" pitchFamily="49" charset="0"/>
+              </a:rPr>
+              <a:t>print_table</a:t>
+            </a:r>
+            <a:r>
+              <a:rPr lang="en-US" altLang="en-US" sz="1800" dirty="0">
+                <a:latin typeface="Courier New" panose="02070309020205020404" pitchFamily="49" charset="0"/>
+                <a:cs typeface="Courier New" panose="02070309020205020404" pitchFamily="49" charset="0"/>
+              </a:rPr>
+              <a:t>(state):</a:t>
+            </a:r>
+            <a:br>
+              <a:rPr lang="en-US" altLang="en-US" sz="1800" dirty="0">
+                <a:latin typeface="Courier New" panose="02070309020205020404" pitchFamily="49" charset="0"/>
+                <a:cs typeface="Courier New" panose="02070309020205020404" pitchFamily="49" charset="0"/>
+              </a:rPr>
+            </a:br>
+            <a:r>
+              <a:rPr lang="en-US" altLang="en-US" sz="1800" dirty="0">
+                <a:latin typeface="Courier New" panose="02070309020205020404" pitchFamily="49" charset="0"/>
+                <a:cs typeface="Courier New" panose="02070309020205020404" pitchFamily="49" charset="0"/>
+              </a:rPr>
+              <a:t>   table = </a:t>
+            </a:r>
+            <a:r>
+              <a:rPr lang="en-US" altLang="en-US" sz="1800" dirty="0" err="1">
+                <a:latin typeface="Courier New" panose="02070309020205020404" pitchFamily="49" charset="0"/>
+                <a:cs typeface="Courier New" panose="02070309020205020404" pitchFamily="49" charset="0"/>
+              </a:rPr>
+              <a:t>state.solver.</a:t>
+            </a:r>
+            <a:r>
+              <a:rPr lang="en-US" altLang="en-US" sz="1800" b="1" dirty="0" err="1">
+                <a:solidFill>
+                  <a:srgbClr val="0000FF"/>
+                </a:solidFill>
+                <a:latin typeface="Courier New" panose="02070309020205020404" pitchFamily="49" charset="0"/>
+                <a:cs typeface="Courier New" panose="02070309020205020404" pitchFamily="49" charset="0"/>
+              </a:rPr>
+              <a:t>eval</a:t>
+            </a:r>
+            <a:r>
+              <a:rPr lang="en-US" altLang="en-US" sz="1800" dirty="0">
+                <a:latin typeface="Courier New" panose="02070309020205020404" pitchFamily="49" charset="0"/>
+                <a:cs typeface="Courier New" panose="02070309020205020404" pitchFamily="49" charset="0"/>
+              </a:rPr>
+              <a:t>(</a:t>
+            </a:r>
+          </a:p>
+          <a:p>
+            <a:pPr marL="0" lvl="0" indent="0" defTabSz="914400" eaLnBrk="0" fontAlgn="base" hangingPunct="0">
+              <a:lnSpc>
+                <a:spcPct val="100000"/>
+              </a:lnSpc>
+              <a:spcBef>
+                <a:spcPct val="0"/>
+              </a:spcBef>
+              <a:spcAft>
+                <a:spcPct val="0"/>
+              </a:spcAft>
+              <a:buNone/>
+            </a:pPr>
+            <a:r>
+              <a:rPr lang="en-US" altLang="en-US" sz="1800" dirty="0">
+                <a:latin typeface="Courier New" panose="02070309020205020404" pitchFamily="49" charset="0"/>
+                <a:cs typeface="Courier New" panose="02070309020205020404" pitchFamily="49" charset="0"/>
+              </a:rPr>
+              <a:t>     </a:t>
+            </a:r>
+            <a:r>
+              <a:rPr lang="en-US" altLang="en-US" sz="1800" dirty="0" err="1">
+                <a:latin typeface="Courier New" panose="02070309020205020404" pitchFamily="49" charset="0"/>
+                <a:cs typeface="Courier New" panose="02070309020205020404" pitchFamily="49" charset="0"/>
+              </a:rPr>
+              <a:t>state.memory.load</a:t>
+            </a:r>
+            <a:r>
+              <a:rPr lang="en-US" altLang="en-US" sz="1800" dirty="0">
+                <a:latin typeface="Courier New" panose="02070309020205020404" pitchFamily="49" charset="0"/>
+                <a:cs typeface="Courier New" panose="02070309020205020404" pitchFamily="49" charset="0"/>
+              </a:rPr>
+              <a:t>(WHITE_CARD_START_ADDR, WHITE_CARD_SZ),       </a:t>
+            </a:r>
+          </a:p>
+          <a:p>
+            <a:pPr marL="0" lvl="0" indent="0" defTabSz="914400" eaLnBrk="0" fontAlgn="base" hangingPunct="0">
+              <a:lnSpc>
+                <a:spcPct val="100000"/>
+              </a:lnSpc>
+              <a:spcBef>
+                <a:spcPct val="0"/>
+              </a:spcBef>
+              <a:spcAft>
+                <a:spcPct val="0"/>
+              </a:spcAft>
+              <a:buNone/>
+            </a:pPr>
+            <a:r>
+              <a:rPr lang="en-US" altLang="en-US" sz="1800" dirty="0">
+                <a:latin typeface="Courier New" panose="02070309020205020404" pitchFamily="49" charset="0"/>
+                <a:cs typeface="Courier New" panose="02070309020205020404" pitchFamily="49" charset="0"/>
+              </a:rPr>
+              <a:t>     </a:t>
+            </a:r>
+            <a:r>
+              <a:rPr lang="en-US" altLang="en-US" sz="1800" dirty="0" err="1">
+                <a:latin typeface="Courier New" panose="02070309020205020404" pitchFamily="49" charset="0"/>
+                <a:cs typeface="Courier New" panose="02070309020205020404" pitchFamily="49" charset="0"/>
+              </a:rPr>
+              <a:t>cast_to</a:t>
+            </a:r>
+            <a:r>
+              <a:rPr lang="en-US" altLang="en-US" sz="1800" dirty="0">
+                <a:latin typeface="Courier New" panose="02070309020205020404" pitchFamily="49" charset="0"/>
+                <a:cs typeface="Courier New" panose="02070309020205020404" pitchFamily="49" charset="0"/>
+              </a:rPr>
+              <a:t>=</a:t>
+            </a:r>
+            <a:r>
+              <a:rPr lang="en-US" altLang="en-US" sz="1800" b="1" dirty="0">
+                <a:solidFill>
+                  <a:srgbClr val="0000FF"/>
+                </a:solidFill>
+                <a:latin typeface="Courier New" panose="02070309020205020404" pitchFamily="49" charset="0"/>
+                <a:cs typeface="Courier New" panose="02070309020205020404" pitchFamily="49" charset="0"/>
+              </a:rPr>
+              <a:t>bytes</a:t>
+            </a:r>
+            <a:r>
+              <a:rPr lang="en-US" altLang="en-US" sz="1800" dirty="0">
+                <a:latin typeface="Courier New" panose="02070309020205020404" pitchFamily="49" charset="0"/>
+                <a:cs typeface="Courier New" panose="02070309020205020404" pitchFamily="49" charset="0"/>
+              </a:rPr>
+              <a:t>)</a:t>
+            </a:r>
+          </a:p>
+          <a:p>
+            <a:pPr marL="0" lvl="0" indent="0" defTabSz="914400" eaLnBrk="0" fontAlgn="base" hangingPunct="0">
+              <a:lnSpc>
+                <a:spcPct val="100000"/>
+              </a:lnSpc>
+              <a:spcBef>
+                <a:spcPct val="0"/>
+              </a:spcBef>
+              <a:spcAft>
+                <a:spcPct val="0"/>
+              </a:spcAft>
+              <a:buNone/>
+            </a:pPr>
+            <a:br>
+              <a:rPr lang="en-US" altLang="en-US" sz="1800" dirty="0">
+                <a:latin typeface="Courier New" panose="02070309020205020404" pitchFamily="49" charset="0"/>
+                <a:cs typeface="Courier New" panose="02070309020205020404" pitchFamily="49" charset="0"/>
+              </a:rPr>
+            </a:br>
+            <a:r>
+              <a:rPr lang="en-US" altLang="en-US" sz="1800" dirty="0">
+                <a:latin typeface="Courier New" panose="02070309020205020404" pitchFamily="49" charset="0"/>
+                <a:cs typeface="Courier New" panose="02070309020205020404" pitchFamily="49" charset="0"/>
+              </a:rPr>
+              <a:t>   buttons = </a:t>
+            </a:r>
+            <a:r>
+              <a:rPr lang="en-US" altLang="en-US" sz="1800" dirty="0" err="1">
+                <a:latin typeface="Courier New" panose="02070309020205020404" pitchFamily="49" charset="0"/>
+                <a:cs typeface="Courier New" panose="02070309020205020404" pitchFamily="49" charset="0"/>
+              </a:rPr>
+              <a:t>state.solver.</a:t>
+            </a:r>
+            <a:r>
+              <a:rPr lang="en-US" altLang="en-US" sz="1800" b="1" dirty="0" err="1">
+                <a:solidFill>
+                  <a:srgbClr val="0000FF"/>
+                </a:solidFill>
+                <a:latin typeface="Courier New" panose="02070309020205020404" pitchFamily="49" charset="0"/>
+                <a:cs typeface="Courier New" panose="02070309020205020404" pitchFamily="49" charset="0"/>
+              </a:rPr>
+              <a:t>eval</a:t>
+            </a:r>
+            <a:r>
+              <a:rPr lang="en-US" altLang="en-US" sz="1800" dirty="0">
+                <a:latin typeface="Courier New" panose="02070309020205020404" pitchFamily="49" charset="0"/>
+                <a:cs typeface="Courier New" panose="02070309020205020404" pitchFamily="49" charset="0"/>
+              </a:rPr>
+              <a:t>(</a:t>
+            </a:r>
+          </a:p>
+          <a:p>
+            <a:pPr marL="0" lvl="0" indent="0" defTabSz="914400" eaLnBrk="0" fontAlgn="base" hangingPunct="0">
+              <a:lnSpc>
+                <a:spcPct val="100000"/>
+              </a:lnSpc>
+              <a:spcBef>
+                <a:spcPct val="0"/>
+              </a:spcBef>
+              <a:spcAft>
+                <a:spcPct val="0"/>
+              </a:spcAft>
+              <a:buNone/>
+            </a:pPr>
+            <a:r>
+              <a:rPr lang="en-US" altLang="en-US" sz="1800" dirty="0">
+                <a:latin typeface="Courier New" panose="02070309020205020404" pitchFamily="49" charset="0"/>
+                <a:cs typeface="Courier New" panose="02070309020205020404" pitchFamily="49" charset="0"/>
+              </a:rPr>
+              <a:t>     </a:t>
+            </a:r>
+            <a:r>
+              <a:rPr lang="en-US" altLang="en-US" sz="1800" dirty="0" err="1">
+                <a:latin typeface="Courier New" panose="02070309020205020404" pitchFamily="49" charset="0"/>
+                <a:cs typeface="Courier New" panose="02070309020205020404" pitchFamily="49" charset="0"/>
+              </a:rPr>
+              <a:t>state.memory.load</a:t>
+            </a:r>
+            <a:r>
+              <a:rPr lang="en-US" altLang="en-US" sz="1800" dirty="0">
+                <a:latin typeface="Courier New" panose="02070309020205020404" pitchFamily="49" charset="0"/>
+                <a:cs typeface="Courier New" panose="02070309020205020404" pitchFamily="49" charset="0"/>
+              </a:rPr>
+              <a:t>(</a:t>
+            </a:r>
+            <a:r>
+              <a:rPr lang="en-US" sz="1800" dirty="0">
+                <a:latin typeface="Courier New" panose="02070309020205020404" pitchFamily="49" charset="0"/>
+                <a:cs typeface="Courier New" panose="02070309020205020404" pitchFamily="49" charset="0"/>
+              </a:rPr>
+              <a:t>BUTTON_OFFSET, 1), </a:t>
+            </a:r>
+            <a:r>
+              <a:rPr lang="en-US" sz="1800" dirty="0" err="1">
+                <a:latin typeface="Courier New" panose="02070309020205020404" pitchFamily="49" charset="0"/>
+                <a:cs typeface="Courier New" panose="02070309020205020404" pitchFamily="49" charset="0"/>
+              </a:rPr>
+              <a:t>cast_to</a:t>
+            </a:r>
+            <a:r>
+              <a:rPr lang="en-US" sz="1800" dirty="0">
+                <a:latin typeface="Courier New" panose="02070309020205020404" pitchFamily="49" charset="0"/>
+                <a:cs typeface="Courier New" panose="02070309020205020404" pitchFamily="49" charset="0"/>
+              </a:rPr>
+              <a:t>=</a:t>
+            </a:r>
+            <a:r>
+              <a:rPr lang="en-US" sz="1800" b="1" dirty="0">
+                <a:solidFill>
+                  <a:srgbClr val="0000FF"/>
+                </a:solidFill>
+                <a:latin typeface="Courier New" panose="02070309020205020404" pitchFamily="49" charset="0"/>
+                <a:cs typeface="Courier New" panose="02070309020205020404" pitchFamily="49" charset="0"/>
+              </a:rPr>
+              <a:t>int</a:t>
+            </a:r>
+            <a:r>
+              <a:rPr lang="en-US" sz="1800" dirty="0">
+                <a:latin typeface="Courier New" panose="02070309020205020404" pitchFamily="49" charset="0"/>
+                <a:cs typeface="Courier New" panose="02070309020205020404" pitchFamily="49" charset="0"/>
+              </a:rPr>
+              <a:t>) </a:t>
+            </a:r>
+          </a:p>
+          <a:p>
+            <a:pPr marL="0" indent="0">
+              <a:buNone/>
+            </a:pPr>
+            <a:r>
+              <a:rPr lang="en-US" sz="1800" dirty="0">
+                <a:latin typeface="Courier New" panose="02070309020205020404" pitchFamily="49" charset="0"/>
+                <a:cs typeface="Courier New" panose="02070309020205020404" pitchFamily="49" charset="0"/>
+              </a:rPr>
+              <a:t>   </a:t>
+            </a:r>
+            <a:r>
+              <a:rPr lang="en-US" sz="1800" dirty="0" err="1">
+                <a:latin typeface="Courier New" panose="02070309020205020404" pitchFamily="49" charset="0"/>
+                <a:cs typeface="Courier New" panose="02070309020205020404" pitchFamily="49" charset="0"/>
+              </a:rPr>
+              <a:t>arr</a:t>
+            </a:r>
+            <a:r>
+              <a:rPr lang="en-US" sz="1800" dirty="0">
+                <a:latin typeface="Courier New" panose="02070309020205020404" pitchFamily="49" charset="0"/>
+                <a:cs typeface="Courier New" panose="02070309020205020404" pitchFamily="49" charset="0"/>
+              </a:rPr>
+              <a:t> = [], output = “”</a:t>
+            </a:r>
+            <a:br>
+              <a:rPr lang="en-US" sz="1800" dirty="0">
+                <a:latin typeface="Courier New" panose="02070309020205020404" pitchFamily="49" charset="0"/>
+                <a:cs typeface="Courier New" panose="02070309020205020404" pitchFamily="49" charset="0"/>
+              </a:rPr>
+            </a:br>
+            <a:r>
+              <a:rPr lang="en-US" sz="1800" dirty="0">
+                <a:latin typeface="Courier New" panose="02070309020205020404" pitchFamily="49" charset="0"/>
+                <a:cs typeface="Courier New" panose="02070309020205020404" pitchFamily="49" charset="0"/>
+              </a:rPr>
+              <a:t>   </a:t>
+            </a:r>
+          </a:p>
+          <a:p>
+            <a:pPr marL="0" indent="0">
+              <a:buNone/>
+            </a:pPr>
+            <a:r>
+              <a:rPr lang="en-US" sz="1800" b="1" dirty="0">
+                <a:solidFill>
+                  <a:srgbClr val="0000FF"/>
+                </a:solidFill>
+                <a:latin typeface="Courier New" panose="02070309020205020404" pitchFamily="49" charset="0"/>
+                <a:cs typeface="Courier New" panose="02070309020205020404" pitchFamily="49" charset="0"/>
+              </a:rPr>
+              <a:t>   for </a:t>
+            </a:r>
+            <a:r>
+              <a:rPr lang="en-US" sz="1800" dirty="0" err="1">
+                <a:latin typeface="Courier New" panose="02070309020205020404" pitchFamily="49" charset="0"/>
+                <a:cs typeface="Courier New" panose="02070309020205020404" pitchFamily="49" charset="0"/>
+              </a:rPr>
+              <a:t>i</a:t>
+            </a:r>
+            <a:r>
+              <a:rPr lang="en-US" sz="1800" dirty="0">
+                <a:latin typeface="Courier New" panose="02070309020205020404" pitchFamily="49" charset="0"/>
+                <a:cs typeface="Courier New" panose="02070309020205020404" pitchFamily="49" charset="0"/>
+              </a:rPr>
+              <a:t> </a:t>
+            </a:r>
+            <a:r>
+              <a:rPr lang="en-US" sz="1800" b="1" dirty="0">
+                <a:solidFill>
+                  <a:srgbClr val="0000FF"/>
+                </a:solidFill>
+                <a:latin typeface="Courier New" panose="02070309020205020404" pitchFamily="49" charset="0"/>
+                <a:cs typeface="Courier New" panose="02070309020205020404" pitchFamily="49" charset="0"/>
+              </a:rPr>
+              <a:t>in range</a:t>
+            </a:r>
+            <a:r>
+              <a:rPr lang="en-US" sz="1800" dirty="0">
+                <a:latin typeface="Courier New" panose="02070309020205020404" pitchFamily="49" charset="0"/>
+                <a:cs typeface="Courier New" panose="02070309020205020404" pitchFamily="49" charset="0"/>
+              </a:rPr>
+              <a:t>(64): </a:t>
+            </a:r>
+            <a:br>
+              <a:rPr lang="en-US" sz="1800" dirty="0">
+                <a:latin typeface="Courier New" panose="02070309020205020404" pitchFamily="49" charset="0"/>
+                <a:cs typeface="Courier New" panose="02070309020205020404" pitchFamily="49" charset="0"/>
+              </a:rPr>
+            </a:br>
+            <a:r>
+              <a:rPr lang="en-US" sz="1800" dirty="0">
+                <a:latin typeface="Courier New" panose="02070309020205020404" pitchFamily="49" charset="0"/>
+                <a:cs typeface="Courier New" panose="02070309020205020404" pitchFamily="49" charset="0"/>
+              </a:rPr>
+              <a:t>      </a:t>
+            </a:r>
+            <a:r>
+              <a:rPr lang="en-US" sz="1800" dirty="0" err="1">
+                <a:latin typeface="Courier New" panose="02070309020205020404" pitchFamily="49" charset="0"/>
+                <a:cs typeface="Courier New" panose="02070309020205020404" pitchFamily="49" charset="0"/>
+              </a:rPr>
+              <a:t>arr</a:t>
+            </a:r>
+            <a:r>
+              <a:rPr lang="en-US" sz="1800" dirty="0">
+                <a:latin typeface="Courier New" panose="02070309020205020404" pitchFamily="49" charset="0"/>
+                <a:cs typeface="Courier New" panose="02070309020205020404" pitchFamily="49" charset="0"/>
+              </a:rPr>
+              <a:t> += [[c </a:t>
+            </a:r>
+            <a:r>
+              <a:rPr lang="en-US" sz="1800" b="1" dirty="0">
+                <a:solidFill>
+                  <a:srgbClr val="0000FF"/>
+                </a:solidFill>
+                <a:latin typeface="Courier New" panose="02070309020205020404" pitchFamily="49" charset="0"/>
+                <a:cs typeface="Courier New" panose="02070309020205020404" pitchFamily="49" charset="0"/>
+              </a:rPr>
+              <a:t>for </a:t>
+            </a:r>
+            <a:r>
+              <a:rPr lang="en-US" sz="1800" dirty="0">
+                <a:latin typeface="Courier New" panose="02070309020205020404" pitchFamily="49" charset="0"/>
+                <a:cs typeface="Courier New" panose="02070309020205020404" pitchFamily="49" charset="0"/>
+              </a:rPr>
+              <a:t>c </a:t>
+            </a:r>
+            <a:r>
+              <a:rPr lang="en-US" sz="1800" b="1" dirty="0">
+                <a:solidFill>
+                  <a:srgbClr val="0000FF"/>
+                </a:solidFill>
+                <a:latin typeface="Courier New" panose="02070309020205020404" pitchFamily="49" charset="0"/>
+                <a:cs typeface="Courier New" panose="02070309020205020404" pitchFamily="49" charset="0"/>
+              </a:rPr>
+              <a:t>in </a:t>
+            </a:r>
+            <a:r>
+              <a:rPr lang="en-US" sz="1800" dirty="0">
+                <a:latin typeface="Courier New" panose="02070309020205020404" pitchFamily="49" charset="0"/>
+                <a:cs typeface="Courier New" panose="02070309020205020404" pitchFamily="49" charset="0"/>
+              </a:rPr>
+              <a:t>table[</a:t>
+            </a:r>
+            <a:r>
+              <a:rPr lang="en-US" sz="1800" dirty="0" err="1">
+                <a:latin typeface="Courier New" panose="02070309020205020404" pitchFamily="49" charset="0"/>
+                <a:cs typeface="Courier New" panose="02070309020205020404" pitchFamily="49" charset="0"/>
+              </a:rPr>
+              <a:t>i</a:t>
+            </a:r>
+            <a:r>
+              <a:rPr lang="en-US" sz="1800" dirty="0">
+                <a:latin typeface="Courier New" panose="02070309020205020404" pitchFamily="49" charset="0"/>
+                <a:cs typeface="Courier New" panose="02070309020205020404" pitchFamily="49" charset="0"/>
+              </a:rPr>
+              <a:t>*16:(i+1)*16]]] </a:t>
+            </a:r>
+          </a:p>
+          <a:p>
+            <a:pPr marL="0" indent="0">
+              <a:buNone/>
+            </a:pPr>
+            <a:r>
+              <a:rPr lang="en-US" sz="1800" dirty="0">
+                <a:latin typeface="Courier New" panose="02070309020205020404" pitchFamily="49" charset="0"/>
+                <a:cs typeface="Courier New" panose="02070309020205020404" pitchFamily="49" charset="0"/>
+              </a:rPr>
+              <a:t>   ...</a:t>
+            </a:r>
+          </a:p>
+          <a:p>
+            <a:pPr marL="0" indent="0">
+              <a:buNone/>
+            </a:pPr>
+            <a:endParaRPr lang="en-US" sz="1800" b="1" dirty="0">
+              <a:solidFill>
+                <a:srgbClr val="0000FF"/>
+              </a:solidFill>
+              <a:latin typeface="Courier New" panose="02070309020205020404" pitchFamily="49" charset="0"/>
+              <a:cs typeface="Courier New" panose="02070309020205020404" pitchFamily="49" charset="0"/>
+            </a:endParaRPr>
+          </a:p>
+          <a:p>
+            <a:pPr marL="0" indent="0">
+              <a:buNone/>
+            </a:pPr>
+            <a:r>
+              <a:rPr lang="en-US" sz="1800" b="1" dirty="0">
+                <a:solidFill>
+                  <a:srgbClr val="0000FF"/>
+                </a:solidFill>
+                <a:latin typeface="Courier New" panose="02070309020205020404" pitchFamily="49" charset="0"/>
+                <a:cs typeface="Courier New" panose="02070309020205020404" pitchFamily="49" charset="0"/>
+              </a:rPr>
+              <a:t>   print</a:t>
+            </a:r>
+            <a:r>
+              <a:rPr lang="en-US" sz="1800" dirty="0">
+                <a:latin typeface="Courier New" panose="02070309020205020404" pitchFamily="49" charset="0"/>
+                <a:cs typeface="Courier New" panose="02070309020205020404" pitchFamily="49" charset="0"/>
+              </a:rPr>
+              <a:t>(</a:t>
+            </a:r>
+            <a:r>
+              <a:rPr lang="en-US" sz="1800" dirty="0">
+                <a:solidFill>
+                  <a:srgbClr val="007F3F"/>
+                </a:solidFill>
+                <a:latin typeface="Courier New" panose="02070309020205020404" pitchFamily="49" charset="0"/>
+                <a:cs typeface="Courier New" panose="02070309020205020404" pitchFamily="49" charset="0"/>
+              </a:rPr>
+              <a:t>"\</a:t>
+            </a:r>
+            <a:r>
+              <a:rPr lang="en-US" sz="1800" dirty="0" err="1">
+                <a:solidFill>
+                  <a:srgbClr val="007F3F"/>
+                </a:solidFill>
+                <a:latin typeface="Courier New" panose="02070309020205020404" pitchFamily="49" charset="0"/>
+                <a:cs typeface="Courier New" panose="02070309020205020404" pitchFamily="49" charset="0"/>
+              </a:rPr>
+              <a:t>n"</a:t>
+            </a:r>
+            <a:r>
+              <a:rPr lang="en-US" sz="1800" dirty="0" err="1">
+                <a:latin typeface="Courier New" panose="02070309020205020404" pitchFamily="49" charset="0"/>
+                <a:cs typeface="Courier New" panose="02070309020205020404" pitchFamily="49" charset="0"/>
+              </a:rPr>
+              <a:t>.join</a:t>
+            </a:r>
+            <a:r>
+              <a:rPr lang="en-US" sz="1800" dirty="0">
+                <a:latin typeface="Courier New" panose="02070309020205020404" pitchFamily="49" charset="0"/>
+                <a:cs typeface="Courier New" panose="02070309020205020404" pitchFamily="49" charset="0"/>
+              </a:rPr>
+              <a:t>(output))</a:t>
+            </a:r>
+          </a:p>
+        </p:txBody>
+      </p:sp>
     </p:spTree>
     <p:extLst>
       <p:ext uri="{BB962C8B-B14F-4D97-AF65-F5344CB8AC3E}">
-        <p14:creationId xmlns:p14="http://schemas.microsoft.com/office/powerpoint/2010/main" val="1626006232"/>
+        <p14:creationId xmlns:p14="http://schemas.microsoft.com/office/powerpoint/2010/main" val="1742246575"/>
       </p:ext>
     </p:extLst>
   </p:cSld>
   <p:clrMapOvr>
     <a:masterClrMapping/>
   </p:clrMapOvr>
+  <p:timing>
+    <p:tnLst>
+      <p:par>
+        <p:cTn id="1" dur="indefinite" restart="never" nodeType="tmRoot">
+          <p:childTnLst>
+            <p:seq concurrent="1" nextAc="seek">
+              <p:cTn id="2" dur="indefinite" nodeType="mainSeq">
+                <p:childTnLst>
+                  <p:par>
+                    <p:cTn id="3" fill="hold">
+                      <p:stCondLst>
+                        <p:cond delay="indefinite"/>
+                      </p:stCondLst>
+                      <p:childTnLst>
+                        <p:par>
+                          <p:cTn id="4" fill="hold">
+                            <p:stCondLst>
+                              <p:cond delay="0"/>
+                            </p:stCondLst>
+                            <p:childTnLst>
+                              <p:par>
+                                <p:cTn id="5" presetID="1" presetClass="entr" presetSubtype="0" fill="hold" grpId="0" nodeType="clickEffect">
+                                  <p:stCondLst>
+                                    <p:cond delay="0"/>
+                                  </p:stCondLst>
+                                  <p:childTnLst>
+                                    <p:set>
+                                      <p:cBhvr>
+                                        <p:cTn id="6" dur="1" fill="hold">
+                                          <p:stCondLst>
+                                            <p:cond delay="0"/>
+                                          </p:stCondLst>
+                                        </p:cTn>
+                                        <p:tgtEl>
+                                          <p:spTgt spid="7">
+                                            <p:txEl>
+                                              <p:pRg st="0" end="0"/>
+                                            </p:txEl>
+                                          </p:spTgt>
+                                        </p:tgtEl>
+                                        <p:attrNameLst>
+                                          <p:attrName>style.visibility</p:attrName>
+                                        </p:attrNameLst>
+                                      </p:cBhvr>
+                                      <p:to>
+                                        <p:strVal val="visible"/>
+                                      </p:to>
+                                    </p:set>
+                                  </p:childTnLst>
+                                </p:cTn>
+                              </p:par>
+                              <p:par>
+                                <p:cTn id="7" presetID="1" presetClass="entr" presetSubtype="0" fill="hold" grpId="0" nodeType="withEffect">
+                                  <p:stCondLst>
+                                    <p:cond delay="0"/>
+                                  </p:stCondLst>
+                                  <p:childTnLst>
+                                    <p:set>
+                                      <p:cBhvr>
+                                        <p:cTn id="8" dur="1" fill="hold">
+                                          <p:stCondLst>
+                                            <p:cond delay="0"/>
+                                          </p:stCondLst>
+                                        </p:cTn>
+                                        <p:tgtEl>
+                                          <p:spTgt spid="7">
+                                            <p:txEl>
+                                              <p:pRg st="1" end="1"/>
+                                            </p:txEl>
+                                          </p:spTgt>
+                                        </p:tgtEl>
+                                        <p:attrNameLst>
+                                          <p:attrName>style.visibility</p:attrName>
+                                        </p:attrNameLst>
+                                      </p:cBhvr>
+                                      <p:to>
+                                        <p:strVal val="visible"/>
+                                      </p:to>
+                                    </p:set>
+                                  </p:childTnLst>
+                                </p:cTn>
+                              </p:par>
+                              <p:par>
+                                <p:cTn id="9" presetID="1" presetClass="entr" presetSubtype="0" fill="hold" grpId="0" nodeType="withEffect">
+                                  <p:stCondLst>
+                                    <p:cond delay="0"/>
+                                  </p:stCondLst>
+                                  <p:childTnLst>
+                                    <p:set>
+                                      <p:cBhvr>
+                                        <p:cTn id="10" dur="1" fill="hold">
+                                          <p:stCondLst>
+                                            <p:cond delay="0"/>
+                                          </p:stCondLst>
+                                        </p:cTn>
+                                        <p:tgtEl>
+                                          <p:spTgt spid="7">
+                                            <p:txEl>
+                                              <p:pRg st="2" end="2"/>
+                                            </p:txEl>
+                                          </p:spTgt>
+                                        </p:tgtEl>
+                                        <p:attrNameLst>
+                                          <p:attrName>style.visibility</p:attrName>
+                                        </p:attrNameLst>
+                                      </p:cBhvr>
+                                      <p:to>
+                                        <p:strVal val="visible"/>
+                                      </p:to>
+                                    </p:set>
+                                  </p:childTnLst>
+                                </p:cTn>
+                              </p:par>
+                            </p:childTnLst>
+                          </p:cTn>
+                        </p:par>
+                      </p:childTnLst>
+                    </p:cTn>
+                  </p:par>
+                  <p:par>
+                    <p:cTn id="11" fill="hold">
+                      <p:stCondLst>
+                        <p:cond delay="indefinite"/>
+                      </p:stCondLst>
+                      <p:childTnLst>
+                        <p:par>
+                          <p:cTn id="12" fill="hold">
+                            <p:stCondLst>
+                              <p:cond delay="0"/>
+                            </p:stCondLst>
+                            <p:childTnLst>
+                              <p:par>
+                                <p:cTn id="13" presetID="1" presetClass="entr" presetSubtype="0" fill="hold" grpId="0" nodeType="clickEffect">
+                                  <p:stCondLst>
+                                    <p:cond delay="0"/>
+                                  </p:stCondLst>
+                                  <p:childTnLst>
+                                    <p:set>
+                                      <p:cBhvr>
+                                        <p:cTn id="14" dur="1" fill="hold">
+                                          <p:stCondLst>
+                                            <p:cond delay="0"/>
+                                          </p:stCondLst>
+                                        </p:cTn>
+                                        <p:tgtEl>
+                                          <p:spTgt spid="7">
+                                            <p:txEl>
+                                              <p:pRg st="3" end="3"/>
+                                            </p:txEl>
+                                          </p:spTgt>
+                                        </p:tgtEl>
+                                        <p:attrNameLst>
+                                          <p:attrName>style.visibility</p:attrName>
+                                        </p:attrNameLst>
+                                      </p:cBhvr>
+                                      <p:to>
+                                        <p:strVal val="visible"/>
+                                      </p:to>
+                                    </p:set>
+                                  </p:childTnLst>
+                                </p:cTn>
+                              </p:par>
+                              <p:par>
+                                <p:cTn id="15" presetID="1" presetClass="entr" presetSubtype="0" fill="hold" grpId="0" nodeType="withEffect">
+                                  <p:stCondLst>
+                                    <p:cond delay="0"/>
+                                  </p:stCondLst>
+                                  <p:childTnLst>
+                                    <p:set>
+                                      <p:cBhvr>
+                                        <p:cTn id="16" dur="1" fill="hold">
+                                          <p:stCondLst>
+                                            <p:cond delay="0"/>
+                                          </p:stCondLst>
+                                        </p:cTn>
+                                        <p:tgtEl>
+                                          <p:spTgt spid="7">
+                                            <p:txEl>
+                                              <p:pRg st="4" end="4"/>
+                                            </p:txEl>
+                                          </p:spTgt>
+                                        </p:tgtEl>
+                                        <p:attrNameLst>
+                                          <p:attrName>style.visibility</p:attrName>
+                                        </p:attrNameLst>
+                                      </p:cBhvr>
+                                      <p:to>
+                                        <p:strVal val="visible"/>
+                                      </p:to>
+                                    </p:set>
+                                  </p:childTnLst>
+                                </p:cTn>
+                              </p:par>
+                            </p:childTnLst>
+                          </p:cTn>
+                        </p:par>
+                      </p:childTnLst>
+                    </p:cTn>
+                  </p:par>
+                  <p:par>
+                    <p:cTn id="17" fill="hold">
+                      <p:stCondLst>
+                        <p:cond delay="indefinite"/>
+                      </p:stCondLst>
+                      <p:childTnLst>
+                        <p:par>
+                          <p:cTn id="18" fill="hold">
+                            <p:stCondLst>
+                              <p:cond delay="0"/>
+                            </p:stCondLst>
+                            <p:childTnLst>
+                              <p:par>
+                                <p:cTn id="19" presetID="1" presetClass="entr" presetSubtype="0" fill="hold" grpId="0" nodeType="clickEffect">
+                                  <p:stCondLst>
+                                    <p:cond delay="0"/>
+                                  </p:stCondLst>
+                                  <p:childTnLst>
+                                    <p:set>
+                                      <p:cBhvr>
+                                        <p:cTn id="20" dur="1" fill="hold">
+                                          <p:stCondLst>
+                                            <p:cond delay="0"/>
+                                          </p:stCondLst>
+                                        </p:cTn>
+                                        <p:tgtEl>
+                                          <p:spTgt spid="7">
+                                            <p:txEl>
+                                              <p:pRg st="5" end="5"/>
+                                            </p:txEl>
+                                          </p:spTgt>
+                                        </p:tgtEl>
+                                        <p:attrNameLst>
+                                          <p:attrName>style.visibility</p:attrName>
+                                        </p:attrNameLst>
+                                      </p:cBhvr>
+                                      <p:to>
+                                        <p:strVal val="visible"/>
+                                      </p:to>
+                                    </p:set>
+                                  </p:childTnLst>
+                                </p:cTn>
+                              </p:par>
+                              <p:par>
+                                <p:cTn id="21" presetID="1" presetClass="entr" presetSubtype="0" fill="hold" grpId="0" nodeType="withEffect">
+                                  <p:stCondLst>
+                                    <p:cond delay="0"/>
+                                  </p:stCondLst>
+                                  <p:childTnLst>
+                                    <p:set>
+                                      <p:cBhvr>
+                                        <p:cTn id="22" dur="1" fill="hold">
+                                          <p:stCondLst>
+                                            <p:cond delay="0"/>
+                                          </p:stCondLst>
+                                        </p:cTn>
+                                        <p:tgtEl>
+                                          <p:spTgt spid="7">
+                                            <p:txEl>
+                                              <p:pRg st="6" end="6"/>
+                                            </p:txEl>
+                                          </p:spTgt>
+                                        </p:tgtEl>
+                                        <p:attrNameLst>
+                                          <p:attrName>style.visibility</p:attrName>
+                                        </p:attrNameLst>
+                                      </p:cBhvr>
+                                      <p:to>
+                                        <p:strVal val="visible"/>
+                                      </p:to>
+                                    </p:set>
+                                  </p:childTnLst>
+                                </p:cTn>
+                              </p:par>
+                              <p:par>
+                                <p:cTn id="23" presetID="1" presetClass="entr" presetSubtype="0" fill="hold" grpId="0" nodeType="withEffect">
+                                  <p:stCondLst>
+                                    <p:cond delay="0"/>
+                                  </p:stCondLst>
+                                  <p:childTnLst>
+                                    <p:set>
+                                      <p:cBhvr>
+                                        <p:cTn id="24" dur="1" fill="hold">
+                                          <p:stCondLst>
+                                            <p:cond delay="0"/>
+                                          </p:stCondLst>
+                                        </p:cTn>
+                                        <p:tgtEl>
+                                          <p:spTgt spid="7">
+                                            <p:txEl>
+                                              <p:pRg st="7" end="7"/>
+                                            </p:txEl>
+                                          </p:spTgt>
+                                        </p:tgtEl>
+                                        <p:attrNameLst>
+                                          <p:attrName>style.visibility</p:attrName>
+                                        </p:attrNameLst>
+                                      </p:cBhvr>
+                                      <p:to>
+                                        <p:strVal val="visible"/>
+                                      </p:to>
+                                    </p:set>
+                                  </p:childTnLst>
+                                </p:cTn>
+                              </p:par>
+                              <p:par>
+                                <p:cTn id="25" presetID="1" presetClass="entr" presetSubtype="0" fill="hold" grpId="0" nodeType="withEffect">
+                                  <p:stCondLst>
+                                    <p:cond delay="0"/>
+                                  </p:stCondLst>
+                                  <p:childTnLst>
+                                    <p:set>
+                                      <p:cBhvr>
+                                        <p:cTn id="26" dur="1" fill="hold">
+                                          <p:stCondLst>
+                                            <p:cond delay="0"/>
+                                          </p:stCondLst>
+                                        </p:cTn>
+                                        <p:tgtEl>
+                                          <p:spTgt spid="7">
+                                            <p:txEl>
+                                              <p:pRg st="9" end="9"/>
+                                            </p:txEl>
+                                          </p:spTgt>
+                                        </p:tgtEl>
+                                        <p:attrNameLst>
+                                          <p:attrName>style.visibility</p:attrName>
+                                        </p:attrNameLst>
+                                      </p:cBhvr>
+                                      <p:to>
+                                        <p:strVal val="visible"/>
+                                      </p:to>
+                                    </p:set>
+                                  </p:childTnLst>
+                                </p:cTn>
+                              </p:par>
+                            </p:childTnLst>
+                          </p:cTn>
+                        </p:par>
+                      </p:childTnLst>
+                    </p:cTn>
+                  </p:par>
+                </p:childTnLst>
+              </p:cTn>
+              <p:prevCondLst>
+                <p:cond evt="onPrev" delay="0">
+                  <p:tgtEl>
+                    <p:sldTgt/>
+                  </p:tgtEl>
+                </p:cond>
+              </p:prevCondLst>
+              <p:nextCondLst>
+                <p:cond evt="onNext" delay="0">
+                  <p:tgtEl>
+                    <p:sldTgt/>
+                  </p:tgtEl>
+                </p:cond>
+              </p:nextCondLst>
+            </p:seq>
+          </p:childTnLst>
+        </p:cTn>
+      </p:par>
+    </p:tnLst>
+    <p:bldLst>
+      <p:bldP spid="7" grpId="0" uiExpand="1" build="p"/>
+    </p:bldLst>
+  </p:timing>
 </p:sld>
 </file>
 
@@ -9433,18 +12106,18 @@
       </p:grpSpPr>
       <p:sp>
         <p:nvSpPr>
-          <p:cNvPr id="6" name="Title 5">
-            <a:extLst>
-              <a:ext uri="{FF2B5EF4-FFF2-40B4-BE49-F238E27FC236}">
-                <a16:creationId xmlns:a16="http://schemas.microsoft.com/office/drawing/2014/main" id="{574BF6F1-CB14-B44F-9930-68B1432D36B6}"/>
-              </a:ext>
-            </a:extLst>
-          </p:cNvPr>
-          <p:cNvSpPr>
-            <a:spLocks noGrp="1"/>
-          </p:cNvSpPr>
-          <p:nvPr>
-            <p:ph type="ctrTitle"/>
+          <p:cNvPr id="2" name="Title 1">
+            <a:extLst>
+              <a:ext uri="{FF2B5EF4-FFF2-40B4-BE49-F238E27FC236}">
+                <a16:creationId xmlns:a16="http://schemas.microsoft.com/office/drawing/2014/main" id="{01BB20F8-64B3-2846-9666-67B83B3570BA}"/>
+              </a:ext>
+            </a:extLst>
+          </p:cNvPr>
+          <p:cNvSpPr>
+            <a:spLocks noGrp="1"/>
+          </p:cNvSpPr>
+          <p:nvPr>
+            <p:ph type="title"/>
           </p:nvPr>
         </p:nvSpPr>
         <p:spPr/>
@@ -9453,26 +12126,123 @@
           <a:lstStyle/>
           <a:p>
             <a:r>
-              <a:rPr lang="en-US" sz="6000" dirty="0"/>
-              <a:t>Thank you!</a:t>
-            </a:r>
-          </a:p>
-        </p:txBody>
-      </p:sp>
-      <p:sp>
-        <p:nvSpPr>
-          <p:cNvPr id="7" name="Subtitle 6">
-            <a:extLst>
-              <a:ext uri="{FF2B5EF4-FFF2-40B4-BE49-F238E27FC236}">
-                <a16:creationId xmlns:a16="http://schemas.microsoft.com/office/drawing/2014/main" id="{E4DC7032-9139-984E-8DE6-69B39100CAAB}"/>
-              </a:ext>
-            </a:extLst>
-          </p:cNvPr>
-          <p:cNvSpPr>
-            <a:spLocks noGrp="1"/>
-          </p:cNvSpPr>
-          <p:nvPr>
-            <p:ph type="subTitle" idx="1"/>
+              <a:rPr lang="en-US" dirty="0"/>
+              <a:t>Getting Angry: Execution Troubles</a:t>
+            </a:r>
+          </a:p>
+        </p:txBody>
+      </p:sp>
+      <p:sp>
+        <p:nvSpPr>
+          <p:cNvPr id="7" name="Content Placeholder 6">
+            <a:extLst>
+              <a:ext uri="{FF2B5EF4-FFF2-40B4-BE49-F238E27FC236}">
+                <a16:creationId xmlns:a16="http://schemas.microsoft.com/office/drawing/2014/main" id="{FFE858F7-1A48-3440-B8CA-A2911368A4F3}"/>
+              </a:ext>
+            </a:extLst>
+          </p:cNvPr>
+          <p:cNvSpPr>
+            <a:spLocks noGrp="1"/>
+          </p:cNvSpPr>
+          <p:nvPr>
+            <p:ph idx="1"/>
+          </p:nvPr>
+        </p:nvSpPr>
+        <p:spPr>
+          <a:xfrm>
+            <a:off x="332509" y="1030941"/>
+            <a:ext cx="8182841" cy="5146022"/>
+          </a:xfrm>
+        </p:spPr>
+        <p:txBody>
+          <a:bodyPr>
+            <a:normAutofit/>
+          </a:bodyPr>
+          <a:lstStyle/>
+          <a:p>
+            <a:r>
+              <a:rPr lang="en-US" sz="2400" dirty="0"/>
+              <a:t>I/O (environment)</a:t>
+            </a:r>
+          </a:p>
+          <a:p>
+            <a:pPr lvl="1"/>
+            <a:r>
+              <a:rPr lang="en-US" sz="2000" dirty="0"/>
+              <a:t>Calls to print, delay, etc. needed to be hooked and mocked to avoid I/O</a:t>
+            </a:r>
+          </a:p>
+          <a:p>
+            <a:r>
+              <a:rPr lang="en-US" sz="2400" dirty="0"/>
+              <a:t>State Explosion</a:t>
+            </a:r>
+          </a:p>
+          <a:p>
+            <a:pPr lvl="1"/>
+            <a:r>
+              <a:rPr lang="en-US" sz="2000" dirty="0"/>
+              <a:t>Some challenges had too much state to be feasible without additional constraints</a:t>
+            </a:r>
+          </a:p>
+          <a:p>
+            <a:r>
+              <a:rPr lang="en-US" sz="2400" dirty="0" err="1"/>
+              <a:t>Unsat</a:t>
+            </a:r>
+            <a:endParaRPr lang="en-US" sz="2400" dirty="0"/>
+          </a:p>
+          <a:p>
+            <a:pPr lvl="1"/>
+            <a:r>
+              <a:rPr lang="en-US" sz="2000" dirty="0"/>
+              <a:t>Constraint solvers can’t deal with cryptographic hash functions</a:t>
+            </a:r>
+          </a:p>
+          <a:p>
+            <a:r>
+              <a:rPr lang="en-US" sz="2400" dirty="0"/>
+              <a:t>Slow Execution</a:t>
+            </a:r>
+          </a:p>
+          <a:p>
+            <a:pPr lvl="1"/>
+            <a:r>
+              <a:rPr lang="en-US" sz="2000" dirty="0"/>
+              <a:t>ANGR lifts all basic blocks to VEX IR and executes that. This incurs &gt;100x slow down in some cases</a:t>
+            </a:r>
+          </a:p>
+          <a:p>
+            <a:pPr lvl="1"/>
+            <a:r>
+              <a:rPr lang="en-US" sz="2000" u="sng" dirty="0"/>
+              <a:t>Solution</a:t>
+            </a:r>
+            <a:r>
+              <a:rPr lang="en-US" sz="2000" dirty="0"/>
+              <a:t>: MORE CORES (used a 40-core server when needed)</a:t>
+            </a:r>
+          </a:p>
+          <a:p>
+            <a:pPr lvl="1"/>
+            <a:endParaRPr lang="en-US" sz="2000" dirty="0"/>
+          </a:p>
+        </p:txBody>
+      </p:sp>
+      <p:sp>
+        <p:nvSpPr>
+          <p:cNvPr id="5" name="Footer Placeholder 4">
+            <a:extLst>
+              <a:ext uri="{FF2B5EF4-FFF2-40B4-BE49-F238E27FC236}">
+                <a16:creationId xmlns:a16="http://schemas.microsoft.com/office/drawing/2014/main" id="{7BC69B2D-3F81-0742-A1E7-2E168B84E3DA}"/>
+              </a:ext>
+            </a:extLst>
+          </p:cNvPr>
+          <p:cNvSpPr>
+            <a:spLocks noGrp="1"/>
+          </p:cNvSpPr>
+          <p:nvPr>
+            <p:ph type="ftr" sz="quarter" idx="11"/>
           </p:nvPr>
         </p:nvSpPr>
         <p:spPr/>
@@ -9481,39 +12251,6 @@
           <a:lstStyle/>
           <a:p>
             <a:r>
-              <a:rPr lang="en-US" dirty="0"/>
-              <a:t>@</a:t>
-            </a:r>
-            <a:r>
-              <a:rPr lang="en-US" dirty="0" err="1"/>
-              <a:t>digital_cold</a:t>
-            </a:r>
-            <a:endParaRPr lang="en-US" dirty="0"/>
-          </a:p>
-        </p:txBody>
-      </p:sp>
-      <p:sp>
-        <p:nvSpPr>
-          <p:cNvPr id="4" name="Footer Placeholder 3">
-            <a:extLst>
-              <a:ext uri="{FF2B5EF4-FFF2-40B4-BE49-F238E27FC236}">
-                <a16:creationId xmlns:a16="http://schemas.microsoft.com/office/drawing/2014/main" id="{8AB27ACA-62B7-984C-B798-0E8070D05286}"/>
-              </a:ext>
-            </a:extLst>
-          </p:cNvPr>
-          <p:cNvSpPr>
-            <a:spLocks noGrp="1"/>
-          </p:cNvSpPr>
-          <p:nvPr>
-            <p:ph type="ftr" sz="quarter" idx="11"/>
-          </p:nvPr>
-        </p:nvSpPr>
-        <p:spPr/>
-        <p:txBody>
-          <a:bodyPr/>
-          <a:lstStyle/>
-          <a:p>
-            <a:r>
               <a:rPr lang="en-US"/>
               <a:t>Florida institute for Cybersecurity Research</a:t>
             </a:r>
@@ -9523,10 +12260,10 @@
       </p:sp>
       <p:sp>
         <p:nvSpPr>
-          <p:cNvPr id="5" name="Slide Number Placeholder 4">
-            <a:extLst>
-              <a:ext uri="{FF2B5EF4-FFF2-40B4-BE49-F238E27FC236}">
-                <a16:creationId xmlns:a16="http://schemas.microsoft.com/office/drawing/2014/main" id="{D3E74855-0EAD-AA48-8868-B826718E7961}"/>
+          <p:cNvPr id="6" name="Slide Number Placeholder 5">
+            <a:extLst>
+              <a:ext uri="{FF2B5EF4-FFF2-40B4-BE49-F238E27FC236}">
+                <a16:creationId xmlns:a16="http://schemas.microsoft.com/office/drawing/2014/main" id="{C37CECDB-E880-EF42-8C7F-50A78FE5422C}"/>
               </a:ext>
             </a:extLst>
           </p:cNvPr>
@@ -9553,7 +12290,2916 @@
     </p:spTree>
     <p:extLst>
       <p:ext uri="{BB962C8B-B14F-4D97-AF65-F5344CB8AC3E}">
-        <p14:creationId xmlns:p14="http://schemas.microsoft.com/office/powerpoint/2010/main" val="74755544"/>
+        <p14:creationId xmlns:p14="http://schemas.microsoft.com/office/powerpoint/2010/main" val="4059884634"/>
+      </p:ext>
+    </p:extLst>
+  </p:cSld>
+  <p:clrMapOvr>
+    <a:masterClrMapping/>
+  </p:clrMapOvr>
+  <p:timing>
+    <p:tnLst>
+      <p:par>
+        <p:cTn id="1" dur="indefinite" restart="never" nodeType="tmRoot">
+          <p:childTnLst>
+            <p:seq concurrent="1" nextAc="seek">
+              <p:cTn id="2" dur="indefinite" nodeType="mainSeq">
+                <p:childTnLst>
+                  <p:par>
+                    <p:cTn id="3" fill="hold">
+                      <p:stCondLst>
+                        <p:cond delay="indefinite"/>
+                      </p:stCondLst>
+                      <p:childTnLst>
+                        <p:par>
+                          <p:cTn id="4" fill="hold">
+                            <p:stCondLst>
+                              <p:cond delay="0"/>
+                            </p:stCondLst>
+                            <p:childTnLst>
+                              <p:par>
+                                <p:cTn id="5" presetID="1" presetClass="entr" presetSubtype="0" fill="hold" grpId="0" nodeType="clickEffect">
+                                  <p:stCondLst>
+                                    <p:cond delay="0"/>
+                                  </p:stCondLst>
+                                  <p:childTnLst>
+                                    <p:set>
+                                      <p:cBhvr>
+                                        <p:cTn id="6" dur="1" fill="hold">
+                                          <p:stCondLst>
+                                            <p:cond delay="0"/>
+                                          </p:stCondLst>
+                                        </p:cTn>
+                                        <p:tgtEl>
+                                          <p:spTgt spid="7">
+                                            <p:txEl>
+                                              <p:pRg st="0" end="0"/>
+                                            </p:txEl>
+                                          </p:spTgt>
+                                        </p:tgtEl>
+                                        <p:attrNameLst>
+                                          <p:attrName>style.visibility</p:attrName>
+                                        </p:attrNameLst>
+                                      </p:cBhvr>
+                                      <p:to>
+                                        <p:strVal val="visible"/>
+                                      </p:to>
+                                    </p:set>
+                                  </p:childTnLst>
+                                </p:cTn>
+                              </p:par>
+                              <p:par>
+                                <p:cTn id="7" presetID="1" presetClass="entr" presetSubtype="0" fill="hold" grpId="0" nodeType="withEffect">
+                                  <p:stCondLst>
+                                    <p:cond delay="0"/>
+                                  </p:stCondLst>
+                                  <p:childTnLst>
+                                    <p:set>
+                                      <p:cBhvr>
+                                        <p:cTn id="8" dur="1" fill="hold">
+                                          <p:stCondLst>
+                                            <p:cond delay="0"/>
+                                          </p:stCondLst>
+                                        </p:cTn>
+                                        <p:tgtEl>
+                                          <p:spTgt spid="7">
+                                            <p:txEl>
+                                              <p:pRg st="1" end="1"/>
+                                            </p:txEl>
+                                          </p:spTgt>
+                                        </p:tgtEl>
+                                        <p:attrNameLst>
+                                          <p:attrName>style.visibility</p:attrName>
+                                        </p:attrNameLst>
+                                      </p:cBhvr>
+                                      <p:to>
+                                        <p:strVal val="visible"/>
+                                      </p:to>
+                                    </p:set>
+                                  </p:childTnLst>
+                                </p:cTn>
+                              </p:par>
+                            </p:childTnLst>
+                          </p:cTn>
+                        </p:par>
+                      </p:childTnLst>
+                    </p:cTn>
+                  </p:par>
+                  <p:par>
+                    <p:cTn id="9" fill="hold">
+                      <p:stCondLst>
+                        <p:cond delay="indefinite"/>
+                      </p:stCondLst>
+                      <p:childTnLst>
+                        <p:par>
+                          <p:cTn id="10" fill="hold">
+                            <p:stCondLst>
+                              <p:cond delay="0"/>
+                            </p:stCondLst>
+                            <p:childTnLst>
+                              <p:par>
+                                <p:cTn id="11" presetID="1" presetClass="entr" presetSubtype="0" fill="hold" grpId="0" nodeType="clickEffect">
+                                  <p:stCondLst>
+                                    <p:cond delay="0"/>
+                                  </p:stCondLst>
+                                  <p:childTnLst>
+                                    <p:set>
+                                      <p:cBhvr>
+                                        <p:cTn id="12" dur="1" fill="hold">
+                                          <p:stCondLst>
+                                            <p:cond delay="0"/>
+                                          </p:stCondLst>
+                                        </p:cTn>
+                                        <p:tgtEl>
+                                          <p:spTgt spid="7">
+                                            <p:txEl>
+                                              <p:pRg st="2" end="2"/>
+                                            </p:txEl>
+                                          </p:spTgt>
+                                        </p:tgtEl>
+                                        <p:attrNameLst>
+                                          <p:attrName>style.visibility</p:attrName>
+                                        </p:attrNameLst>
+                                      </p:cBhvr>
+                                      <p:to>
+                                        <p:strVal val="visible"/>
+                                      </p:to>
+                                    </p:set>
+                                  </p:childTnLst>
+                                </p:cTn>
+                              </p:par>
+                              <p:par>
+                                <p:cTn id="13" presetID="1" presetClass="entr" presetSubtype="0" fill="hold" grpId="0" nodeType="withEffect">
+                                  <p:stCondLst>
+                                    <p:cond delay="0"/>
+                                  </p:stCondLst>
+                                  <p:childTnLst>
+                                    <p:set>
+                                      <p:cBhvr>
+                                        <p:cTn id="14" dur="1" fill="hold">
+                                          <p:stCondLst>
+                                            <p:cond delay="0"/>
+                                          </p:stCondLst>
+                                        </p:cTn>
+                                        <p:tgtEl>
+                                          <p:spTgt spid="7">
+                                            <p:txEl>
+                                              <p:pRg st="3" end="3"/>
+                                            </p:txEl>
+                                          </p:spTgt>
+                                        </p:tgtEl>
+                                        <p:attrNameLst>
+                                          <p:attrName>style.visibility</p:attrName>
+                                        </p:attrNameLst>
+                                      </p:cBhvr>
+                                      <p:to>
+                                        <p:strVal val="visible"/>
+                                      </p:to>
+                                    </p:set>
+                                  </p:childTnLst>
+                                </p:cTn>
+                              </p:par>
+                            </p:childTnLst>
+                          </p:cTn>
+                        </p:par>
+                      </p:childTnLst>
+                    </p:cTn>
+                  </p:par>
+                  <p:par>
+                    <p:cTn id="15" fill="hold">
+                      <p:stCondLst>
+                        <p:cond delay="indefinite"/>
+                      </p:stCondLst>
+                      <p:childTnLst>
+                        <p:par>
+                          <p:cTn id="16" fill="hold">
+                            <p:stCondLst>
+                              <p:cond delay="0"/>
+                            </p:stCondLst>
+                            <p:childTnLst>
+                              <p:par>
+                                <p:cTn id="17" presetID="1" presetClass="entr" presetSubtype="0" fill="hold" grpId="0" nodeType="clickEffect">
+                                  <p:stCondLst>
+                                    <p:cond delay="0"/>
+                                  </p:stCondLst>
+                                  <p:childTnLst>
+                                    <p:set>
+                                      <p:cBhvr>
+                                        <p:cTn id="18" dur="1" fill="hold">
+                                          <p:stCondLst>
+                                            <p:cond delay="0"/>
+                                          </p:stCondLst>
+                                        </p:cTn>
+                                        <p:tgtEl>
+                                          <p:spTgt spid="7">
+                                            <p:txEl>
+                                              <p:pRg st="4" end="4"/>
+                                            </p:txEl>
+                                          </p:spTgt>
+                                        </p:tgtEl>
+                                        <p:attrNameLst>
+                                          <p:attrName>style.visibility</p:attrName>
+                                        </p:attrNameLst>
+                                      </p:cBhvr>
+                                      <p:to>
+                                        <p:strVal val="visible"/>
+                                      </p:to>
+                                    </p:set>
+                                  </p:childTnLst>
+                                </p:cTn>
+                              </p:par>
+                              <p:par>
+                                <p:cTn id="19" presetID="1" presetClass="entr" presetSubtype="0" fill="hold" grpId="0" nodeType="withEffect">
+                                  <p:stCondLst>
+                                    <p:cond delay="0"/>
+                                  </p:stCondLst>
+                                  <p:childTnLst>
+                                    <p:set>
+                                      <p:cBhvr>
+                                        <p:cTn id="20" dur="1" fill="hold">
+                                          <p:stCondLst>
+                                            <p:cond delay="0"/>
+                                          </p:stCondLst>
+                                        </p:cTn>
+                                        <p:tgtEl>
+                                          <p:spTgt spid="7">
+                                            <p:txEl>
+                                              <p:pRg st="5" end="5"/>
+                                            </p:txEl>
+                                          </p:spTgt>
+                                        </p:tgtEl>
+                                        <p:attrNameLst>
+                                          <p:attrName>style.visibility</p:attrName>
+                                        </p:attrNameLst>
+                                      </p:cBhvr>
+                                      <p:to>
+                                        <p:strVal val="visible"/>
+                                      </p:to>
+                                    </p:set>
+                                  </p:childTnLst>
+                                </p:cTn>
+                              </p:par>
+                            </p:childTnLst>
+                          </p:cTn>
+                        </p:par>
+                      </p:childTnLst>
+                    </p:cTn>
+                  </p:par>
+                  <p:par>
+                    <p:cTn id="21" fill="hold">
+                      <p:stCondLst>
+                        <p:cond delay="indefinite"/>
+                      </p:stCondLst>
+                      <p:childTnLst>
+                        <p:par>
+                          <p:cTn id="22" fill="hold">
+                            <p:stCondLst>
+                              <p:cond delay="0"/>
+                            </p:stCondLst>
+                            <p:childTnLst>
+                              <p:par>
+                                <p:cTn id="23" presetID="1" presetClass="entr" presetSubtype="0" fill="hold" grpId="0" nodeType="clickEffect">
+                                  <p:stCondLst>
+                                    <p:cond delay="0"/>
+                                  </p:stCondLst>
+                                  <p:childTnLst>
+                                    <p:set>
+                                      <p:cBhvr>
+                                        <p:cTn id="24" dur="1" fill="hold">
+                                          <p:stCondLst>
+                                            <p:cond delay="0"/>
+                                          </p:stCondLst>
+                                        </p:cTn>
+                                        <p:tgtEl>
+                                          <p:spTgt spid="7">
+                                            <p:txEl>
+                                              <p:pRg st="6" end="6"/>
+                                            </p:txEl>
+                                          </p:spTgt>
+                                        </p:tgtEl>
+                                        <p:attrNameLst>
+                                          <p:attrName>style.visibility</p:attrName>
+                                        </p:attrNameLst>
+                                      </p:cBhvr>
+                                      <p:to>
+                                        <p:strVal val="visible"/>
+                                      </p:to>
+                                    </p:set>
+                                  </p:childTnLst>
+                                </p:cTn>
+                              </p:par>
+                              <p:par>
+                                <p:cTn id="25" presetID="1" presetClass="entr" presetSubtype="0" fill="hold" grpId="0" nodeType="withEffect">
+                                  <p:stCondLst>
+                                    <p:cond delay="0"/>
+                                  </p:stCondLst>
+                                  <p:childTnLst>
+                                    <p:set>
+                                      <p:cBhvr>
+                                        <p:cTn id="26" dur="1" fill="hold">
+                                          <p:stCondLst>
+                                            <p:cond delay="0"/>
+                                          </p:stCondLst>
+                                        </p:cTn>
+                                        <p:tgtEl>
+                                          <p:spTgt spid="7">
+                                            <p:txEl>
+                                              <p:pRg st="7" end="7"/>
+                                            </p:txEl>
+                                          </p:spTgt>
+                                        </p:tgtEl>
+                                        <p:attrNameLst>
+                                          <p:attrName>style.visibility</p:attrName>
+                                        </p:attrNameLst>
+                                      </p:cBhvr>
+                                      <p:to>
+                                        <p:strVal val="visible"/>
+                                      </p:to>
+                                    </p:set>
+                                  </p:childTnLst>
+                                </p:cTn>
+                              </p:par>
+                              <p:par>
+                                <p:cTn id="27" presetID="1" presetClass="entr" presetSubtype="0" fill="hold" grpId="0" nodeType="withEffect">
+                                  <p:stCondLst>
+                                    <p:cond delay="0"/>
+                                  </p:stCondLst>
+                                  <p:childTnLst>
+                                    <p:set>
+                                      <p:cBhvr>
+                                        <p:cTn id="28" dur="1" fill="hold">
+                                          <p:stCondLst>
+                                            <p:cond delay="0"/>
+                                          </p:stCondLst>
+                                        </p:cTn>
+                                        <p:tgtEl>
+                                          <p:spTgt spid="7">
+                                            <p:txEl>
+                                              <p:pRg st="8" end="8"/>
+                                            </p:txEl>
+                                          </p:spTgt>
+                                        </p:tgtEl>
+                                        <p:attrNameLst>
+                                          <p:attrName>style.visibility</p:attrName>
+                                        </p:attrNameLst>
+                                      </p:cBhvr>
+                                      <p:to>
+                                        <p:strVal val="visible"/>
+                                      </p:to>
+                                    </p:set>
+                                  </p:childTnLst>
+                                </p:cTn>
+                              </p:par>
+                            </p:childTnLst>
+                          </p:cTn>
+                        </p:par>
+                      </p:childTnLst>
+                    </p:cTn>
+                  </p:par>
+                </p:childTnLst>
+              </p:cTn>
+              <p:prevCondLst>
+                <p:cond evt="onPrev" delay="0">
+                  <p:tgtEl>
+                    <p:sldTgt/>
+                  </p:tgtEl>
+                </p:cond>
+              </p:prevCondLst>
+              <p:nextCondLst>
+                <p:cond evt="onNext" delay="0">
+                  <p:tgtEl>
+                    <p:sldTgt/>
+                  </p:tgtEl>
+                </p:cond>
+              </p:nextCondLst>
+            </p:seq>
+          </p:childTnLst>
+        </p:cTn>
+      </p:par>
+    </p:tnLst>
+    <p:bldLst>
+      <p:bldP spid="7" grpId="0" uiExpand="1" build="p"/>
+    </p:bldLst>
+  </p:timing>
+</p:sld>
+</file>
+
+<file path=ppt/slides/slide7.xml><?xml version="1.0" encoding="utf-8"?>
+<p:sld xmlns:a="http://schemas.openxmlformats.org/drawingml/2006/main" xmlns:r="http://schemas.openxmlformats.org/officeDocument/2006/relationships" xmlns:p="http://schemas.openxmlformats.org/presentationml/2006/main">
+  <p:cSld>
+    <p:spTree>
+      <p:nvGrpSpPr>
+        <p:cNvPr id="1" name=""/>
+        <p:cNvGrpSpPr/>
+        <p:nvPr/>
+      </p:nvGrpSpPr>
+      <p:grpSpPr>
+        <a:xfrm>
+          <a:off x="0" y="0"/>
+          <a:ext cx="0" cy="0"/>
+          <a:chOff x="0" y="0"/>
+          <a:chExt cx="0" cy="0"/>
+        </a:xfrm>
+      </p:grpSpPr>
+      <p:sp>
+        <p:nvSpPr>
+          <p:cNvPr id="2" name="Title 1">
+            <a:extLst>
+              <a:ext uri="{FF2B5EF4-FFF2-40B4-BE49-F238E27FC236}">
+                <a16:creationId xmlns:a16="http://schemas.microsoft.com/office/drawing/2014/main" id="{05B0DF41-78A2-2546-99F5-CDAA35294B83}"/>
+              </a:ext>
+            </a:extLst>
+          </p:cNvPr>
+          <p:cNvSpPr>
+            <a:spLocks noGrp="1"/>
+          </p:cNvSpPr>
+          <p:nvPr>
+            <p:ph type="title"/>
+          </p:nvPr>
+        </p:nvSpPr>
+        <p:spPr/>
+        <p:txBody>
+          <a:bodyPr/>
+          <a:lstStyle/>
+          <a:p>
+            <a:r>
+              <a:rPr lang="en-US" dirty="0"/>
+              <a:t>How many challenges did we </a:t>
+            </a:r>
+            <a:r>
+              <a:rPr lang="en-US" dirty="0" err="1"/>
+              <a:t>AutoSolve</a:t>
+            </a:r>
+            <a:r>
+              <a:rPr lang="en-US" dirty="0"/>
+              <a:t>™️ ?</a:t>
+            </a:r>
+          </a:p>
+        </p:txBody>
+      </p:sp>
+      <p:sp>
+        <p:nvSpPr>
+          <p:cNvPr id="3" name="Content Placeholder 2">
+            <a:extLst>
+              <a:ext uri="{FF2B5EF4-FFF2-40B4-BE49-F238E27FC236}">
+                <a16:creationId xmlns:a16="http://schemas.microsoft.com/office/drawing/2014/main" id="{E2CC94B1-F4CA-B94A-BE42-14A9C861BF52}"/>
+              </a:ext>
+            </a:extLst>
+          </p:cNvPr>
+          <p:cNvSpPr>
+            <a:spLocks noGrp="1"/>
+          </p:cNvSpPr>
+          <p:nvPr>
+            <p:ph sz="half" idx="1"/>
+          </p:nvPr>
+        </p:nvSpPr>
+        <p:spPr>
+          <a:xfrm>
+            <a:off x="505360" y="993418"/>
+            <a:ext cx="3886200" cy="4351338"/>
+          </a:xfrm>
+        </p:spPr>
+        <p:txBody>
+          <a:bodyPr>
+            <a:normAutofit fontScale="92500" lnSpcReduction="10000"/>
+          </a:bodyPr>
+          <a:lstStyle/>
+          <a:p>
+            <a:r>
+              <a:rPr lang="en-US" sz="2000" u="sng" dirty="0"/>
+              <a:t>Set A</a:t>
+            </a:r>
+          </a:p>
+          <a:p>
+            <a:pPr lvl="1"/>
+            <a:r>
+              <a:rPr lang="en-US" b="1" dirty="0">
+                <a:solidFill>
+                  <a:srgbClr val="00B050"/>
+                </a:solidFill>
+              </a:rPr>
+              <a:t>Lounge ✓</a:t>
+            </a:r>
+          </a:p>
+          <a:p>
+            <a:pPr lvl="1"/>
+            <a:r>
+              <a:rPr lang="en-US" b="1" dirty="0"/>
+              <a:t>Closet</a:t>
+            </a:r>
+            <a:r>
+              <a:rPr lang="en-US" b="1" dirty="0">
+                <a:solidFill>
+                  <a:srgbClr val="C00000"/>
+                </a:solidFill>
+              </a:rPr>
+              <a:t> </a:t>
+            </a:r>
+            <a:r>
+              <a:rPr lang="en-US" b="1" i="1" dirty="0">
+                <a:solidFill>
+                  <a:srgbClr val="C00000"/>
+                </a:solidFill>
+              </a:rPr>
+              <a:t>X</a:t>
+            </a:r>
+            <a:r>
+              <a:rPr lang="en-US" b="1" dirty="0">
+                <a:solidFill>
+                  <a:srgbClr val="C00000"/>
+                </a:solidFill>
+              </a:rPr>
+              <a:t> (symbolic load)</a:t>
+            </a:r>
+          </a:p>
+          <a:p>
+            <a:pPr lvl="1"/>
+            <a:r>
+              <a:rPr lang="en-US" b="1" dirty="0">
+                <a:solidFill>
+                  <a:srgbClr val="00B050"/>
+                </a:solidFill>
+              </a:rPr>
+              <a:t>Café ✓</a:t>
+            </a:r>
+          </a:p>
+          <a:p>
+            <a:pPr lvl="1"/>
+            <a:r>
+              <a:rPr lang="en-US" b="1" dirty="0">
+                <a:solidFill>
+                  <a:srgbClr val="00B050"/>
+                </a:solidFill>
+              </a:rPr>
+              <a:t>Stairs ✓</a:t>
+            </a:r>
+          </a:p>
+          <a:p>
+            <a:r>
+              <a:rPr lang="en-US" sz="2000" u="sng" dirty="0"/>
+              <a:t>Set B</a:t>
+            </a:r>
+          </a:p>
+          <a:p>
+            <a:pPr lvl="1"/>
+            <a:r>
+              <a:rPr lang="en-US" b="1" dirty="0"/>
+              <a:t>Mobile</a:t>
+            </a:r>
+            <a:r>
+              <a:rPr lang="en-US" b="1" dirty="0">
+                <a:solidFill>
+                  <a:srgbClr val="C00000"/>
+                </a:solidFill>
+              </a:rPr>
+              <a:t> X (state space)</a:t>
+            </a:r>
+          </a:p>
+          <a:p>
+            <a:pPr lvl="1"/>
+            <a:r>
+              <a:rPr lang="en-US" b="1" dirty="0"/>
+              <a:t>Dance</a:t>
+            </a:r>
+            <a:r>
+              <a:rPr lang="en-US" b="1" dirty="0">
+                <a:solidFill>
+                  <a:srgbClr val="FFC000"/>
+                </a:solidFill>
+              </a:rPr>
+              <a:t> X (hash function)</a:t>
+            </a:r>
+          </a:p>
+          <a:p>
+            <a:pPr lvl="1"/>
+            <a:r>
+              <a:rPr lang="en-US" b="1" dirty="0"/>
+              <a:t>Code</a:t>
+            </a:r>
+            <a:r>
+              <a:rPr lang="en-US" b="1" dirty="0">
+                <a:solidFill>
+                  <a:srgbClr val="FFC000"/>
+                </a:solidFill>
+              </a:rPr>
+              <a:t> X (hash function)</a:t>
+            </a:r>
+          </a:p>
+          <a:p>
+            <a:pPr lvl="1"/>
+            <a:r>
+              <a:rPr lang="en-US" b="1" dirty="0"/>
+              <a:t>Blue</a:t>
+            </a:r>
+            <a:r>
+              <a:rPr lang="en-US" b="1" dirty="0">
+                <a:solidFill>
+                  <a:srgbClr val="FFC000"/>
+                </a:solidFill>
+              </a:rPr>
+              <a:t> X (hash function)</a:t>
+            </a:r>
+          </a:p>
+          <a:p>
+            <a:r>
+              <a:rPr lang="en-US" sz="2000" u="sng" dirty="0"/>
+              <a:t>Set C</a:t>
+            </a:r>
+          </a:p>
+          <a:p>
+            <a:pPr lvl="1"/>
+            <a:r>
+              <a:rPr lang="en-US" b="1" dirty="0"/>
+              <a:t>Uno</a:t>
+            </a:r>
+            <a:r>
+              <a:rPr lang="en-US" b="1" dirty="0">
+                <a:solidFill>
+                  <a:srgbClr val="C00000"/>
+                </a:solidFill>
+              </a:rPr>
+              <a:t> X (state space)</a:t>
+            </a:r>
+          </a:p>
+          <a:p>
+            <a:pPr lvl="1"/>
+            <a:r>
+              <a:rPr lang="en-US" b="1" dirty="0"/>
+              <a:t>Game</a:t>
+            </a:r>
+            <a:r>
+              <a:rPr lang="en-US" b="1" dirty="0">
+                <a:solidFill>
+                  <a:srgbClr val="C00000"/>
+                </a:solidFill>
+              </a:rPr>
+              <a:t> X (state space)</a:t>
+            </a:r>
+          </a:p>
+          <a:p>
+            <a:pPr lvl="1"/>
+            <a:r>
+              <a:rPr lang="en-US" b="1" dirty="0">
+                <a:solidFill>
+                  <a:srgbClr val="00B050"/>
+                </a:solidFill>
+              </a:rPr>
+              <a:t>Break ✓</a:t>
+            </a:r>
+          </a:p>
+          <a:p>
+            <a:pPr lvl="1"/>
+            <a:r>
+              <a:rPr lang="en-US" b="1" dirty="0">
+                <a:solidFill>
+                  <a:srgbClr val="00B050"/>
+                </a:solidFill>
+              </a:rPr>
+              <a:t>Recess ✓</a:t>
+            </a:r>
+          </a:p>
+          <a:p>
+            <a:endParaRPr lang="en-US" sz="2000" dirty="0"/>
+          </a:p>
+        </p:txBody>
+      </p:sp>
+      <p:sp>
+        <p:nvSpPr>
+          <p:cNvPr id="4" name="Content Placeholder 3">
+            <a:extLst>
+              <a:ext uri="{FF2B5EF4-FFF2-40B4-BE49-F238E27FC236}">
+                <a16:creationId xmlns:a16="http://schemas.microsoft.com/office/drawing/2014/main" id="{49E30B1A-CCAF-0545-A5F2-78B6CB14E638}"/>
+              </a:ext>
+            </a:extLst>
+          </p:cNvPr>
+          <p:cNvSpPr>
+            <a:spLocks noGrp="1"/>
+          </p:cNvSpPr>
+          <p:nvPr>
+            <p:ph sz="half" idx="2"/>
+          </p:nvPr>
+        </p:nvSpPr>
+        <p:spPr>
+          <a:xfrm>
+            <a:off x="4752440" y="993418"/>
+            <a:ext cx="3886200" cy="2776945"/>
+          </a:xfrm>
+        </p:spPr>
+        <p:txBody>
+          <a:bodyPr>
+            <a:normAutofit fontScale="92500" lnSpcReduction="10000"/>
+          </a:bodyPr>
+          <a:lstStyle/>
+          <a:p>
+            <a:r>
+              <a:rPr lang="en-US" sz="2000" u="sng" dirty="0"/>
+              <a:t>Set D</a:t>
+            </a:r>
+          </a:p>
+          <a:p>
+            <a:pPr lvl="1"/>
+            <a:r>
+              <a:rPr lang="en-US" b="1" dirty="0">
+                <a:solidFill>
+                  <a:srgbClr val="00B050"/>
+                </a:solidFill>
+              </a:rPr>
+              <a:t>Bounce</a:t>
+            </a:r>
+            <a:r>
+              <a:rPr lang="en-US" b="1" dirty="0">
+                <a:solidFill>
+                  <a:srgbClr val="FFC000"/>
+                </a:solidFill>
+              </a:rPr>
+              <a:t> </a:t>
+            </a:r>
+            <a:r>
+              <a:rPr lang="en-US" b="1" dirty="0">
+                <a:solidFill>
+                  <a:srgbClr val="00B050"/>
+                </a:solidFill>
+              </a:rPr>
+              <a:t>✓</a:t>
+            </a:r>
+            <a:endParaRPr lang="en-US" b="1" dirty="0">
+              <a:solidFill>
+                <a:srgbClr val="FFC000"/>
+              </a:solidFill>
+            </a:endParaRPr>
+          </a:p>
+          <a:p>
+            <a:r>
+              <a:rPr lang="en-US" sz="2000" u="sng" dirty="0"/>
+              <a:t>Set E</a:t>
+            </a:r>
+          </a:p>
+          <a:p>
+            <a:pPr lvl="1"/>
+            <a:r>
+              <a:rPr lang="en-US" b="1" dirty="0"/>
+              <a:t>Steel</a:t>
+            </a:r>
+            <a:r>
+              <a:rPr lang="en-US" b="1" dirty="0">
+                <a:solidFill>
+                  <a:srgbClr val="FFC000"/>
+                </a:solidFill>
+              </a:rPr>
+              <a:t> X (hash function)</a:t>
+            </a:r>
+          </a:p>
+          <a:p>
+            <a:pPr lvl="1"/>
+            <a:r>
+              <a:rPr lang="en-US" b="1" dirty="0" err="1"/>
+              <a:t>Caeser</a:t>
+            </a:r>
+            <a:r>
+              <a:rPr lang="en-US" b="1" dirty="0">
+                <a:solidFill>
+                  <a:srgbClr val="C00000"/>
+                </a:solidFill>
+              </a:rPr>
+              <a:t> X (error)</a:t>
+            </a:r>
+          </a:p>
+          <a:p>
+            <a:pPr lvl="1"/>
+            <a:r>
+              <a:rPr lang="en-US" b="1" dirty="0">
+                <a:solidFill>
+                  <a:srgbClr val="00B050"/>
+                </a:solidFill>
+              </a:rPr>
+              <a:t>Spiral ✓</a:t>
+            </a:r>
+          </a:p>
+          <a:p>
+            <a:pPr lvl="1"/>
+            <a:r>
+              <a:rPr lang="en-US" b="1" dirty="0"/>
+              <a:t>Tower</a:t>
+            </a:r>
+            <a:r>
+              <a:rPr lang="en-US" b="1" dirty="0">
+                <a:solidFill>
+                  <a:srgbClr val="FFC000"/>
+                </a:solidFill>
+              </a:rPr>
+              <a:t> X (static analysis, hash </a:t>
+            </a:r>
+            <a:r>
+              <a:rPr lang="en-US" b="1" dirty="0" err="1">
+                <a:solidFill>
+                  <a:srgbClr val="FFC000"/>
+                </a:solidFill>
+              </a:rPr>
+              <a:t>func</a:t>
+            </a:r>
+            <a:r>
+              <a:rPr lang="en-US" b="1" dirty="0">
+                <a:solidFill>
+                  <a:srgbClr val="FFC000"/>
+                </a:solidFill>
+              </a:rPr>
+              <a:t>.)</a:t>
+            </a:r>
+          </a:p>
+          <a:p>
+            <a:r>
+              <a:rPr lang="en-US" sz="2000" u="sng" dirty="0"/>
+              <a:t>Set F</a:t>
+            </a:r>
+          </a:p>
+          <a:p>
+            <a:pPr lvl="1"/>
+            <a:r>
+              <a:rPr lang="en-US" b="1" dirty="0">
+                <a:solidFill>
+                  <a:srgbClr val="00B050"/>
+                </a:solidFill>
+              </a:rPr>
+              <a:t>Spire ✓</a:t>
+            </a:r>
+          </a:p>
+          <a:p>
+            <a:pPr lvl="1"/>
+            <a:endParaRPr lang="en-US" dirty="0"/>
+          </a:p>
+        </p:txBody>
+      </p:sp>
+      <p:sp>
+        <p:nvSpPr>
+          <p:cNvPr id="5" name="Footer Placeholder 4">
+            <a:extLst>
+              <a:ext uri="{FF2B5EF4-FFF2-40B4-BE49-F238E27FC236}">
+                <a16:creationId xmlns:a16="http://schemas.microsoft.com/office/drawing/2014/main" id="{38091212-0209-0344-975D-1F2218F04938}"/>
+              </a:ext>
+            </a:extLst>
+          </p:cNvPr>
+          <p:cNvSpPr>
+            <a:spLocks noGrp="1"/>
+          </p:cNvSpPr>
+          <p:nvPr>
+            <p:ph type="ftr" sz="quarter" idx="11"/>
+          </p:nvPr>
+        </p:nvSpPr>
+        <p:spPr/>
+        <p:txBody>
+          <a:bodyPr/>
+          <a:lstStyle/>
+          <a:p>
+            <a:r>
+              <a:rPr lang="en-US"/>
+              <a:t>Florida institute for Cybersecurity Research</a:t>
+            </a:r>
+            <a:endParaRPr lang="en-IE"/>
+          </a:p>
+        </p:txBody>
+      </p:sp>
+      <p:sp>
+        <p:nvSpPr>
+          <p:cNvPr id="6" name="Slide Number Placeholder 5">
+            <a:extLst>
+              <a:ext uri="{FF2B5EF4-FFF2-40B4-BE49-F238E27FC236}">
+                <a16:creationId xmlns:a16="http://schemas.microsoft.com/office/drawing/2014/main" id="{AEE4C2AD-7AF9-2E46-A810-ADC4D82634DA}"/>
+              </a:ext>
+            </a:extLst>
+          </p:cNvPr>
+          <p:cNvSpPr>
+            <a:spLocks noGrp="1"/>
+          </p:cNvSpPr>
+          <p:nvPr>
+            <p:ph type="sldNum" sz="quarter" idx="12"/>
+          </p:nvPr>
+        </p:nvSpPr>
+        <p:spPr/>
+        <p:txBody>
+          <a:bodyPr/>
+          <a:lstStyle/>
+          <a:p>
+            <a:fld id="{940082BA-84E6-714F-969C-52B72CA9F3BE}" type="slidenum">
+              <a:rPr lang="en-IE" smtClean="0"/>
+              <a:t>6</a:t>
+            </a:fld>
+            <a:endParaRPr lang="en-IE"/>
+          </a:p>
+        </p:txBody>
+      </p:sp>
+      <p:sp>
+        <p:nvSpPr>
+          <p:cNvPr id="7" name="Content Placeholder 3">
+            <a:extLst>
+              <a:ext uri="{FF2B5EF4-FFF2-40B4-BE49-F238E27FC236}">
+                <a16:creationId xmlns:a16="http://schemas.microsoft.com/office/drawing/2014/main" id="{91EE54F0-A171-A948-9E04-62C0787F9092}"/>
+              </a:ext>
+            </a:extLst>
+          </p:cNvPr>
+          <p:cNvSpPr txBox="1">
+            <a:spLocks/>
+          </p:cNvSpPr>
+          <p:nvPr/>
+        </p:nvSpPr>
+        <p:spPr>
+          <a:xfrm>
+            <a:off x="4572000" y="4052917"/>
+            <a:ext cx="3886200" cy="3148785"/>
+          </a:xfrm>
+          <a:prstGeom prst="rect">
+            <a:avLst/>
+          </a:prstGeom>
+        </p:spPr>
+        <p:txBody>
+          <a:bodyPr vert="horz" lIns="91440" tIns="45720" rIns="91440" bIns="45720" rtlCol="0">
+            <a:normAutofit/>
+          </a:bodyPr>
+          <a:lstStyle>
+            <a:lvl1pPr marL="171450" indent="-171450" algn="l" defTabSz="685800" rtl="0" eaLnBrk="1" latinLnBrk="0" hangingPunct="1">
+              <a:lnSpc>
+                <a:spcPct val="90000"/>
+              </a:lnSpc>
+              <a:spcBef>
+                <a:spcPts val="750"/>
+              </a:spcBef>
+              <a:buFont typeface="Arial" panose="020B0604020202020204" pitchFamily="34" charset="0"/>
+              <a:buChar char="•"/>
+              <a:defRPr sz="2100" kern="1200">
+                <a:solidFill>
+                  <a:schemeClr val="tx1"/>
+                </a:solidFill>
+                <a:latin typeface="+mj-lt"/>
+                <a:ea typeface="+mn-ea"/>
+                <a:cs typeface="+mn-cs"/>
+              </a:defRPr>
+            </a:lvl1pPr>
+            <a:lvl2pPr marL="514350" indent="-171450" algn="l" defTabSz="685800" rtl="0" eaLnBrk="1" latinLnBrk="0" hangingPunct="1">
+              <a:lnSpc>
+                <a:spcPct val="90000"/>
+              </a:lnSpc>
+              <a:spcBef>
+                <a:spcPts val="375"/>
+              </a:spcBef>
+              <a:buFont typeface="Arial" panose="020B0604020202020204" pitchFamily="34" charset="0"/>
+              <a:buChar char="•"/>
+              <a:defRPr sz="1800" kern="1200">
+                <a:solidFill>
+                  <a:schemeClr val="tx1"/>
+                </a:solidFill>
+                <a:latin typeface="+mj-lt"/>
+                <a:ea typeface="+mn-ea"/>
+                <a:cs typeface="+mn-cs"/>
+              </a:defRPr>
+            </a:lvl2pPr>
+            <a:lvl3pPr marL="857250" indent="-171450" algn="l" defTabSz="685800" rtl="0" eaLnBrk="1" latinLnBrk="0" hangingPunct="1">
+              <a:lnSpc>
+                <a:spcPct val="90000"/>
+              </a:lnSpc>
+              <a:spcBef>
+                <a:spcPts val="375"/>
+              </a:spcBef>
+              <a:buFont typeface="Arial" panose="020B0604020202020204" pitchFamily="34" charset="0"/>
+              <a:buChar char="•"/>
+              <a:defRPr sz="1500" kern="1200">
+                <a:solidFill>
+                  <a:schemeClr val="tx1"/>
+                </a:solidFill>
+                <a:latin typeface="+mj-lt"/>
+                <a:ea typeface="+mn-ea"/>
+                <a:cs typeface="+mn-cs"/>
+              </a:defRPr>
+            </a:lvl3pPr>
+            <a:lvl4pPr marL="1200150" indent="-171450" algn="l" defTabSz="685800" rtl="0" eaLnBrk="1" latinLnBrk="0" hangingPunct="1">
+              <a:lnSpc>
+                <a:spcPct val="90000"/>
+              </a:lnSpc>
+              <a:spcBef>
+                <a:spcPts val="375"/>
+              </a:spcBef>
+              <a:buFont typeface="Arial" panose="020B0604020202020204" pitchFamily="34" charset="0"/>
+              <a:buChar char="•"/>
+              <a:defRPr sz="1350" kern="1200">
+                <a:solidFill>
+                  <a:schemeClr val="tx1"/>
+                </a:solidFill>
+                <a:latin typeface="+mj-lt"/>
+                <a:ea typeface="+mn-ea"/>
+                <a:cs typeface="+mn-cs"/>
+              </a:defRPr>
+            </a:lvl4pPr>
+            <a:lvl5pPr marL="1543050" indent="-171450" algn="l" defTabSz="685800" rtl="0" eaLnBrk="1" latinLnBrk="0" hangingPunct="1">
+              <a:lnSpc>
+                <a:spcPct val="90000"/>
+              </a:lnSpc>
+              <a:spcBef>
+                <a:spcPts val="375"/>
+              </a:spcBef>
+              <a:buFont typeface="Arial" panose="020B0604020202020204" pitchFamily="34" charset="0"/>
+              <a:buChar char="•"/>
+              <a:defRPr sz="1350" kern="1200">
+                <a:solidFill>
+                  <a:schemeClr val="tx1"/>
+                </a:solidFill>
+                <a:latin typeface="+mj-lt"/>
+                <a:ea typeface="+mn-ea"/>
+                <a:cs typeface="+mn-cs"/>
+              </a:defRPr>
+            </a:lvl5pPr>
+            <a:lvl6pPr marL="1885950" indent="-171450" algn="l" defTabSz="685800" rtl="0" eaLnBrk="1" latinLnBrk="0" hangingPunct="1">
+              <a:lnSpc>
+                <a:spcPct val="90000"/>
+              </a:lnSpc>
+              <a:spcBef>
+                <a:spcPts val="375"/>
+              </a:spcBef>
+              <a:buFont typeface="Arial" panose="020B0604020202020204" pitchFamily="34" charset="0"/>
+              <a:buChar char="•"/>
+              <a:defRPr sz="1350" kern="1200">
+                <a:solidFill>
+                  <a:schemeClr val="tx1"/>
+                </a:solidFill>
+                <a:latin typeface="+mn-lt"/>
+                <a:ea typeface="+mn-ea"/>
+                <a:cs typeface="+mn-cs"/>
+              </a:defRPr>
+            </a:lvl6pPr>
+            <a:lvl7pPr marL="2228850" indent="-171450" algn="l" defTabSz="685800" rtl="0" eaLnBrk="1" latinLnBrk="0" hangingPunct="1">
+              <a:lnSpc>
+                <a:spcPct val="90000"/>
+              </a:lnSpc>
+              <a:spcBef>
+                <a:spcPts val="375"/>
+              </a:spcBef>
+              <a:buFont typeface="Arial" panose="020B0604020202020204" pitchFamily="34" charset="0"/>
+              <a:buChar char="•"/>
+              <a:defRPr sz="1350" kern="1200">
+                <a:solidFill>
+                  <a:schemeClr val="tx1"/>
+                </a:solidFill>
+                <a:latin typeface="+mn-lt"/>
+                <a:ea typeface="+mn-ea"/>
+                <a:cs typeface="+mn-cs"/>
+              </a:defRPr>
+            </a:lvl7pPr>
+            <a:lvl8pPr marL="2571750" indent="-171450" algn="l" defTabSz="685800" rtl="0" eaLnBrk="1" latinLnBrk="0" hangingPunct="1">
+              <a:lnSpc>
+                <a:spcPct val="90000"/>
+              </a:lnSpc>
+              <a:spcBef>
+                <a:spcPts val="375"/>
+              </a:spcBef>
+              <a:buFont typeface="Arial" panose="020B0604020202020204" pitchFamily="34" charset="0"/>
+              <a:buChar char="•"/>
+              <a:defRPr sz="1350" kern="1200">
+                <a:solidFill>
+                  <a:schemeClr val="tx1"/>
+                </a:solidFill>
+                <a:latin typeface="+mn-lt"/>
+                <a:ea typeface="+mn-ea"/>
+                <a:cs typeface="+mn-cs"/>
+              </a:defRPr>
+            </a:lvl8pPr>
+            <a:lvl9pPr marL="2914650" indent="-171450" algn="l" defTabSz="685800" rtl="0" eaLnBrk="1" latinLnBrk="0" hangingPunct="1">
+              <a:lnSpc>
+                <a:spcPct val="90000"/>
+              </a:lnSpc>
+              <a:spcBef>
+                <a:spcPts val="375"/>
+              </a:spcBef>
+              <a:buFont typeface="Arial" panose="020B0604020202020204" pitchFamily="34" charset="0"/>
+              <a:buChar char="•"/>
+              <a:defRPr sz="1350" kern="1200">
+                <a:solidFill>
+                  <a:schemeClr val="tx1"/>
+                </a:solidFill>
+                <a:latin typeface="+mn-lt"/>
+                <a:ea typeface="+mn-ea"/>
+                <a:cs typeface="+mn-cs"/>
+              </a:defRPr>
+            </a:lvl9pPr>
+          </a:lstStyle>
+          <a:p>
+            <a:pPr marL="342900" lvl="1" indent="0">
+              <a:buNone/>
+            </a:pPr>
+            <a:r>
+              <a:rPr lang="en-US" sz="2400" b="1" dirty="0" err="1">
+                <a:solidFill>
+                  <a:srgbClr val="00B050"/>
+                </a:solidFill>
+              </a:rPr>
+              <a:t>AutoSolve</a:t>
+            </a:r>
+            <a:r>
+              <a:rPr lang="en-US" sz="2400" dirty="0">
+                <a:solidFill>
+                  <a:srgbClr val="00B050"/>
+                </a:solidFill>
+              </a:rPr>
+              <a:t>™️</a:t>
+            </a:r>
+            <a:r>
+              <a:rPr lang="en-US" sz="2400" b="1" dirty="0">
+                <a:solidFill>
+                  <a:srgbClr val="00B050"/>
+                </a:solidFill>
+              </a:rPr>
+              <a:t>: 8/18 (44%)</a:t>
+            </a:r>
+            <a:br>
+              <a:rPr lang="en-US" sz="2400" b="1" dirty="0"/>
+            </a:br>
+            <a:r>
+              <a:rPr lang="en-US" sz="2400" b="1" dirty="0">
+                <a:solidFill>
+                  <a:srgbClr val="FFC000"/>
+                </a:solidFill>
+              </a:rPr>
+              <a:t>Hash Function: 5/18</a:t>
+            </a:r>
+          </a:p>
+          <a:p>
+            <a:pPr marL="342900" lvl="1" indent="0">
+              <a:buNone/>
+            </a:pPr>
+            <a:r>
+              <a:rPr lang="en-US" sz="2400" b="1" dirty="0">
+                <a:solidFill>
+                  <a:srgbClr val="C00000"/>
+                </a:solidFill>
+              </a:rPr>
+              <a:t>Error/Timeout: 5/18</a:t>
+            </a:r>
+          </a:p>
+        </p:txBody>
+      </p:sp>
+    </p:spTree>
+    <p:extLst>
+      <p:ext uri="{BB962C8B-B14F-4D97-AF65-F5344CB8AC3E}">
+        <p14:creationId xmlns:p14="http://schemas.microsoft.com/office/powerpoint/2010/main" val="2756454615"/>
+      </p:ext>
+    </p:extLst>
+  </p:cSld>
+  <p:clrMapOvr>
+    <a:masterClrMapping/>
+  </p:clrMapOvr>
+</p:sld>
+</file>
+
+<file path=ppt/slides/slide8.xml><?xml version="1.0" encoding="utf-8"?>
+<p:sld xmlns:a="http://schemas.openxmlformats.org/drawingml/2006/main" xmlns:r="http://schemas.openxmlformats.org/officeDocument/2006/relationships" xmlns:p="http://schemas.openxmlformats.org/presentationml/2006/main">
+  <p:cSld>
+    <p:spTree>
+      <p:nvGrpSpPr>
+        <p:cNvPr id="1" name=""/>
+        <p:cNvGrpSpPr/>
+        <p:nvPr/>
+      </p:nvGrpSpPr>
+      <p:grpSpPr>
+        <a:xfrm>
+          <a:off x="0" y="0"/>
+          <a:ext cx="0" cy="0"/>
+          <a:chOff x="0" y="0"/>
+          <a:chExt cx="0" cy="0"/>
+        </a:xfrm>
+      </p:grpSpPr>
+      <p:sp>
+        <p:nvSpPr>
+          <p:cNvPr id="2" name="Title 1">
+            <a:extLst>
+              <a:ext uri="{FF2B5EF4-FFF2-40B4-BE49-F238E27FC236}">
+                <a16:creationId xmlns:a16="http://schemas.microsoft.com/office/drawing/2014/main" id="{05B0DF41-78A2-2546-99F5-CDAA35294B83}"/>
+              </a:ext>
+            </a:extLst>
+          </p:cNvPr>
+          <p:cNvSpPr>
+            <a:spLocks noGrp="1"/>
+          </p:cNvSpPr>
+          <p:nvPr>
+            <p:ph type="title"/>
+          </p:nvPr>
+        </p:nvSpPr>
+        <p:spPr/>
+        <p:txBody>
+          <a:bodyPr/>
+          <a:lstStyle/>
+          <a:p>
+            <a:r>
+              <a:rPr lang="en-US" dirty="0"/>
+              <a:t>Our Results</a:t>
+            </a:r>
+          </a:p>
+        </p:txBody>
+      </p:sp>
+      <p:sp>
+        <p:nvSpPr>
+          <p:cNvPr id="3" name="Content Placeholder 2">
+            <a:extLst>
+              <a:ext uri="{FF2B5EF4-FFF2-40B4-BE49-F238E27FC236}">
+                <a16:creationId xmlns:a16="http://schemas.microsoft.com/office/drawing/2014/main" id="{E2CC94B1-F4CA-B94A-BE42-14A9C861BF52}"/>
+              </a:ext>
+            </a:extLst>
+          </p:cNvPr>
+          <p:cNvSpPr>
+            <a:spLocks noGrp="1"/>
+          </p:cNvSpPr>
+          <p:nvPr>
+            <p:ph sz="half" idx="1"/>
+          </p:nvPr>
+        </p:nvSpPr>
+        <p:spPr>
+          <a:xfrm>
+            <a:off x="505360" y="993418"/>
+            <a:ext cx="3886200" cy="4351338"/>
+          </a:xfrm>
+        </p:spPr>
+        <p:txBody>
+          <a:bodyPr>
+            <a:normAutofit fontScale="92500" lnSpcReduction="10000"/>
+          </a:bodyPr>
+          <a:lstStyle/>
+          <a:p>
+            <a:r>
+              <a:rPr lang="en-US" sz="2000" u="sng" dirty="0"/>
+              <a:t>Set A</a:t>
+            </a:r>
+          </a:p>
+          <a:p>
+            <a:pPr lvl="1"/>
+            <a:r>
+              <a:rPr lang="en-US" b="1" dirty="0"/>
+              <a:t>Lounge</a:t>
+            </a:r>
+            <a:r>
+              <a:rPr lang="en-US" b="1" dirty="0">
+                <a:solidFill>
+                  <a:srgbClr val="00B050"/>
+                </a:solidFill>
+              </a:rPr>
+              <a:t> ✓</a:t>
+            </a:r>
+          </a:p>
+          <a:p>
+            <a:pPr lvl="1"/>
+            <a:r>
+              <a:rPr lang="en-US" b="1" dirty="0"/>
+              <a:t>Closet</a:t>
+            </a:r>
+            <a:r>
+              <a:rPr lang="en-US" b="1" dirty="0">
+                <a:solidFill>
+                  <a:srgbClr val="00B050"/>
+                </a:solidFill>
+              </a:rPr>
+              <a:t> ✓</a:t>
+            </a:r>
+          </a:p>
+          <a:p>
+            <a:pPr lvl="1"/>
+            <a:r>
+              <a:rPr lang="en-US" b="1" dirty="0"/>
+              <a:t>Café</a:t>
+            </a:r>
+            <a:r>
+              <a:rPr lang="en-US" b="1" dirty="0">
+                <a:solidFill>
+                  <a:srgbClr val="00B050"/>
+                </a:solidFill>
+              </a:rPr>
+              <a:t> ✓</a:t>
+            </a:r>
+          </a:p>
+          <a:p>
+            <a:pPr lvl="1"/>
+            <a:r>
+              <a:rPr lang="en-US" b="1" dirty="0"/>
+              <a:t>Stairs</a:t>
+            </a:r>
+            <a:r>
+              <a:rPr lang="en-US" b="1" dirty="0">
+                <a:solidFill>
+                  <a:srgbClr val="00B050"/>
+                </a:solidFill>
+              </a:rPr>
+              <a:t> ✓</a:t>
+            </a:r>
+          </a:p>
+          <a:p>
+            <a:r>
+              <a:rPr lang="en-US" sz="2000" u="sng" dirty="0"/>
+              <a:t>Set B</a:t>
+            </a:r>
+          </a:p>
+          <a:p>
+            <a:pPr lvl="1"/>
+            <a:r>
+              <a:rPr lang="en-US" b="1" dirty="0"/>
+              <a:t>Mobile</a:t>
+            </a:r>
+            <a:r>
+              <a:rPr lang="en-US" b="1" dirty="0">
+                <a:solidFill>
+                  <a:srgbClr val="00B050"/>
+                </a:solidFill>
+              </a:rPr>
+              <a:t> ✓</a:t>
+            </a:r>
+          </a:p>
+          <a:p>
+            <a:pPr lvl="1"/>
+            <a:r>
+              <a:rPr lang="en-US" b="1" dirty="0"/>
+              <a:t>Dance</a:t>
+            </a:r>
+            <a:r>
+              <a:rPr lang="en-US" b="1" dirty="0">
+                <a:solidFill>
+                  <a:srgbClr val="00B050"/>
+                </a:solidFill>
+              </a:rPr>
+              <a:t> ✓</a:t>
+            </a:r>
+          </a:p>
+          <a:p>
+            <a:pPr lvl="1"/>
+            <a:r>
+              <a:rPr lang="en-US" b="1" dirty="0"/>
+              <a:t>Code</a:t>
+            </a:r>
+            <a:r>
+              <a:rPr lang="en-US" b="1" dirty="0">
+                <a:solidFill>
+                  <a:srgbClr val="00B050"/>
+                </a:solidFill>
+              </a:rPr>
+              <a:t> ✓</a:t>
+            </a:r>
+          </a:p>
+          <a:p>
+            <a:pPr lvl="1"/>
+            <a:r>
+              <a:rPr lang="en-US" b="1" dirty="0"/>
+              <a:t>Blue</a:t>
+            </a:r>
+            <a:r>
+              <a:rPr lang="en-US" b="1" dirty="0">
+                <a:solidFill>
+                  <a:srgbClr val="FFC000"/>
+                </a:solidFill>
+              </a:rPr>
+              <a:t> X (hash wouldn’t crack!)</a:t>
+            </a:r>
+          </a:p>
+          <a:p>
+            <a:r>
+              <a:rPr lang="en-US" sz="2000" i="1" dirty="0"/>
+              <a:t>Set C</a:t>
+            </a:r>
+          </a:p>
+          <a:p>
+            <a:pPr lvl="1"/>
+            <a:r>
+              <a:rPr lang="en-US" b="1" dirty="0"/>
+              <a:t>Uno</a:t>
+            </a:r>
+            <a:r>
+              <a:rPr lang="en-US" b="1" dirty="0">
+                <a:solidFill>
+                  <a:srgbClr val="00B050"/>
+                </a:solidFill>
+              </a:rPr>
+              <a:t> ✓</a:t>
+            </a:r>
+          </a:p>
+          <a:p>
+            <a:pPr lvl="1"/>
+            <a:r>
+              <a:rPr lang="en-US" b="1" dirty="0"/>
+              <a:t>Game</a:t>
+            </a:r>
+            <a:r>
+              <a:rPr lang="en-US" b="1" dirty="0">
+                <a:solidFill>
+                  <a:srgbClr val="00B050"/>
+                </a:solidFill>
+              </a:rPr>
+              <a:t> ✓</a:t>
+            </a:r>
+          </a:p>
+          <a:p>
+            <a:pPr lvl="1"/>
+            <a:r>
+              <a:rPr lang="en-US" b="1" dirty="0"/>
+              <a:t>Break</a:t>
+            </a:r>
+            <a:r>
+              <a:rPr lang="en-US" b="1" dirty="0">
+                <a:solidFill>
+                  <a:srgbClr val="00B050"/>
+                </a:solidFill>
+              </a:rPr>
+              <a:t> ✓</a:t>
+            </a:r>
+          </a:p>
+          <a:p>
+            <a:pPr lvl="1"/>
+            <a:r>
+              <a:rPr lang="en-US" b="1" dirty="0"/>
+              <a:t>Recess</a:t>
+            </a:r>
+            <a:r>
+              <a:rPr lang="en-US" b="1" dirty="0">
+                <a:solidFill>
+                  <a:srgbClr val="00B050"/>
+                </a:solidFill>
+              </a:rPr>
+              <a:t> ✓</a:t>
+            </a:r>
+          </a:p>
+          <a:p>
+            <a:endParaRPr lang="en-US" sz="2000" dirty="0">
+              <a:solidFill>
+                <a:srgbClr val="00B050"/>
+              </a:solidFill>
+            </a:endParaRPr>
+          </a:p>
+        </p:txBody>
+      </p:sp>
+      <p:sp>
+        <p:nvSpPr>
+          <p:cNvPr id="4" name="Content Placeholder 3">
+            <a:extLst>
+              <a:ext uri="{FF2B5EF4-FFF2-40B4-BE49-F238E27FC236}">
+                <a16:creationId xmlns:a16="http://schemas.microsoft.com/office/drawing/2014/main" id="{49E30B1A-CCAF-0545-A5F2-78B6CB14E638}"/>
+              </a:ext>
+            </a:extLst>
+          </p:cNvPr>
+          <p:cNvSpPr>
+            <a:spLocks noGrp="1"/>
+          </p:cNvSpPr>
+          <p:nvPr>
+            <p:ph sz="half" idx="2"/>
+          </p:nvPr>
+        </p:nvSpPr>
+        <p:spPr>
+          <a:xfrm>
+            <a:off x="4752440" y="993418"/>
+            <a:ext cx="3886200" cy="2776945"/>
+          </a:xfrm>
+        </p:spPr>
+        <p:txBody>
+          <a:bodyPr>
+            <a:normAutofit fontScale="92500" lnSpcReduction="10000"/>
+          </a:bodyPr>
+          <a:lstStyle/>
+          <a:p>
+            <a:r>
+              <a:rPr lang="en-US" sz="2000" u="sng" dirty="0"/>
+              <a:t>Set D</a:t>
+            </a:r>
+          </a:p>
+          <a:p>
+            <a:pPr lvl="1"/>
+            <a:r>
+              <a:rPr lang="en-US" b="1" dirty="0"/>
+              <a:t>Bounce</a:t>
+            </a:r>
+            <a:r>
+              <a:rPr lang="en-US" b="1" dirty="0">
+                <a:solidFill>
+                  <a:srgbClr val="FFC000"/>
+                </a:solidFill>
+              </a:rPr>
+              <a:t> </a:t>
+            </a:r>
+            <a:r>
+              <a:rPr lang="en-US" b="1" dirty="0">
+                <a:solidFill>
+                  <a:srgbClr val="00B050"/>
+                </a:solidFill>
+              </a:rPr>
+              <a:t>✓</a:t>
+            </a:r>
+            <a:endParaRPr lang="en-US" b="1" dirty="0">
+              <a:solidFill>
+                <a:srgbClr val="FFC000"/>
+              </a:solidFill>
+            </a:endParaRPr>
+          </a:p>
+          <a:p>
+            <a:r>
+              <a:rPr lang="en-US" sz="2000" u="sng" dirty="0"/>
+              <a:t>Set E</a:t>
+            </a:r>
+          </a:p>
+          <a:p>
+            <a:pPr lvl="1"/>
+            <a:r>
+              <a:rPr lang="en-US" b="1" dirty="0"/>
+              <a:t>Steel</a:t>
+            </a:r>
+            <a:r>
+              <a:rPr lang="en-US" b="1" dirty="0">
+                <a:solidFill>
+                  <a:srgbClr val="FFC000"/>
+                </a:solidFill>
+              </a:rPr>
+              <a:t> </a:t>
+            </a:r>
+            <a:r>
+              <a:rPr lang="en-US" b="1" dirty="0">
+                <a:solidFill>
+                  <a:srgbClr val="00B050"/>
+                </a:solidFill>
+              </a:rPr>
+              <a:t>✓</a:t>
+            </a:r>
+            <a:endParaRPr lang="en-US" b="1" dirty="0">
+              <a:solidFill>
+                <a:srgbClr val="FFC000"/>
+              </a:solidFill>
+            </a:endParaRPr>
+          </a:p>
+          <a:p>
+            <a:pPr lvl="1"/>
+            <a:r>
+              <a:rPr lang="en-US" b="1" dirty="0" err="1"/>
+              <a:t>Caeser</a:t>
+            </a:r>
+            <a:r>
+              <a:rPr lang="en-US" b="1" dirty="0">
+                <a:solidFill>
+                  <a:srgbClr val="C00000"/>
+                </a:solidFill>
+              </a:rPr>
+              <a:t> </a:t>
+            </a:r>
+            <a:r>
+              <a:rPr lang="en-US" b="1" dirty="0">
+                <a:solidFill>
+                  <a:srgbClr val="FFC000"/>
+                </a:solidFill>
+              </a:rPr>
+              <a:t>X (ran out of time)</a:t>
+            </a:r>
+          </a:p>
+          <a:p>
+            <a:pPr lvl="1"/>
+            <a:r>
+              <a:rPr lang="en-US" b="1" dirty="0"/>
+              <a:t>Spiral</a:t>
+            </a:r>
+            <a:r>
+              <a:rPr lang="en-US" b="1" dirty="0">
+                <a:solidFill>
+                  <a:srgbClr val="00B050"/>
+                </a:solidFill>
+              </a:rPr>
+              <a:t> ✓</a:t>
+            </a:r>
+          </a:p>
+          <a:p>
+            <a:pPr lvl="1"/>
+            <a:r>
+              <a:rPr lang="en-US" b="1" dirty="0"/>
+              <a:t>Tower</a:t>
+            </a:r>
+            <a:r>
+              <a:rPr lang="en-US" b="1" dirty="0">
+                <a:solidFill>
+                  <a:srgbClr val="FFC000"/>
+                </a:solidFill>
+              </a:rPr>
+              <a:t> </a:t>
+            </a:r>
+            <a:r>
+              <a:rPr lang="en-US" b="1" dirty="0">
+                <a:solidFill>
+                  <a:srgbClr val="00B050"/>
+                </a:solidFill>
+              </a:rPr>
+              <a:t>✓</a:t>
+            </a:r>
+            <a:endParaRPr lang="en-US" b="1" dirty="0">
+              <a:solidFill>
+                <a:srgbClr val="FFC000"/>
+              </a:solidFill>
+            </a:endParaRPr>
+          </a:p>
+          <a:p>
+            <a:r>
+              <a:rPr lang="en-US" sz="2000" u="sng" dirty="0"/>
+              <a:t>Set F</a:t>
+            </a:r>
+          </a:p>
+          <a:p>
+            <a:pPr lvl="1"/>
+            <a:r>
+              <a:rPr lang="en-US" b="1" dirty="0"/>
+              <a:t>Spire</a:t>
+            </a:r>
+            <a:r>
+              <a:rPr lang="en-US" b="1" dirty="0">
+                <a:solidFill>
+                  <a:srgbClr val="00B050"/>
+                </a:solidFill>
+              </a:rPr>
+              <a:t> ✓</a:t>
+            </a:r>
+          </a:p>
+          <a:p>
+            <a:pPr lvl="1"/>
+            <a:endParaRPr lang="en-US" dirty="0"/>
+          </a:p>
+        </p:txBody>
+      </p:sp>
+      <p:sp>
+        <p:nvSpPr>
+          <p:cNvPr id="5" name="Footer Placeholder 4">
+            <a:extLst>
+              <a:ext uri="{FF2B5EF4-FFF2-40B4-BE49-F238E27FC236}">
+                <a16:creationId xmlns:a16="http://schemas.microsoft.com/office/drawing/2014/main" id="{38091212-0209-0344-975D-1F2218F04938}"/>
+              </a:ext>
+            </a:extLst>
+          </p:cNvPr>
+          <p:cNvSpPr>
+            <a:spLocks noGrp="1"/>
+          </p:cNvSpPr>
+          <p:nvPr>
+            <p:ph type="ftr" sz="quarter" idx="11"/>
+          </p:nvPr>
+        </p:nvSpPr>
+        <p:spPr/>
+        <p:txBody>
+          <a:bodyPr/>
+          <a:lstStyle/>
+          <a:p>
+            <a:r>
+              <a:rPr lang="en-US"/>
+              <a:t>Florida institute for Cybersecurity Research</a:t>
+            </a:r>
+            <a:endParaRPr lang="en-IE"/>
+          </a:p>
+        </p:txBody>
+      </p:sp>
+      <p:sp>
+        <p:nvSpPr>
+          <p:cNvPr id="6" name="Slide Number Placeholder 5">
+            <a:extLst>
+              <a:ext uri="{FF2B5EF4-FFF2-40B4-BE49-F238E27FC236}">
+                <a16:creationId xmlns:a16="http://schemas.microsoft.com/office/drawing/2014/main" id="{AEE4C2AD-7AF9-2E46-A810-ADC4D82634DA}"/>
+              </a:ext>
+            </a:extLst>
+          </p:cNvPr>
+          <p:cNvSpPr>
+            <a:spLocks noGrp="1"/>
+          </p:cNvSpPr>
+          <p:nvPr>
+            <p:ph type="sldNum" sz="quarter" idx="12"/>
+          </p:nvPr>
+        </p:nvSpPr>
+        <p:spPr/>
+        <p:txBody>
+          <a:bodyPr/>
+          <a:lstStyle/>
+          <a:p>
+            <a:fld id="{940082BA-84E6-714F-969C-52B72CA9F3BE}" type="slidenum">
+              <a:rPr lang="en-IE" smtClean="0"/>
+              <a:t>7</a:t>
+            </a:fld>
+            <a:endParaRPr lang="en-IE"/>
+          </a:p>
+        </p:txBody>
+      </p:sp>
+      <p:sp>
+        <p:nvSpPr>
+          <p:cNvPr id="7" name="Content Placeholder 3">
+            <a:extLst>
+              <a:ext uri="{FF2B5EF4-FFF2-40B4-BE49-F238E27FC236}">
+                <a16:creationId xmlns:a16="http://schemas.microsoft.com/office/drawing/2014/main" id="{91EE54F0-A171-A948-9E04-62C0787F9092}"/>
+              </a:ext>
+            </a:extLst>
+          </p:cNvPr>
+          <p:cNvSpPr txBox="1">
+            <a:spLocks/>
+          </p:cNvSpPr>
+          <p:nvPr/>
+        </p:nvSpPr>
+        <p:spPr>
+          <a:xfrm>
+            <a:off x="4572000" y="4052917"/>
+            <a:ext cx="3886200" cy="3148785"/>
+          </a:xfrm>
+          <a:prstGeom prst="rect">
+            <a:avLst/>
+          </a:prstGeom>
+        </p:spPr>
+        <p:txBody>
+          <a:bodyPr vert="horz" lIns="91440" tIns="45720" rIns="91440" bIns="45720" rtlCol="0">
+            <a:normAutofit/>
+          </a:bodyPr>
+          <a:lstStyle>
+            <a:lvl1pPr marL="171450" indent="-171450" algn="l" defTabSz="685800" rtl="0" eaLnBrk="1" latinLnBrk="0" hangingPunct="1">
+              <a:lnSpc>
+                <a:spcPct val="90000"/>
+              </a:lnSpc>
+              <a:spcBef>
+                <a:spcPts val="750"/>
+              </a:spcBef>
+              <a:buFont typeface="Arial" panose="020B0604020202020204" pitchFamily="34" charset="0"/>
+              <a:buChar char="•"/>
+              <a:defRPr sz="2100" kern="1200">
+                <a:solidFill>
+                  <a:schemeClr val="tx1"/>
+                </a:solidFill>
+                <a:latin typeface="+mj-lt"/>
+                <a:ea typeface="+mn-ea"/>
+                <a:cs typeface="+mn-cs"/>
+              </a:defRPr>
+            </a:lvl1pPr>
+            <a:lvl2pPr marL="514350" indent="-171450" algn="l" defTabSz="685800" rtl="0" eaLnBrk="1" latinLnBrk="0" hangingPunct="1">
+              <a:lnSpc>
+                <a:spcPct val="90000"/>
+              </a:lnSpc>
+              <a:spcBef>
+                <a:spcPts val="375"/>
+              </a:spcBef>
+              <a:buFont typeface="Arial" panose="020B0604020202020204" pitchFamily="34" charset="0"/>
+              <a:buChar char="•"/>
+              <a:defRPr sz="1800" kern="1200">
+                <a:solidFill>
+                  <a:schemeClr val="tx1"/>
+                </a:solidFill>
+                <a:latin typeface="+mj-lt"/>
+                <a:ea typeface="+mn-ea"/>
+                <a:cs typeface="+mn-cs"/>
+              </a:defRPr>
+            </a:lvl2pPr>
+            <a:lvl3pPr marL="857250" indent="-171450" algn="l" defTabSz="685800" rtl="0" eaLnBrk="1" latinLnBrk="0" hangingPunct="1">
+              <a:lnSpc>
+                <a:spcPct val="90000"/>
+              </a:lnSpc>
+              <a:spcBef>
+                <a:spcPts val="375"/>
+              </a:spcBef>
+              <a:buFont typeface="Arial" panose="020B0604020202020204" pitchFamily="34" charset="0"/>
+              <a:buChar char="•"/>
+              <a:defRPr sz="1500" kern="1200">
+                <a:solidFill>
+                  <a:schemeClr val="tx1"/>
+                </a:solidFill>
+                <a:latin typeface="+mj-lt"/>
+                <a:ea typeface="+mn-ea"/>
+                <a:cs typeface="+mn-cs"/>
+              </a:defRPr>
+            </a:lvl3pPr>
+            <a:lvl4pPr marL="1200150" indent="-171450" algn="l" defTabSz="685800" rtl="0" eaLnBrk="1" latinLnBrk="0" hangingPunct="1">
+              <a:lnSpc>
+                <a:spcPct val="90000"/>
+              </a:lnSpc>
+              <a:spcBef>
+                <a:spcPts val="375"/>
+              </a:spcBef>
+              <a:buFont typeface="Arial" panose="020B0604020202020204" pitchFamily="34" charset="0"/>
+              <a:buChar char="•"/>
+              <a:defRPr sz="1350" kern="1200">
+                <a:solidFill>
+                  <a:schemeClr val="tx1"/>
+                </a:solidFill>
+                <a:latin typeface="+mj-lt"/>
+                <a:ea typeface="+mn-ea"/>
+                <a:cs typeface="+mn-cs"/>
+              </a:defRPr>
+            </a:lvl4pPr>
+            <a:lvl5pPr marL="1543050" indent="-171450" algn="l" defTabSz="685800" rtl="0" eaLnBrk="1" latinLnBrk="0" hangingPunct="1">
+              <a:lnSpc>
+                <a:spcPct val="90000"/>
+              </a:lnSpc>
+              <a:spcBef>
+                <a:spcPts val="375"/>
+              </a:spcBef>
+              <a:buFont typeface="Arial" panose="020B0604020202020204" pitchFamily="34" charset="0"/>
+              <a:buChar char="•"/>
+              <a:defRPr sz="1350" kern="1200">
+                <a:solidFill>
+                  <a:schemeClr val="tx1"/>
+                </a:solidFill>
+                <a:latin typeface="+mj-lt"/>
+                <a:ea typeface="+mn-ea"/>
+                <a:cs typeface="+mn-cs"/>
+              </a:defRPr>
+            </a:lvl5pPr>
+            <a:lvl6pPr marL="1885950" indent="-171450" algn="l" defTabSz="685800" rtl="0" eaLnBrk="1" latinLnBrk="0" hangingPunct="1">
+              <a:lnSpc>
+                <a:spcPct val="90000"/>
+              </a:lnSpc>
+              <a:spcBef>
+                <a:spcPts val="375"/>
+              </a:spcBef>
+              <a:buFont typeface="Arial" panose="020B0604020202020204" pitchFamily="34" charset="0"/>
+              <a:buChar char="•"/>
+              <a:defRPr sz="1350" kern="1200">
+                <a:solidFill>
+                  <a:schemeClr val="tx1"/>
+                </a:solidFill>
+                <a:latin typeface="+mn-lt"/>
+                <a:ea typeface="+mn-ea"/>
+                <a:cs typeface="+mn-cs"/>
+              </a:defRPr>
+            </a:lvl6pPr>
+            <a:lvl7pPr marL="2228850" indent="-171450" algn="l" defTabSz="685800" rtl="0" eaLnBrk="1" latinLnBrk="0" hangingPunct="1">
+              <a:lnSpc>
+                <a:spcPct val="90000"/>
+              </a:lnSpc>
+              <a:spcBef>
+                <a:spcPts val="375"/>
+              </a:spcBef>
+              <a:buFont typeface="Arial" panose="020B0604020202020204" pitchFamily="34" charset="0"/>
+              <a:buChar char="•"/>
+              <a:defRPr sz="1350" kern="1200">
+                <a:solidFill>
+                  <a:schemeClr val="tx1"/>
+                </a:solidFill>
+                <a:latin typeface="+mn-lt"/>
+                <a:ea typeface="+mn-ea"/>
+                <a:cs typeface="+mn-cs"/>
+              </a:defRPr>
+            </a:lvl7pPr>
+            <a:lvl8pPr marL="2571750" indent="-171450" algn="l" defTabSz="685800" rtl="0" eaLnBrk="1" latinLnBrk="0" hangingPunct="1">
+              <a:lnSpc>
+                <a:spcPct val="90000"/>
+              </a:lnSpc>
+              <a:spcBef>
+                <a:spcPts val="375"/>
+              </a:spcBef>
+              <a:buFont typeface="Arial" panose="020B0604020202020204" pitchFamily="34" charset="0"/>
+              <a:buChar char="•"/>
+              <a:defRPr sz="1350" kern="1200">
+                <a:solidFill>
+                  <a:schemeClr val="tx1"/>
+                </a:solidFill>
+                <a:latin typeface="+mn-lt"/>
+                <a:ea typeface="+mn-ea"/>
+                <a:cs typeface="+mn-cs"/>
+              </a:defRPr>
+            </a:lvl8pPr>
+            <a:lvl9pPr marL="2914650" indent="-171450" algn="l" defTabSz="685800" rtl="0" eaLnBrk="1" latinLnBrk="0" hangingPunct="1">
+              <a:lnSpc>
+                <a:spcPct val="90000"/>
+              </a:lnSpc>
+              <a:spcBef>
+                <a:spcPts val="375"/>
+              </a:spcBef>
+              <a:buFont typeface="Arial" panose="020B0604020202020204" pitchFamily="34" charset="0"/>
+              <a:buChar char="•"/>
+              <a:defRPr sz="1350" kern="1200">
+                <a:solidFill>
+                  <a:schemeClr val="tx1"/>
+                </a:solidFill>
+                <a:latin typeface="+mn-lt"/>
+                <a:ea typeface="+mn-ea"/>
+                <a:cs typeface="+mn-cs"/>
+              </a:defRPr>
+            </a:lvl9pPr>
+          </a:lstStyle>
+          <a:p>
+            <a:pPr marL="342900" lvl="1" indent="0">
+              <a:buNone/>
+            </a:pPr>
+            <a:r>
+              <a:rPr lang="en-US" sz="2400" b="1" dirty="0">
+                <a:solidFill>
+                  <a:srgbClr val="00B050"/>
+                </a:solidFill>
+              </a:rPr>
+              <a:t>Solved: 16/18 (88.8%)</a:t>
+            </a:r>
+            <a:br>
+              <a:rPr lang="en-US" sz="2400" b="1" dirty="0"/>
+            </a:br>
+            <a:r>
+              <a:rPr lang="en-US" sz="2400" b="1" dirty="0">
+                <a:solidFill>
+                  <a:srgbClr val="FFC000"/>
+                </a:solidFill>
+              </a:rPr>
+              <a:t>DNF: 2/18</a:t>
+            </a:r>
+            <a:endParaRPr lang="en-US" sz="2400" b="1" dirty="0">
+              <a:solidFill>
+                <a:srgbClr val="C00000"/>
+              </a:solidFill>
+            </a:endParaRPr>
+          </a:p>
+        </p:txBody>
+      </p:sp>
+    </p:spTree>
+    <p:extLst>
+      <p:ext uri="{BB962C8B-B14F-4D97-AF65-F5344CB8AC3E}">
+        <p14:creationId xmlns:p14="http://schemas.microsoft.com/office/powerpoint/2010/main" val="3210377017"/>
+      </p:ext>
+    </p:extLst>
+  </p:cSld>
+  <p:clrMapOvr>
+    <a:masterClrMapping/>
+  </p:clrMapOvr>
+</p:sld>
+</file>
+
+<file path=ppt/slides/slide9.xml><?xml version="1.0" encoding="utf-8"?>
+<p:sld xmlns:a="http://schemas.openxmlformats.org/drawingml/2006/main" xmlns:r="http://schemas.openxmlformats.org/officeDocument/2006/relationships" xmlns:p="http://schemas.openxmlformats.org/presentationml/2006/main">
+  <p:cSld>
+    <p:spTree>
+      <p:nvGrpSpPr>
+        <p:cNvPr id="1" name=""/>
+        <p:cNvGrpSpPr/>
+        <p:nvPr/>
+      </p:nvGrpSpPr>
+      <p:grpSpPr>
+        <a:xfrm>
+          <a:off x="0" y="0"/>
+          <a:ext cx="0" cy="0"/>
+          <a:chOff x="0" y="0"/>
+          <a:chExt cx="0" cy="0"/>
+        </a:xfrm>
+      </p:grpSpPr>
+      <p:sp>
+        <p:nvSpPr>
+          <p:cNvPr id="2" name="Title 1">
+            <a:extLst>
+              <a:ext uri="{FF2B5EF4-FFF2-40B4-BE49-F238E27FC236}">
+                <a16:creationId xmlns:a16="http://schemas.microsoft.com/office/drawing/2014/main" id="{3053CDBC-0A5D-D84E-828E-ADF937C2BA11}"/>
+              </a:ext>
+            </a:extLst>
+          </p:cNvPr>
+          <p:cNvSpPr>
+            <a:spLocks noGrp="1"/>
+          </p:cNvSpPr>
+          <p:nvPr>
+            <p:ph type="title"/>
+          </p:nvPr>
+        </p:nvSpPr>
+        <p:spPr/>
+        <p:txBody>
+          <a:bodyPr/>
+          <a:lstStyle/>
+          <a:p>
+            <a:r>
+              <a:rPr lang="en-US" dirty="0"/>
+              <a:t>Full Code Execution via D-Bounce</a:t>
+            </a:r>
+          </a:p>
+        </p:txBody>
+      </p:sp>
+      <p:sp>
+        <p:nvSpPr>
+          <p:cNvPr id="3" name="Content Placeholder 2">
+            <a:extLst>
+              <a:ext uri="{FF2B5EF4-FFF2-40B4-BE49-F238E27FC236}">
+                <a16:creationId xmlns:a16="http://schemas.microsoft.com/office/drawing/2014/main" id="{49AD0EE8-411C-5144-A1DF-D314862FF6AB}"/>
+              </a:ext>
+            </a:extLst>
+          </p:cNvPr>
+          <p:cNvSpPr>
+            <a:spLocks noGrp="1"/>
+          </p:cNvSpPr>
+          <p:nvPr>
+            <p:ph idx="1"/>
+          </p:nvPr>
+        </p:nvSpPr>
+        <p:spPr>
+          <a:xfrm>
+            <a:off x="628650" y="1030941"/>
+            <a:ext cx="7886700" cy="1672558"/>
+          </a:xfrm>
+        </p:spPr>
+        <p:txBody>
+          <a:bodyPr/>
+          <a:lstStyle/>
+          <a:p>
+            <a:r>
+              <a:rPr lang="en-US" u="sng" dirty="0"/>
+              <a:t>Challenge summary</a:t>
+            </a:r>
+            <a:r>
+              <a:rPr lang="en-US" dirty="0"/>
+              <a:t>: you are given a controlled stack overflow and need to redirect the saved LR to the </a:t>
+            </a:r>
+            <a:r>
+              <a:rPr lang="en-US" b="1" dirty="0" err="1"/>
+              <a:t>fillChallengeHash</a:t>
+            </a:r>
+            <a:r>
+              <a:rPr lang="en-US" dirty="0"/>
+              <a:t> function</a:t>
+            </a:r>
+          </a:p>
+          <a:p>
+            <a:r>
+              <a:rPr lang="en-US" dirty="0"/>
+              <a:t>What about redirecting to some shellcode instead?</a:t>
+            </a:r>
+          </a:p>
+          <a:p>
+            <a:r>
+              <a:rPr lang="en-US" dirty="0"/>
+              <a:t>Saved LR -&gt; [0x1fff976d + 0x110] (global RFID array)</a:t>
+            </a:r>
+          </a:p>
+          <a:p>
+            <a:endParaRPr lang="en-US" dirty="0"/>
+          </a:p>
+        </p:txBody>
+      </p:sp>
+      <p:sp>
+        <p:nvSpPr>
+          <p:cNvPr id="5" name="Footer Placeholder 4">
+            <a:extLst>
+              <a:ext uri="{FF2B5EF4-FFF2-40B4-BE49-F238E27FC236}">
+                <a16:creationId xmlns:a16="http://schemas.microsoft.com/office/drawing/2014/main" id="{AE53183F-AC0A-1644-BB92-826454CFF38F}"/>
+              </a:ext>
+            </a:extLst>
+          </p:cNvPr>
+          <p:cNvSpPr>
+            <a:spLocks noGrp="1"/>
+          </p:cNvSpPr>
+          <p:nvPr>
+            <p:ph type="ftr" sz="quarter" idx="11"/>
+          </p:nvPr>
+        </p:nvSpPr>
+        <p:spPr/>
+        <p:txBody>
+          <a:bodyPr/>
+          <a:lstStyle/>
+          <a:p>
+            <a:r>
+              <a:rPr lang="en-US"/>
+              <a:t>Florida institute for Cybersecurity Research</a:t>
+            </a:r>
+            <a:endParaRPr lang="en-IE"/>
+          </a:p>
+        </p:txBody>
+      </p:sp>
+      <p:sp>
+        <p:nvSpPr>
+          <p:cNvPr id="6" name="Slide Number Placeholder 5">
+            <a:extLst>
+              <a:ext uri="{FF2B5EF4-FFF2-40B4-BE49-F238E27FC236}">
+                <a16:creationId xmlns:a16="http://schemas.microsoft.com/office/drawing/2014/main" id="{6BC8C2F0-731D-4F4E-8EBF-A1B5D358EE57}"/>
+              </a:ext>
+            </a:extLst>
+          </p:cNvPr>
+          <p:cNvSpPr>
+            <a:spLocks noGrp="1"/>
+          </p:cNvSpPr>
+          <p:nvPr>
+            <p:ph type="sldNum" sz="quarter" idx="12"/>
+          </p:nvPr>
+        </p:nvSpPr>
+        <p:spPr/>
+        <p:txBody>
+          <a:bodyPr/>
+          <a:lstStyle/>
+          <a:p>
+            <a:fld id="{940082BA-84E6-714F-969C-52B72CA9F3BE}" type="slidenum">
+              <a:rPr lang="en-IE" smtClean="0"/>
+              <a:t>8</a:t>
+            </a:fld>
+            <a:endParaRPr lang="en-IE"/>
+          </a:p>
+        </p:txBody>
+      </p:sp>
+      <p:sp>
+        <p:nvSpPr>
+          <p:cNvPr id="7" name="Content Placeholder 2">
+            <a:extLst>
+              <a:ext uri="{FF2B5EF4-FFF2-40B4-BE49-F238E27FC236}">
+                <a16:creationId xmlns:a16="http://schemas.microsoft.com/office/drawing/2014/main" id="{78B8D848-9BCB-4A4A-9882-F7826C6A1AED}"/>
+              </a:ext>
+            </a:extLst>
+          </p:cNvPr>
+          <p:cNvSpPr txBox="1">
+            <a:spLocks/>
+          </p:cNvSpPr>
+          <p:nvPr/>
+        </p:nvSpPr>
+        <p:spPr>
+          <a:xfrm>
+            <a:off x="1519806" y="2578167"/>
+            <a:ext cx="3589404" cy="3978005"/>
+          </a:xfrm>
+          <a:prstGeom prst="rect">
+            <a:avLst/>
+          </a:prstGeom>
+        </p:spPr>
+        <p:txBody>
+          <a:bodyPr vert="horz" lIns="91440" tIns="45720" rIns="91440" bIns="45720" rtlCol="0">
+            <a:normAutofit fontScale="92500" lnSpcReduction="10000"/>
+          </a:bodyPr>
+          <a:lstStyle>
+            <a:lvl1pPr marL="171450" indent="-171450" algn="l" defTabSz="685800" rtl="0" eaLnBrk="1" latinLnBrk="0" hangingPunct="1">
+              <a:lnSpc>
+                <a:spcPct val="90000"/>
+              </a:lnSpc>
+              <a:spcBef>
+                <a:spcPts val="750"/>
+              </a:spcBef>
+              <a:buFont typeface="Arial" panose="020B0604020202020204" pitchFamily="34" charset="0"/>
+              <a:buChar char="•"/>
+              <a:defRPr sz="2100" kern="1200">
+                <a:solidFill>
+                  <a:schemeClr val="tx1"/>
+                </a:solidFill>
+                <a:latin typeface="+mj-lt"/>
+                <a:ea typeface="+mn-ea"/>
+                <a:cs typeface="+mn-cs"/>
+              </a:defRPr>
+            </a:lvl1pPr>
+            <a:lvl2pPr marL="514350" indent="-171450" algn="l" defTabSz="685800" rtl="0" eaLnBrk="1" latinLnBrk="0" hangingPunct="1">
+              <a:lnSpc>
+                <a:spcPct val="90000"/>
+              </a:lnSpc>
+              <a:spcBef>
+                <a:spcPts val="375"/>
+              </a:spcBef>
+              <a:buFont typeface="Arial" panose="020B0604020202020204" pitchFamily="34" charset="0"/>
+              <a:buChar char="•"/>
+              <a:defRPr sz="1800" kern="1200">
+                <a:solidFill>
+                  <a:schemeClr val="tx1"/>
+                </a:solidFill>
+                <a:latin typeface="+mj-lt"/>
+                <a:ea typeface="+mn-ea"/>
+                <a:cs typeface="+mn-cs"/>
+              </a:defRPr>
+            </a:lvl2pPr>
+            <a:lvl3pPr marL="857250" indent="-171450" algn="l" defTabSz="685800" rtl="0" eaLnBrk="1" latinLnBrk="0" hangingPunct="1">
+              <a:lnSpc>
+                <a:spcPct val="90000"/>
+              </a:lnSpc>
+              <a:spcBef>
+                <a:spcPts val="375"/>
+              </a:spcBef>
+              <a:buFont typeface="Arial" panose="020B0604020202020204" pitchFamily="34" charset="0"/>
+              <a:buChar char="•"/>
+              <a:defRPr sz="1500" kern="1200">
+                <a:solidFill>
+                  <a:schemeClr val="tx1"/>
+                </a:solidFill>
+                <a:latin typeface="+mj-lt"/>
+                <a:ea typeface="+mn-ea"/>
+                <a:cs typeface="+mn-cs"/>
+              </a:defRPr>
+            </a:lvl3pPr>
+            <a:lvl4pPr marL="1200150" indent="-171450" algn="l" defTabSz="685800" rtl="0" eaLnBrk="1" latinLnBrk="0" hangingPunct="1">
+              <a:lnSpc>
+                <a:spcPct val="90000"/>
+              </a:lnSpc>
+              <a:spcBef>
+                <a:spcPts val="375"/>
+              </a:spcBef>
+              <a:buFont typeface="Arial" panose="020B0604020202020204" pitchFamily="34" charset="0"/>
+              <a:buChar char="•"/>
+              <a:defRPr sz="1350" kern="1200">
+                <a:solidFill>
+                  <a:schemeClr val="tx1"/>
+                </a:solidFill>
+                <a:latin typeface="+mj-lt"/>
+                <a:ea typeface="+mn-ea"/>
+                <a:cs typeface="+mn-cs"/>
+              </a:defRPr>
+            </a:lvl4pPr>
+            <a:lvl5pPr marL="1543050" indent="-171450" algn="l" defTabSz="685800" rtl="0" eaLnBrk="1" latinLnBrk="0" hangingPunct="1">
+              <a:lnSpc>
+                <a:spcPct val="90000"/>
+              </a:lnSpc>
+              <a:spcBef>
+                <a:spcPts val="375"/>
+              </a:spcBef>
+              <a:buFont typeface="Arial" panose="020B0604020202020204" pitchFamily="34" charset="0"/>
+              <a:buChar char="•"/>
+              <a:defRPr sz="1350" kern="1200">
+                <a:solidFill>
+                  <a:schemeClr val="tx1"/>
+                </a:solidFill>
+                <a:latin typeface="+mj-lt"/>
+                <a:ea typeface="+mn-ea"/>
+                <a:cs typeface="+mn-cs"/>
+              </a:defRPr>
+            </a:lvl5pPr>
+            <a:lvl6pPr marL="1885950" indent="-171450" algn="l" defTabSz="685800" rtl="0" eaLnBrk="1" latinLnBrk="0" hangingPunct="1">
+              <a:lnSpc>
+                <a:spcPct val="90000"/>
+              </a:lnSpc>
+              <a:spcBef>
+                <a:spcPts val="375"/>
+              </a:spcBef>
+              <a:buFont typeface="Arial" panose="020B0604020202020204" pitchFamily="34" charset="0"/>
+              <a:buChar char="•"/>
+              <a:defRPr sz="1350" kern="1200">
+                <a:solidFill>
+                  <a:schemeClr val="tx1"/>
+                </a:solidFill>
+                <a:latin typeface="+mn-lt"/>
+                <a:ea typeface="+mn-ea"/>
+                <a:cs typeface="+mn-cs"/>
+              </a:defRPr>
+            </a:lvl6pPr>
+            <a:lvl7pPr marL="2228850" indent="-171450" algn="l" defTabSz="685800" rtl="0" eaLnBrk="1" latinLnBrk="0" hangingPunct="1">
+              <a:lnSpc>
+                <a:spcPct val="90000"/>
+              </a:lnSpc>
+              <a:spcBef>
+                <a:spcPts val="375"/>
+              </a:spcBef>
+              <a:buFont typeface="Arial" panose="020B0604020202020204" pitchFamily="34" charset="0"/>
+              <a:buChar char="•"/>
+              <a:defRPr sz="1350" kern="1200">
+                <a:solidFill>
+                  <a:schemeClr val="tx1"/>
+                </a:solidFill>
+                <a:latin typeface="+mn-lt"/>
+                <a:ea typeface="+mn-ea"/>
+                <a:cs typeface="+mn-cs"/>
+              </a:defRPr>
+            </a:lvl7pPr>
+            <a:lvl8pPr marL="2571750" indent="-171450" algn="l" defTabSz="685800" rtl="0" eaLnBrk="1" latinLnBrk="0" hangingPunct="1">
+              <a:lnSpc>
+                <a:spcPct val="90000"/>
+              </a:lnSpc>
+              <a:spcBef>
+                <a:spcPts val="375"/>
+              </a:spcBef>
+              <a:buFont typeface="Arial" panose="020B0604020202020204" pitchFamily="34" charset="0"/>
+              <a:buChar char="•"/>
+              <a:defRPr sz="1350" kern="1200">
+                <a:solidFill>
+                  <a:schemeClr val="tx1"/>
+                </a:solidFill>
+                <a:latin typeface="+mn-lt"/>
+                <a:ea typeface="+mn-ea"/>
+                <a:cs typeface="+mn-cs"/>
+              </a:defRPr>
+            </a:lvl8pPr>
+            <a:lvl9pPr marL="2914650" indent="-171450" algn="l" defTabSz="685800" rtl="0" eaLnBrk="1" latinLnBrk="0" hangingPunct="1">
+              <a:lnSpc>
+                <a:spcPct val="90000"/>
+              </a:lnSpc>
+              <a:spcBef>
+                <a:spcPts val="375"/>
+              </a:spcBef>
+              <a:buFont typeface="Arial" panose="020B0604020202020204" pitchFamily="34" charset="0"/>
+              <a:buChar char="•"/>
+              <a:defRPr sz="1350" kern="1200">
+                <a:solidFill>
+                  <a:schemeClr val="tx1"/>
+                </a:solidFill>
+                <a:latin typeface="+mn-lt"/>
+                <a:ea typeface="+mn-ea"/>
+                <a:cs typeface="+mn-cs"/>
+              </a:defRPr>
+            </a:lvl9pPr>
+          </a:lstStyle>
+          <a:p>
+            <a:pPr marL="0" indent="0">
+              <a:buNone/>
+            </a:pPr>
+            <a:r>
+              <a:rPr lang="en-US" sz="1800" dirty="0">
+                <a:solidFill>
+                  <a:srgbClr val="2953FF"/>
+                </a:solidFill>
+                <a:latin typeface="Courier New" panose="02070309020205020404" pitchFamily="49" charset="0"/>
+                <a:cs typeface="Courier New" panose="02070309020205020404" pitchFamily="49" charset="0"/>
+              </a:rPr>
+              <a:t>.section .text</a:t>
+            </a:r>
+            <a:br>
+              <a:rPr lang="en-US" sz="1800" dirty="0">
+                <a:latin typeface="Courier New" panose="02070309020205020404" pitchFamily="49" charset="0"/>
+                <a:cs typeface="Courier New" panose="02070309020205020404" pitchFamily="49" charset="0"/>
+              </a:rPr>
+            </a:br>
+            <a:r>
+              <a:rPr lang="en-US" sz="1800" dirty="0">
+                <a:solidFill>
+                  <a:srgbClr val="2953FF"/>
+                </a:solidFill>
+                <a:latin typeface="Courier New" panose="02070309020205020404" pitchFamily="49" charset="0"/>
+                <a:cs typeface="Courier New" panose="02070309020205020404" pitchFamily="49" charset="0"/>
+              </a:rPr>
+              <a:t>.align </a:t>
+            </a:r>
+            <a:r>
+              <a:rPr lang="en-US" sz="1800" dirty="0">
+                <a:latin typeface="Courier New" panose="02070309020205020404" pitchFamily="49" charset="0"/>
+                <a:cs typeface="Courier New" panose="02070309020205020404" pitchFamily="49" charset="0"/>
+              </a:rPr>
+              <a:t>2</a:t>
+            </a:r>
+            <a:br>
+              <a:rPr lang="en-US" sz="1800" dirty="0">
+                <a:latin typeface="Courier New" panose="02070309020205020404" pitchFamily="49" charset="0"/>
+                <a:cs typeface="Courier New" panose="02070309020205020404" pitchFamily="49" charset="0"/>
+              </a:rPr>
+            </a:br>
+            <a:r>
+              <a:rPr lang="en-US" sz="1800" dirty="0">
+                <a:solidFill>
+                  <a:srgbClr val="2953FF"/>
+                </a:solidFill>
+                <a:latin typeface="Courier New" panose="02070309020205020404" pitchFamily="49" charset="0"/>
+                <a:cs typeface="Courier New" panose="02070309020205020404" pitchFamily="49" charset="0"/>
+              </a:rPr>
+              <a:t>.syntax unified</a:t>
+            </a:r>
+          </a:p>
+          <a:p>
+            <a:pPr marL="0" indent="0">
+              <a:buNone/>
+            </a:pPr>
+            <a:r>
+              <a:rPr lang="en-US" sz="1800" b="1" dirty="0" err="1">
+                <a:latin typeface="Courier New" panose="02070309020205020404" pitchFamily="49" charset="0"/>
+                <a:cs typeface="Courier New" panose="02070309020205020404" pitchFamily="49" charset="0"/>
+              </a:rPr>
+              <a:t>adr</a:t>
+            </a:r>
+            <a:r>
+              <a:rPr lang="en-US" sz="1800" dirty="0">
+                <a:latin typeface="Courier New" panose="02070309020205020404" pitchFamily="49" charset="0"/>
+                <a:cs typeface="Courier New" panose="02070309020205020404" pitchFamily="49" charset="0"/>
+              </a:rPr>
+              <a:t> r7, </a:t>
+            </a:r>
+            <a:r>
+              <a:rPr lang="en-US" sz="1800" b="1" dirty="0" err="1">
+                <a:solidFill>
+                  <a:schemeClr val="accent2">
+                    <a:lumMod val="75000"/>
+                  </a:schemeClr>
+                </a:solidFill>
+                <a:latin typeface="Courier New" panose="02070309020205020404" pitchFamily="49" charset="0"/>
+                <a:cs typeface="Courier New" panose="02070309020205020404" pitchFamily="49" charset="0"/>
+              </a:rPr>
+              <a:t>serial_putchar</a:t>
+            </a:r>
+            <a:endParaRPr lang="en-US" sz="1800" b="1" dirty="0">
+              <a:solidFill>
+                <a:schemeClr val="accent2">
+                  <a:lumMod val="75000"/>
+                </a:schemeClr>
+              </a:solidFill>
+              <a:latin typeface="Courier New" panose="02070309020205020404" pitchFamily="49" charset="0"/>
+              <a:cs typeface="Courier New" panose="02070309020205020404" pitchFamily="49" charset="0"/>
+            </a:endParaRPr>
+          </a:p>
+          <a:p>
+            <a:pPr marL="0" indent="0">
+              <a:buNone/>
+            </a:pPr>
+            <a:r>
+              <a:rPr lang="en-US" sz="1800" b="1" dirty="0" err="1">
+                <a:latin typeface="Courier New" panose="02070309020205020404" pitchFamily="49" charset="0"/>
+                <a:cs typeface="Courier New" panose="02070309020205020404" pitchFamily="49" charset="0"/>
+              </a:rPr>
+              <a:t>ldrh</a:t>
+            </a:r>
+            <a:r>
+              <a:rPr lang="en-US" sz="1800" dirty="0">
+                <a:latin typeface="Courier New" panose="02070309020205020404" pitchFamily="49" charset="0"/>
+                <a:cs typeface="Courier New" panose="02070309020205020404" pitchFamily="49" charset="0"/>
+              </a:rPr>
+              <a:t> r7, [r7]</a:t>
+            </a:r>
+          </a:p>
+          <a:p>
+            <a:pPr marL="0" indent="0">
+              <a:buNone/>
+            </a:pPr>
+            <a:r>
+              <a:rPr lang="en-US" sz="1800" b="1" dirty="0" err="1">
+                <a:latin typeface="Courier New" panose="02070309020205020404" pitchFamily="49" charset="0"/>
+                <a:cs typeface="Courier New" panose="02070309020205020404" pitchFamily="49" charset="0"/>
+              </a:rPr>
+              <a:t>adr</a:t>
+            </a:r>
+            <a:r>
+              <a:rPr lang="en-US" sz="1800" dirty="0">
+                <a:latin typeface="Courier New" panose="02070309020205020404" pitchFamily="49" charset="0"/>
+                <a:cs typeface="Courier New" panose="02070309020205020404" pitchFamily="49" charset="0"/>
+              </a:rPr>
+              <a:t> r6, </a:t>
+            </a:r>
+            <a:r>
+              <a:rPr lang="en-US" sz="1800" b="1" dirty="0">
+                <a:solidFill>
+                  <a:schemeClr val="accent2">
+                    <a:lumMod val="75000"/>
+                  </a:schemeClr>
+                </a:solidFill>
+                <a:latin typeface="Courier New" panose="02070309020205020404" pitchFamily="49" charset="0"/>
+                <a:cs typeface="Courier New" panose="02070309020205020404" pitchFamily="49" charset="0"/>
+              </a:rPr>
+              <a:t>hacked</a:t>
+            </a:r>
+          </a:p>
+          <a:p>
+            <a:pPr marL="0" indent="0">
+              <a:buNone/>
+            </a:pPr>
+            <a:br>
+              <a:rPr lang="en-US" sz="1800" dirty="0">
+                <a:latin typeface="Courier New" panose="02070309020205020404" pitchFamily="49" charset="0"/>
+                <a:cs typeface="Courier New" panose="02070309020205020404" pitchFamily="49" charset="0"/>
+              </a:rPr>
+            </a:br>
+            <a:r>
+              <a:rPr lang="en-US" sz="1800" b="1" dirty="0">
+                <a:solidFill>
+                  <a:schemeClr val="accent2">
+                    <a:lumMod val="75000"/>
+                  </a:schemeClr>
+                </a:solidFill>
+                <a:latin typeface="Courier New" panose="02070309020205020404" pitchFamily="49" charset="0"/>
+                <a:cs typeface="Courier New" panose="02070309020205020404" pitchFamily="49" charset="0"/>
+              </a:rPr>
+              <a:t>looper</a:t>
+            </a:r>
+            <a:r>
+              <a:rPr lang="en-US" sz="1800" dirty="0">
+                <a:latin typeface="Courier New" panose="02070309020205020404" pitchFamily="49" charset="0"/>
+                <a:cs typeface="Courier New" panose="02070309020205020404" pitchFamily="49" charset="0"/>
+              </a:rPr>
+              <a:t>:</a:t>
+            </a:r>
+          </a:p>
+          <a:p>
+            <a:pPr marL="0" indent="0">
+              <a:buNone/>
+            </a:pPr>
+            <a:r>
+              <a:rPr lang="en-US" sz="1800" dirty="0">
+                <a:latin typeface="Courier New" panose="02070309020205020404" pitchFamily="49" charset="0"/>
+                <a:cs typeface="Courier New" panose="02070309020205020404" pitchFamily="49" charset="0"/>
+              </a:rPr>
+              <a:t>  </a:t>
+            </a:r>
+            <a:r>
+              <a:rPr lang="en-US" sz="1800" b="1" dirty="0" err="1">
+                <a:latin typeface="Courier New" panose="02070309020205020404" pitchFamily="49" charset="0"/>
+                <a:cs typeface="Courier New" panose="02070309020205020404" pitchFamily="49" charset="0"/>
+              </a:rPr>
+              <a:t>ldrb</a:t>
+            </a:r>
+            <a:r>
+              <a:rPr lang="en-US" sz="1800" dirty="0">
+                <a:latin typeface="Courier New" panose="02070309020205020404" pitchFamily="49" charset="0"/>
+                <a:cs typeface="Courier New" panose="02070309020205020404" pitchFamily="49" charset="0"/>
+              </a:rPr>
+              <a:t> r0, [r6]</a:t>
+            </a:r>
+          </a:p>
+          <a:p>
+            <a:pPr marL="0" indent="0">
+              <a:buNone/>
+            </a:pPr>
+            <a:r>
+              <a:rPr lang="en-US" sz="1800" dirty="0">
+                <a:latin typeface="Courier New" panose="02070309020205020404" pitchFamily="49" charset="0"/>
+                <a:cs typeface="Courier New" panose="02070309020205020404" pitchFamily="49" charset="0"/>
+              </a:rPr>
+              <a:t>  </a:t>
+            </a:r>
+            <a:r>
+              <a:rPr lang="en-US" sz="1800" b="1" dirty="0" err="1">
+                <a:latin typeface="Courier New" panose="02070309020205020404" pitchFamily="49" charset="0"/>
+                <a:cs typeface="Courier New" panose="02070309020205020404" pitchFamily="49" charset="0"/>
+              </a:rPr>
+              <a:t>blx</a:t>
+            </a:r>
+            <a:r>
+              <a:rPr lang="en-US" sz="1800" dirty="0">
+                <a:latin typeface="Courier New" panose="02070309020205020404" pitchFamily="49" charset="0"/>
+                <a:cs typeface="Courier New" panose="02070309020205020404" pitchFamily="49" charset="0"/>
+              </a:rPr>
+              <a:t> r7</a:t>
+            </a:r>
+          </a:p>
+          <a:p>
+            <a:pPr marL="0" indent="0">
+              <a:buNone/>
+            </a:pPr>
+            <a:r>
+              <a:rPr lang="en-US" sz="1800" dirty="0">
+                <a:latin typeface="Courier New" panose="02070309020205020404" pitchFamily="49" charset="0"/>
+                <a:cs typeface="Courier New" panose="02070309020205020404" pitchFamily="49" charset="0"/>
+              </a:rPr>
+              <a:t>  </a:t>
+            </a:r>
+            <a:r>
+              <a:rPr lang="en-US" sz="1800" b="1" dirty="0" err="1">
+                <a:latin typeface="Courier New" panose="02070309020205020404" pitchFamily="49" charset="0"/>
+                <a:cs typeface="Courier New" panose="02070309020205020404" pitchFamily="49" charset="0"/>
+              </a:rPr>
+              <a:t>ldrb</a:t>
+            </a:r>
+            <a:r>
+              <a:rPr lang="en-US" sz="1800" dirty="0">
+                <a:latin typeface="Courier New" panose="02070309020205020404" pitchFamily="49" charset="0"/>
+                <a:cs typeface="Courier New" panose="02070309020205020404" pitchFamily="49" charset="0"/>
+              </a:rPr>
+              <a:t> r0, [r6, </a:t>
+            </a:r>
+            <a:r>
+              <a:rPr lang="en-US" sz="1800" dirty="0">
+                <a:solidFill>
+                  <a:srgbClr val="00B050"/>
+                </a:solidFill>
+                <a:latin typeface="Courier New" panose="02070309020205020404" pitchFamily="49" charset="0"/>
+                <a:cs typeface="Courier New" panose="02070309020205020404" pitchFamily="49" charset="0"/>
+              </a:rPr>
+              <a:t>#1</a:t>
+            </a:r>
+            <a:r>
+              <a:rPr lang="en-US" sz="1800" dirty="0">
+                <a:latin typeface="Courier New" panose="02070309020205020404" pitchFamily="49" charset="0"/>
+                <a:cs typeface="Courier New" panose="02070309020205020404" pitchFamily="49" charset="0"/>
+              </a:rPr>
+              <a:t>]</a:t>
+            </a:r>
+          </a:p>
+          <a:p>
+            <a:pPr marL="0" indent="0">
+              <a:buNone/>
+            </a:pPr>
+            <a:r>
+              <a:rPr lang="en-US" sz="1800" dirty="0">
+                <a:latin typeface="Courier New" panose="02070309020205020404" pitchFamily="49" charset="0"/>
+                <a:cs typeface="Courier New" panose="02070309020205020404" pitchFamily="49" charset="0"/>
+              </a:rPr>
+              <a:t>  </a:t>
+            </a:r>
+            <a:r>
+              <a:rPr lang="en-US" sz="1800" b="1" dirty="0" err="1">
+                <a:latin typeface="Courier New" panose="02070309020205020404" pitchFamily="49" charset="0"/>
+                <a:cs typeface="Courier New" panose="02070309020205020404" pitchFamily="49" charset="0"/>
+              </a:rPr>
+              <a:t>blx</a:t>
+            </a:r>
+            <a:r>
+              <a:rPr lang="en-US" sz="1800" dirty="0">
+                <a:latin typeface="Courier New" panose="02070309020205020404" pitchFamily="49" charset="0"/>
+                <a:cs typeface="Courier New" panose="02070309020205020404" pitchFamily="49" charset="0"/>
+              </a:rPr>
+              <a:t> r7</a:t>
+            </a:r>
+          </a:p>
+          <a:p>
+            <a:pPr marL="0" indent="0">
+              <a:buNone/>
+            </a:pPr>
+            <a:r>
+              <a:rPr lang="en-US" sz="1800" dirty="0">
+                <a:latin typeface="Courier New" panose="02070309020205020404" pitchFamily="49" charset="0"/>
+                <a:cs typeface="Courier New" panose="02070309020205020404" pitchFamily="49" charset="0"/>
+              </a:rPr>
+              <a:t>b </a:t>
+            </a:r>
+            <a:r>
+              <a:rPr lang="en-US" sz="1800" b="1" dirty="0">
+                <a:solidFill>
+                  <a:schemeClr val="accent2">
+                    <a:lumMod val="75000"/>
+                  </a:schemeClr>
+                </a:solidFill>
+                <a:latin typeface="Courier New" panose="02070309020205020404" pitchFamily="49" charset="0"/>
+                <a:cs typeface="Courier New" panose="02070309020205020404" pitchFamily="49" charset="0"/>
+              </a:rPr>
+              <a:t>looper</a:t>
+            </a:r>
+          </a:p>
+        </p:txBody>
+      </p:sp>
+      <p:sp>
+        <p:nvSpPr>
+          <p:cNvPr id="8" name="Content Placeholder 2">
+            <a:extLst>
+              <a:ext uri="{FF2B5EF4-FFF2-40B4-BE49-F238E27FC236}">
+                <a16:creationId xmlns:a16="http://schemas.microsoft.com/office/drawing/2014/main" id="{5D8B281A-303A-CA4E-A6DF-168491E65E2A}"/>
+              </a:ext>
+            </a:extLst>
+          </p:cNvPr>
+          <p:cNvSpPr txBox="1">
+            <a:spLocks/>
+          </p:cNvSpPr>
+          <p:nvPr/>
+        </p:nvSpPr>
+        <p:spPr>
+          <a:xfrm>
+            <a:off x="5029592" y="2957376"/>
+            <a:ext cx="3509394" cy="5146022"/>
+          </a:xfrm>
+          <a:prstGeom prst="rect">
+            <a:avLst/>
+          </a:prstGeom>
+        </p:spPr>
+        <p:txBody>
+          <a:bodyPr vert="horz" lIns="91440" tIns="45720" rIns="91440" bIns="45720" rtlCol="0">
+            <a:normAutofit/>
+          </a:bodyPr>
+          <a:lstStyle>
+            <a:lvl1pPr marL="171450" indent="-171450" algn="l" defTabSz="685800" rtl="0" eaLnBrk="1" latinLnBrk="0" hangingPunct="1">
+              <a:lnSpc>
+                <a:spcPct val="90000"/>
+              </a:lnSpc>
+              <a:spcBef>
+                <a:spcPts val="750"/>
+              </a:spcBef>
+              <a:buFont typeface="Arial" panose="020B0604020202020204" pitchFamily="34" charset="0"/>
+              <a:buChar char="•"/>
+              <a:defRPr sz="2100" kern="1200">
+                <a:solidFill>
+                  <a:schemeClr val="tx1"/>
+                </a:solidFill>
+                <a:latin typeface="+mj-lt"/>
+                <a:ea typeface="+mn-ea"/>
+                <a:cs typeface="+mn-cs"/>
+              </a:defRPr>
+            </a:lvl1pPr>
+            <a:lvl2pPr marL="514350" indent="-171450" algn="l" defTabSz="685800" rtl="0" eaLnBrk="1" latinLnBrk="0" hangingPunct="1">
+              <a:lnSpc>
+                <a:spcPct val="90000"/>
+              </a:lnSpc>
+              <a:spcBef>
+                <a:spcPts val="375"/>
+              </a:spcBef>
+              <a:buFont typeface="Arial" panose="020B0604020202020204" pitchFamily="34" charset="0"/>
+              <a:buChar char="•"/>
+              <a:defRPr sz="1800" kern="1200">
+                <a:solidFill>
+                  <a:schemeClr val="tx1"/>
+                </a:solidFill>
+                <a:latin typeface="+mj-lt"/>
+                <a:ea typeface="+mn-ea"/>
+                <a:cs typeface="+mn-cs"/>
+              </a:defRPr>
+            </a:lvl2pPr>
+            <a:lvl3pPr marL="857250" indent="-171450" algn="l" defTabSz="685800" rtl="0" eaLnBrk="1" latinLnBrk="0" hangingPunct="1">
+              <a:lnSpc>
+                <a:spcPct val="90000"/>
+              </a:lnSpc>
+              <a:spcBef>
+                <a:spcPts val="375"/>
+              </a:spcBef>
+              <a:buFont typeface="Arial" panose="020B0604020202020204" pitchFamily="34" charset="0"/>
+              <a:buChar char="•"/>
+              <a:defRPr sz="1500" kern="1200">
+                <a:solidFill>
+                  <a:schemeClr val="tx1"/>
+                </a:solidFill>
+                <a:latin typeface="+mj-lt"/>
+                <a:ea typeface="+mn-ea"/>
+                <a:cs typeface="+mn-cs"/>
+              </a:defRPr>
+            </a:lvl3pPr>
+            <a:lvl4pPr marL="1200150" indent="-171450" algn="l" defTabSz="685800" rtl="0" eaLnBrk="1" latinLnBrk="0" hangingPunct="1">
+              <a:lnSpc>
+                <a:spcPct val="90000"/>
+              </a:lnSpc>
+              <a:spcBef>
+                <a:spcPts val="375"/>
+              </a:spcBef>
+              <a:buFont typeface="Arial" panose="020B0604020202020204" pitchFamily="34" charset="0"/>
+              <a:buChar char="•"/>
+              <a:defRPr sz="1350" kern="1200">
+                <a:solidFill>
+                  <a:schemeClr val="tx1"/>
+                </a:solidFill>
+                <a:latin typeface="+mj-lt"/>
+                <a:ea typeface="+mn-ea"/>
+                <a:cs typeface="+mn-cs"/>
+              </a:defRPr>
+            </a:lvl4pPr>
+            <a:lvl5pPr marL="1543050" indent="-171450" algn="l" defTabSz="685800" rtl="0" eaLnBrk="1" latinLnBrk="0" hangingPunct="1">
+              <a:lnSpc>
+                <a:spcPct val="90000"/>
+              </a:lnSpc>
+              <a:spcBef>
+                <a:spcPts val="375"/>
+              </a:spcBef>
+              <a:buFont typeface="Arial" panose="020B0604020202020204" pitchFamily="34" charset="0"/>
+              <a:buChar char="•"/>
+              <a:defRPr sz="1350" kern="1200">
+                <a:solidFill>
+                  <a:schemeClr val="tx1"/>
+                </a:solidFill>
+                <a:latin typeface="+mj-lt"/>
+                <a:ea typeface="+mn-ea"/>
+                <a:cs typeface="+mn-cs"/>
+              </a:defRPr>
+            </a:lvl5pPr>
+            <a:lvl6pPr marL="1885950" indent="-171450" algn="l" defTabSz="685800" rtl="0" eaLnBrk="1" latinLnBrk="0" hangingPunct="1">
+              <a:lnSpc>
+                <a:spcPct val="90000"/>
+              </a:lnSpc>
+              <a:spcBef>
+                <a:spcPts val="375"/>
+              </a:spcBef>
+              <a:buFont typeface="Arial" panose="020B0604020202020204" pitchFamily="34" charset="0"/>
+              <a:buChar char="•"/>
+              <a:defRPr sz="1350" kern="1200">
+                <a:solidFill>
+                  <a:schemeClr val="tx1"/>
+                </a:solidFill>
+                <a:latin typeface="+mn-lt"/>
+                <a:ea typeface="+mn-ea"/>
+                <a:cs typeface="+mn-cs"/>
+              </a:defRPr>
+            </a:lvl6pPr>
+            <a:lvl7pPr marL="2228850" indent="-171450" algn="l" defTabSz="685800" rtl="0" eaLnBrk="1" latinLnBrk="0" hangingPunct="1">
+              <a:lnSpc>
+                <a:spcPct val="90000"/>
+              </a:lnSpc>
+              <a:spcBef>
+                <a:spcPts val="375"/>
+              </a:spcBef>
+              <a:buFont typeface="Arial" panose="020B0604020202020204" pitchFamily="34" charset="0"/>
+              <a:buChar char="•"/>
+              <a:defRPr sz="1350" kern="1200">
+                <a:solidFill>
+                  <a:schemeClr val="tx1"/>
+                </a:solidFill>
+                <a:latin typeface="+mn-lt"/>
+                <a:ea typeface="+mn-ea"/>
+                <a:cs typeface="+mn-cs"/>
+              </a:defRPr>
+            </a:lvl7pPr>
+            <a:lvl8pPr marL="2571750" indent="-171450" algn="l" defTabSz="685800" rtl="0" eaLnBrk="1" latinLnBrk="0" hangingPunct="1">
+              <a:lnSpc>
+                <a:spcPct val="90000"/>
+              </a:lnSpc>
+              <a:spcBef>
+                <a:spcPts val="375"/>
+              </a:spcBef>
+              <a:buFont typeface="Arial" panose="020B0604020202020204" pitchFamily="34" charset="0"/>
+              <a:buChar char="•"/>
+              <a:defRPr sz="1350" kern="1200">
+                <a:solidFill>
+                  <a:schemeClr val="tx1"/>
+                </a:solidFill>
+                <a:latin typeface="+mn-lt"/>
+                <a:ea typeface="+mn-ea"/>
+                <a:cs typeface="+mn-cs"/>
+              </a:defRPr>
+            </a:lvl8pPr>
+            <a:lvl9pPr marL="2914650" indent="-171450" algn="l" defTabSz="685800" rtl="0" eaLnBrk="1" latinLnBrk="0" hangingPunct="1">
+              <a:lnSpc>
+                <a:spcPct val="90000"/>
+              </a:lnSpc>
+              <a:spcBef>
+                <a:spcPts val="375"/>
+              </a:spcBef>
+              <a:buFont typeface="Arial" panose="020B0604020202020204" pitchFamily="34" charset="0"/>
+              <a:buChar char="•"/>
+              <a:defRPr sz="1350" kern="1200">
+                <a:solidFill>
+                  <a:schemeClr val="tx1"/>
+                </a:solidFill>
+                <a:latin typeface="+mn-lt"/>
+                <a:ea typeface="+mn-ea"/>
+                <a:cs typeface="+mn-cs"/>
+              </a:defRPr>
+            </a:lvl9pPr>
+          </a:lstStyle>
+          <a:p>
+            <a:pPr marL="0" indent="0">
+              <a:buNone/>
+            </a:pPr>
+            <a:endParaRPr lang="en-US" sz="1800" dirty="0">
+              <a:latin typeface="Courier New" panose="02070309020205020404" pitchFamily="49" charset="0"/>
+              <a:cs typeface="Courier New" panose="02070309020205020404" pitchFamily="49" charset="0"/>
+            </a:endParaRPr>
+          </a:p>
+          <a:p>
+            <a:pPr marL="0" indent="0">
+              <a:buNone/>
+            </a:pPr>
+            <a:r>
+              <a:rPr lang="en-US" sz="1800" b="1" dirty="0" err="1">
+                <a:solidFill>
+                  <a:schemeClr val="accent2">
+                    <a:lumMod val="75000"/>
+                  </a:schemeClr>
+                </a:solidFill>
+                <a:latin typeface="Courier New" panose="02070309020205020404" pitchFamily="49" charset="0"/>
+                <a:cs typeface="Courier New" panose="02070309020205020404" pitchFamily="49" charset="0"/>
+              </a:rPr>
+              <a:t>serial_putchar</a:t>
+            </a:r>
+            <a:r>
+              <a:rPr lang="en-US" sz="1800" dirty="0">
+                <a:latin typeface="Courier New" panose="02070309020205020404" pitchFamily="49" charset="0"/>
+                <a:cs typeface="Courier New" panose="02070309020205020404" pitchFamily="49" charset="0"/>
+              </a:rPr>
+              <a:t>:</a:t>
+            </a:r>
+          </a:p>
+          <a:p>
+            <a:pPr marL="0" indent="0">
+              <a:buNone/>
+            </a:pPr>
+            <a:r>
+              <a:rPr lang="en-US" sz="1800" dirty="0">
+                <a:solidFill>
+                  <a:srgbClr val="2953FF"/>
+                </a:solidFill>
+                <a:latin typeface="Courier New" panose="02070309020205020404" pitchFamily="49" charset="0"/>
+                <a:cs typeface="Courier New" panose="02070309020205020404" pitchFamily="49" charset="0"/>
+              </a:rPr>
+              <a:t>.word </a:t>
+            </a:r>
+            <a:r>
+              <a:rPr lang="en-US" sz="1800" dirty="0">
+                <a:latin typeface="Courier New" panose="02070309020205020404" pitchFamily="49" charset="0"/>
+                <a:cs typeface="Courier New" panose="02070309020205020404" pitchFamily="49" charset="0"/>
+              </a:rPr>
+              <a:t>0x3dad</a:t>
+            </a:r>
+          </a:p>
+          <a:p>
+            <a:pPr marL="0" indent="0">
+              <a:buNone/>
+            </a:pPr>
+            <a:endParaRPr lang="en-US" sz="1800" dirty="0">
+              <a:latin typeface="Courier New" panose="02070309020205020404" pitchFamily="49" charset="0"/>
+              <a:cs typeface="Courier New" panose="02070309020205020404" pitchFamily="49" charset="0"/>
+            </a:endParaRPr>
+          </a:p>
+          <a:p>
+            <a:pPr marL="0" indent="0">
+              <a:buNone/>
+            </a:pPr>
+            <a:r>
+              <a:rPr lang="en-US" sz="1800" b="1" dirty="0">
+                <a:solidFill>
+                  <a:schemeClr val="accent2">
+                    <a:lumMod val="75000"/>
+                  </a:schemeClr>
+                </a:solidFill>
+                <a:latin typeface="Courier New" panose="02070309020205020404" pitchFamily="49" charset="0"/>
+                <a:cs typeface="Courier New" panose="02070309020205020404" pitchFamily="49" charset="0"/>
+              </a:rPr>
+              <a:t>hacked</a:t>
+            </a:r>
+            <a:r>
+              <a:rPr lang="en-US" sz="1800" dirty="0">
+                <a:latin typeface="Courier New" panose="02070309020205020404" pitchFamily="49" charset="0"/>
+                <a:cs typeface="Courier New" panose="02070309020205020404" pitchFamily="49" charset="0"/>
+              </a:rPr>
+              <a:t>:</a:t>
+            </a:r>
+          </a:p>
+          <a:p>
+            <a:pPr marL="0" indent="0">
+              <a:buNone/>
+            </a:pPr>
+            <a:r>
+              <a:rPr lang="en-US" sz="1800" dirty="0">
+                <a:solidFill>
+                  <a:srgbClr val="2953FF"/>
+                </a:solidFill>
+                <a:latin typeface="Courier New" panose="02070309020205020404" pitchFamily="49" charset="0"/>
+                <a:cs typeface="Courier New" panose="02070309020205020404" pitchFamily="49" charset="0"/>
+              </a:rPr>
+              <a:t>.ascii </a:t>
+            </a:r>
+            <a:r>
+              <a:rPr lang="en-US" sz="1800" dirty="0">
+                <a:solidFill>
+                  <a:srgbClr val="00B050"/>
+                </a:solidFill>
+                <a:latin typeface="Courier New" panose="02070309020205020404" pitchFamily="49" charset="0"/>
+                <a:cs typeface="Courier New" panose="02070309020205020404" pitchFamily="49" charset="0"/>
+              </a:rPr>
+              <a:t>"HACKED\n"</a:t>
+            </a:r>
+          </a:p>
+          <a:p>
+            <a:pPr marL="0" indent="0">
+              <a:buNone/>
+            </a:pPr>
+            <a:endParaRPr lang="en-US" sz="1800" dirty="0">
+              <a:latin typeface="Courier New" panose="02070309020205020404" pitchFamily="49" charset="0"/>
+              <a:cs typeface="Courier New" panose="02070309020205020404" pitchFamily="49" charset="0"/>
+            </a:endParaRPr>
+          </a:p>
+        </p:txBody>
+      </p:sp>
+    </p:spTree>
+    <p:extLst>
+      <p:ext uri="{BB962C8B-B14F-4D97-AF65-F5344CB8AC3E}">
+        <p14:creationId xmlns:p14="http://schemas.microsoft.com/office/powerpoint/2010/main" val="2882065811"/>
       </p:ext>
     </p:extLst>
   </p:cSld>
